--- a/def.pptx
+++ b/def.pptx
@@ -5,7 +5,7 @@
     <p:sldMasterId id="2147483648" r:id="rId1"/>
   </p:sldMasterIdLst>
   <p:notesMasterIdLst>
-    <p:notesMasterId r:id="rId48"/>
+    <p:notesMasterId r:id="rId49"/>
   </p:notesMasterIdLst>
   <p:sldIdLst>
     <p:sldId id="256" r:id="rId2"/>
@@ -27,33 +27,34 @@
     <p:sldId id="307" r:id="rId18"/>
     <p:sldId id="308" r:id="rId19"/>
     <p:sldId id="309" r:id="rId20"/>
-    <p:sldId id="310" r:id="rId21"/>
-    <p:sldId id="329" r:id="rId22"/>
-    <p:sldId id="312" r:id="rId23"/>
-    <p:sldId id="311" r:id="rId24"/>
-    <p:sldId id="330" r:id="rId25"/>
-    <p:sldId id="317" r:id="rId26"/>
-    <p:sldId id="316" r:id="rId27"/>
-    <p:sldId id="258" r:id="rId28"/>
-    <p:sldId id="259" r:id="rId29"/>
-    <p:sldId id="261" r:id="rId30"/>
-    <p:sldId id="263" r:id="rId31"/>
-    <p:sldId id="264" r:id="rId32"/>
-    <p:sldId id="265" r:id="rId33"/>
-    <p:sldId id="262" r:id="rId34"/>
-    <p:sldId id="266" r:id="rId35"/>
-    <p:sldId id="267" r:id="rId36"/>
-    <p:sldId id="268" r:id="rId37"/>
-    <p:sldId id="325" r:id="rId38"/>
-    <p:sldId id="270" r:id="rId39"/>
-    <p:sldId id="322" r:id="rId40"/>
-    <p:sldId id="297" r:id="rId41"/>
-    <p:sldId id="271" r:id="rId42"/>
-    <p:sldId id="274" r:id="rId43"/>
-    <p:sldId id="324" r:id="rId44"/>
-    <p:sldId id="323" r:id="rId45"/>
-    <p:sldId id="286" r:id="rId46"/>
-    <p:sldId id="321" r:id="rId47"/>
+    <p:sldId id="331" r:id="rId21"/>
+    <p:sldId id="310" r:id="rId22"/>
+    <p:sldId id="329" r:id="rId23"/>
+    <p:sldId id="312" r:id="rId24"/>
+    <p:sldId id="311" r:id="rId25"/>
+    <p:sldId id="330" r:id="rId26"/>
+    <p:sldId id="317" r:id="rId27"/>
+    <p:sldId id="316" r:id="rId28"/>
+    <p:sldId id="258" r:id="rId29"/>
+    <p:sldId id="259" r:id="rId30"/>
+    <p:sldId id="261" r:id="rId31"/>
+    <p:sldId id="263" r:id="rId32"/>
+    <p:sldId id="264" r:id="rId33"/>
+    <p:sldId id="265" r:id="rId34"/>
+    <p:sldId id="262" r:id="rId35"/>
+    <p:sldId id="266" r:id="rId36"/>
+    <p:sldId id="267" r:id="rId37"/>
+    <p:sldId id="268" r:id="rId38"/>
+    <p:sldId id="325" r:id="rId39"/>
+    <p:sldId id="270" r:id="rId40"/>
+    <p:sldId id="322" r:id="rId41"/>
+    <p:sldId id="297" r:id="rId42"/>
+    <p:sldId id="271" r:id="rId43"/>
+    <p:sldId id="274" r:id="rId44"/>
+    <p:sldId id="324" r:id="rId45"/>
+    <p:sldId id="323" r:id="rId46"/>
+    <p:sldId id="286" r:id="rId47"/>
+    <p:sldId id="321" r:id="rId48"/>
   </p:sldIdLst>
   <p:sldSz cx="12192000" cy="6858000"/>
   <p:notesSz cx="6858000" cy="9144000"/>
@@ -275,7 +276,7 @@
           <a:p>
             <a:fld id="{E24C9125-1697-4CE1-AE28-B89EADE8930C}" type="datetimeFigureOut">
               <a:rPr lang="zh-TW" altLang="en-US" smtClean="0"/>
-              <a:t>2016/1/18</a:t>
+              <a:t>2016/1/19</a:t>
             </a:fld>
             <a:endParaRPr lang="zh-TW" altLang="en-US"/>
           </a:p>
@@ -776,7 +777,7 @@
           <a:p>
             <a:fld id="{B060A45A-203A-444E-A6C4-A8E6F832E4E5}" type="slidenum">
               <a:rPr lang="zh-TW" altLang="en-US" smtClean="0"/>
-              <a:t>26</a:t>
+              <a:t>27</a:t>
             </a:fld>
             <a:endParaRPr lang="zh-TW" altLang="en-US"/>
           </a:p>
@@ -860,7 +861,7 @@
           <a:p>
             <a:fld id="{B060A45A-203A-444E-A6C4-A8E6F832E4E5}" type="slidenum">
               <a:rPr lang="zh-TW" altLang="en-US" smtClean="0"/>
-              <a:t>34</a:t>
+              <a:t>35</a:t>
             </a:fld>
             <a:endParaRPr lang="zh-TW" altLang="en-US"/>
           </a:p>
@@ -944,7 +945,7 @@
           <a:p>
             <a:fld id="{B060A45A-203A-444E-A6C4-A8E6F832E4E5}" type="slidenum">
               <a:rPr lang="zh-TW" altLang="en-US" smtClean="0"/>
-              <a:t>37</a:t>
+              <a:t>38</a:t>
             </a:fld>
             <a:endParaRPr lang="zh-TW" altLang="en-US"/>
           </a:p>
@@ -1028,7 +1029,7 @@
           <a:p>
             <a:fld id="{B060A45A-203A-444E-A6C4-A8E6F832E4E5}" type="slidenum">
               <a:rPr lang="zh-TW" altLang="en-US" smtClean="0"/>
-              <a:t>38</a:t>
+              <a:t>39</a:t>
             </a:fld>
             <a:endParaRPr lang="zh-TW" altLang="en-US"/>
           </a:p>
@@ -1112,7 +1113,7 @@
           <a:p>
             <a:fld id="{B060A45A-203A-444E-A6C4-A8E6F832E4E5}" type="slidenum">
               <a:rPr lang="zh-TW" altLang="en-US" smtClean="0"/>
-              <a:t>39</a:t>
+              <a:t>40</a:t>
             </a:fld>
             <a:endParaRPr lang="zh-TW" altLang="en-US"/>
           </a:p>
@@ -1262,7 +1263,7 @@
           <a:p>
             <a:fld id="{C3356EC2-70D7-4851-A72A-3393EB1BDB66}" type="datetime1">
               <a:rPr lang="zh-TW" altLang="en-US" smtClean="0"/>
-              <a:t>2016/1/18</a:t>
+              <a:t>2016/1/19</a:t>
             </a:fld>
             <a:endParaRPr lang="zh-TW" altLang="en-US"/>
           </a:p>
@@ -1432,7 +1433,7 @@
           <a:p>
             <a:fld id="{E147EDBC-93AC-462A-BBC3-5CBEAF45E01B}" type="datetime1">
               <a:rPr lang="zh-TW" altLang="en-US" smtClean="0"/>
-              <a:t>2016/1/18</a:t>
+              <a:t>2016/1/19</a:t>
             </a:fld>
             <a:endParaRPr lang="zh-TW" altLang="en-US"/>
           </a:p>
@@ -1612,7 +1613,7 @@
           <a:p>
             <a:fld id="{A3C33EC8-072A-4E1D-BAD9-1C827A59DA04}" type="datetime1">
               <a:rPr lang="zh-TW" altLang="en-US" smtClean="0"/>
-              <a:t>2016/1/18</a:t>
+              <a:t>2016/1/19</a:t>
             </a:fld>
             <a:endParaRPr lang="zh-TW" altLang="en-US"/>
           </a:p>
@@ -1782,7 +1783,7 @@
           <a:p>
             <a:fld id="{4DB61B15-572E-48C7-B776-F3D4E444BB54}" type="datetime1">
               <a:rPr lang="zh-TW" altLang="en-US" smtClean="0"/>
-              <a:t>2016/1/18</a:t>
+              <a:t>2016/1/19</a:t>
             </a:fld>
             <a:endParaRPr lang="zh-TW" altLang="en-US"/>
           </a:p>
@@ -2028,7 +2029,7 @@
           <a:p>
             <a:fld id="{6EE39777-5156-4805-B688-4904DB353163}" type="datetime1">
               <a:rPr lang="zh-TW" altLang="en-US" smtClean="0"/>
-              <a:t>2016/1/18</a:t>
+              <a:t>2016/1/19</a:t>
             </a:fld>
             <a:endParaRPr lang="zh-TW" altLang="en-US"/>
           </a:p>
@@ -2260,7 +2261,7 @@
           <a:p>
             <a:fld id="{45655C31-2E7F-4C35-8042-0C45C08D7440}" type="datetime1">
               <a:rPr lang="zh-TW" altLang="en-US" smtClean="0"/>
-              <a:t>2016/1/18</a:t>
+              <a:t>2016/1/19</a:t>
             </a:fld>
             <a:endParaRPr lang="zh-TW" altLang="en-US"/>
           </a:p>
@@ -2627,7 +2628,7 @@
           <a:p>
             <a:fld id="{22F06C8D-ACD9-4ABA-A7C1-5F8DB9D422D7}" type="datetime1">
               <a:rPr lang="zh-TW" altLang="en-US" smtClean="0"/>
-              <a:t>2016/1/18</a:t>
+              <a:t>2016/1/19</a:t>
             </a:fld>
             <a:endParaRPr lang="zh-TW" altLang="en-US"/>
           </a:p>
@@ -2745,7 +2746,7 @@
           <a:p>
             <a:fld id="{32B0B130-D397-4D92-BE90-45DDD8DD8CB0}" type="datetime1">
               <a:rPr lang="zh-TW" altLang="en-US" smtClean="0"/>
-              <a:t>2016/1/18</a:t>
+              <a:t>2016/1/19</a:t>
             </a:fld>
             <a:endParaRPr lang="zh-TW" altLang="en-US"/>
           </a:p>
@@ -2840,7 +2841,7 @@
           <a:p>
             <a:fld id="{7A11331A-96C1-4CEE-A6C3-8769EAF3B446}" type="datetime1">
               <a:rPr lang="zh-TW" altLang="en-US" smtClean="0"/>
-              <a:t>2016/1/18</a:t>
+              <a:t>2016/1/19</a:t>
             </a:fld>
             <a:endParaRPr lang="zh-TW" altLang="en-US"/>
           </a:p>
@@ -3117,7 +3118,7 @@
           <a:p>
             <a:fld id="{C7CAADD4-BE71-46B6-808F-70D7527BF1CF}" type="datetime1">
               <a:rPr lang="zh-TW" altLang="en-US" smtClean="0"/>
-              <a:t>2016/1/18</a:t>
+              <a:t>2016/1/19</a:t>
             </a:fld>
             <a:endParaRPr lang="zh-TW" altLang="en-US"/>
           </a:p>
@@ -3370,7 +3371,7 @@
           <a:p>
             <a:fld id="{FA481C94-BF23-4EBB-A70D-E5FE9E6E8E0F}" type="datetime1">
               <a:rPr lang="zh-TW" altLang="en-US" smtClean="0"/>
-              <a:t>2016/1/18</a:t>
+              <a:t>2016/1/19</a:t>
             </a:fld>
             <a:endParaRPr lang="zh-TW" altLang="en-US"/>
           </a:p>
@@ -3583,7 +3584,7 @@
           <a:p>
             <a:fld id="{283BDA49-4438-4DFD-8C9B-3AC5A597E61D}" type="datetime1">
               <a:rPr lang="zh-TW" altLang="en-US" smtClean="0"/>
-              <a:t>2016/1/18</a:t>
+              <a:t>2016/1/19</a:t>
             </a:fld>
             <a:endParaRPr lang="zh-TW" altLang="en-US"/>
           </a:p>
@@ -8635,11 +8636,7 @@
             </a:r>
             <a:r>
               <a:rPr lang="en-US" altLang="zh-TW" dirty="0" smtClean="0"/>
-              <a:t>ATL*</a:t>
-            </a:r>
-            <a:r>
-              <a:rPr lang="en-US" altLang="zh-TW" dirty="0" smtClean="0"/>
-              <a:t> which cannot be fulfilled through a memoryless strategy </a:t>
+              <a:t>ATL* which cannot be fulfilled through a memoryless strategy </a:t>
             </a:r>
             <a:br>
               <a:rPr lang="en-US" altLang="zh-TW" dirty="0" smtClean="0"/>
@@ -8653,11 +8650,7 @@
             </a:br>
             <a:r>
               <a:rPr lang="en-US" altLang="zh-TW" dirty="0" smtClean="0"/>
-              <a:t>&lt;</a:t>
-            </a:r>
-            <a:r>
-              <a:rPr lang="en-US" altLang="zh-TW" dirty="0" smtClean="0"/>
-              <a:t>1&gt;((</a:t>
+              <a:t>&lt;1&gt;((</a:t>
             </a:r>
             <a:r>
               <a:rPr lang="zh-TW" altLang="en-US" dirty="0" smtClean="0"/>
@@ -9408,11 +9401,7 @@
           <a:p>
             <a:r>
               <a:rPr lang="pt-BR" altLang="zh-TW" dirty="0" smtClean="0"/>
-              <a:t>DNBB</a:t>
-            </a:r>
-            <a:r>
-              <a:rPr lang="pt-BR" altLang="zh-TW" dirty="0" smtClean="0"/>
-              <a:t>:</a:t>
+              <a:t>DNBB:</a:t>
             </a:r>
             <a:br>
               <a:rPr lang="pt-BR" altLang="zh-TW" dirty="0" smtClean="0"/>
@@ -9755,7 +9744,6 @@
               <a:rPr lang="en-US" altLang="zh-TW" dirty="0" smtClean="0"/>
               <a:t>Contribution</a:t>
             </a:r>
-            <a:endParaRPr lang="en-US" altLang="zh-TW" dirty="0" smtClean="0"/>
           </a:p>
           <a:p>
             <a:pPr marL="228600" lvl="1">
@@ -9765,11 +9753,7 @@
             </a:pPr>
             <a:r>
               <a:rPr lang="en-US" altLang="zh-TW" sz="2900" dirty="0" smtClean="0"/>
-              <a:t>Game </a:t>
-            </a:r>
-            <a:r>
-              <a:rPr lang="en-US" altLang="zh-TW" sz="2900" dirty="0" smtClean="0"/>
-              <a:t>graph</a:t>
+              <a:t>Game graph</a:t>
             </a:r>
             <a:endParaRPr lang="en-US" altLang="zh-TW" dirty="0" smtClean="0"/>
           </a:p>
@@ -9945,7 +9929,7 @@
           <a:p>
             <a:r>
               <a:rPr lang="en-US" altLang="zh-TW" dirty="0" smtClean="0"/>
-              <a:t>Algorithm-BSIL</a:t>
+              <a:t>Algorithm-Pass down obligation</a:t>
             </a:r>
             <a:endParaRPr lang="zh-TW" altLang="en-US" dirty="0"/>
           </a:p>
@@ -9967,33 +9951,79 @@
           <a:lstStyle/>
           <a:p>
             <a:r>
-              <a:rPr lang="en-US" altLang="zh-TW" dirty="0" smtClean="0"/>
-              <a:t>Rewrite BSIL to DNBB</a:t>
-            </a:r>
-          </a:p>
-          <a:p>
-            <a:r>
-              <a:rPr lang="en-US" altLang="zh-TW" dirty="0" smtClean="0"/>
-              <a:t>Guess the obligations</a:t>
-            </a:r>
-          </a:p>
-          <a:p>
-            <a:r>
-              <a:rPr lang="en-US" altLang="zh-TW" dirty="0" smtClean="0"/>
-              <a:t>Pass down the unfulfilled obligations according to the strategy variable binding and the transition function of current state</a:t>
-            </a:r>
-          </a:p>
-          <a:p>
-            <a:r>
-              <a:rPr lang="en-US" altLang="zh-TW" dirty="0" smtClean="0"/>
-              <a:t>Recursively check the successors in the computation tree</a:t>
-            </a:r>
-          </a:p>
-          <a:p>
-            <a:r>
-              <a:rPr lang="en-US" altLang="zh-TW" dirty="0" smtClean="0"/>
-              <a:t>While encountering repeated game state, if the obligation set remain the same, return false. </a:t>
-            </a:r>
+              <a:rPr lang="en-US" altLang="zh-TW" dirty="0">
+                <a:sym typeface="Symbol"/>
+              </a:rPr>
+              <a:t>(</a:t>
+            </a:r>
+            <a:r>
+              <a:rPr lang="en-US" altLang="zh-TW" dirty="0" smtClean="0">
+                <a:sym typeface="Symbol"/>
+              </a:rPr>
+              <a:t>1.a)</a:t>
+            </a:r>
+            <a:r>
+              <a:rPr lang="el-GR" altLang="zh-TW" i="1" dirty="0" smtClean="0"/>
+              <a:t>θ</a:t>
+            </a:r>
+            <a:r>
+              <a:rPr lang="en-US" altLang="zh-TW" i="1" baseline="-25000" dirty="0" smtClean="0"/>
+              <a:t>1</a:t>
+            </a:r>
+            <a:r>
+              <a:rPr lang="pt-BR" altLang="zh-TW" dirty="0"/>
+              <a:t> </a:t>
+            </a:r>
+            <a:r>
+              <a:rPr lang="pt-BR" altLang="zh-TW" dirty="0" smtClean="0"/>
+              <a:t>∧ </a:t>
+            </a:r>
+            <a:r>
+              <a:rPr lang="en-US" altLang="zh-TW" dirty="0">
+                <a:sym typeface="Symbol"/>
+              </a:rPr>
+              <a:t>(</a:t>
+            </a:r>
+            <a:r>
+              <a:rPr lang="en-US" altLang="zh-TW" dirty="0" smtClean="0">
+                <a:sym typeface="Symbol"/>
+              </a:rPr>
+              <a:t>1.a)</a:t>
+            </a:r>
+            <a:r>
+              <a:rPr lang="el-GR" altLang="zh-TW" i="1" dirty="0" smtClean="0"/>
+              <a:t>θ</a:t>
+            </a:r>
+            <a:r>
+              <a:rPr lang="en-US" altLang="zh-TW" i="1" baseline="-25000" dirty="0" smtClean="0"/>
+              <a:t>2</a:t>
+            </a:r>
+            <a:r>
+              <a:rPr lang="pt-BR" altLang="zh-TW" dirty="0" smtClean="0"/>
+              <a:t> </a:t>
+            </a:r>
+            <a:r>
+              <a:rPr lang="pt-BR" altLang="zh-TW" dirty="0"/>
+              <a:t>∧ </a:t>
+            </a:r>
+            <a:r>
+              <a:rPr lang="en-US" altLang="zh-TW" dirty="0">
+                <a:sym typeface="Symbol"/>
+              </a:rPr>
+              <a:t>(1.b)</a:t>
+            </a:r>
+            <a:r>
+              <a:rPr lang="el-GR" altLang="zh-TW" i="1" dirty="0" smtClean="0"/>
+              <a:t>θ</a:t>
+            </a:r>
+            <a:r>
+              <a:rPr lang="en-US" altLang="zh-TW" i="1" baseline="-25000" dirty="0"/>
+              <a:t>3</a:t>
+            </a:r>
+            <a:endParaRPr lang="pt-BR" altLang="zh-TW" dirty="0" smtClean="0"/>
+          </a:p>
+          <a:p>
+            <a:endParaRPr lang="zh-TW" altLang="en-US" dirty="0"/>
           </a:p>
         </p:txBody>
       </p:sp>
@@ -10016,14 +10046,1336 @@
               <a:rPr lang="zh-TW" altLang="en-US" smtClean="0"/>
               <a:t>20</a:t>
             </a:fld>
-            <a:endParaRPr lang="zh-TW" altLang="en-US"/>
+            <a:endParaRPr lang="zh-TW" altLang="en-US" dirty="0"/>
+          </a:p>
+        </p:txBody>
+      </p:sp>
+      <p:sp>
+        <p:nvSpPr>
+          <p:cNvPr id="5" name="橢圓 4"/>
+          <p:cNvSpPr/>
+          <p:nvPr/>
+        </p:nvSpPr>
+        <p:spPr>
+          <a:xfrm>
+            <a:off x="1373773" y="2432112"/>
+            <a:ext cx="1520079" cy="772997"/>
+          </a:xfrm>
+          <a:prstGeom prst="ellipse">
+            <a:avLst/>
+          </a:prstGeom>
+          <a:ln w="57150"/>
+        </p:spPr>
+        <p:style>
+          <a:lnRef idx="2">
+            <a:schemeClr val="dk1"/>
+          </a:lnRef>
+          <a:fillRef idx="1">
+            <a:schemeClr val="lt1"/>
+          </a:fillRef>
+          <a:effectRef idx="0">
+            <a:schemeClr val="dk1"/>
+          </a:effectRef>
+          <a:fontRef idx="minor">
+            <a:schemeClr val="dk1"/>
+          </a:fontRef>
+        </p:style>
+        <p:txBody>
+          <a:bodyPr rtlCol="0" anchor="ctr"/>
+          <a:lstStyle/>
+          <a:p>
+            <a:pPr algn="ctr"/>
+            <a:r>
+              <a:rPr lang="el-GR" altLang="zh-TW" sz="1600" i="1" dirty="0" smtClean="0"/>
+              <a:t>θ</a:t>
+            </a:r>
+            <a:r>
+              <a:rPr lang="en-US" altLang="zh-TW" sz="1600" i="1" baseline="-25000" dirty="0" smtClean="0"/>
+              <a:t>1</a:t>
+            </a:r>
+            <a:r>
+              <a:rPr lang="en-US" altLang="zh-TW" sz="1600" i="1" dirty="0" smtClean="0"/>
+              <a:t>,</a:t>
+            </a:r>
+            <a:r>
+              <a:rPr lang="el-GR" altLang="zh-TW" sz="1600" i="1" dirty="0" smtClean="0"/>
+              <a:t>θ</a:t>
+            </a:r>
+            <a:r>
+              <a:rPr lang="en-US" altLang="zh-TW" sz="1600" i="1" baseline="-25000" dirty="0" smtClean="0"/>
+              <a:t>2</a:t>
+            </a:r>
+            <a:r>
+              <a:rPr lang="en-US" altLang="zh-TW" sz="1600" i="1" dirty="0" smtClean="0"/>
+              <a:t>,</a:t>
+            </a:r>
+            <a:r>
+              <a:rPr lang="el-GR" altLang="zh-TW" sz="1600" i="1" dirty="0" smtClean="0"/>
+              <a:t>θ</a:t>
+            </a:r>
+            <a:r>
+              <a:rPr lang="en-US" altLang="zh-TW" sz="1600" i="1" baseline="-25000" dirty="0"/>
+              <a:t>3</a:t>
+            </a:r>
+            <a:endParaRPr lang="zh-TW" altLang="en-US" sz="1600" i="1" dirty="0"/>
+          </a:p>
+        </p:txBody>
+      </p:sp>
+      <p:sp>
+        <p:nvSpPr>
+          <p:cNvPr id="8" name="橢圓 7"/>
+          <p:cNvSpPr/>
+          <p:nvPr/>
+        </p:nvSpPr>
+        <p:spPr>
+          <a:xfrm>
+            <a:off x="458612" y="3752290"/>
+            <a:ext cx="1074639" cy="772997"/>
+          </a:xfrm>
+          <a:prstGeom prst="ellipse">
+            <a:avLst/>
+          </a:prstGeom>
+          <a:ln w="57150"/>
+        </p:spPr>
+        <p:style>
+          <a:lnRef idx="2">
+            <a:schemeClr val="dk1"/>
+          </a:lnRef>
+          <a:fillRef idx="1">
+            <a:schemeClr val="lt1"/>
+          </a:fillRef>
+          <a:effectRef idx="0">
+            <a:schemeClr val="dk1"/>
+          </a:effectRef>
+          <a:fontRef idx="minor">
+            <a:schemeClr val="dk1"/>
+          </a:fontRef>
+        </p:style>
+        <p:txBody>
+          <a:bodyPr rtlCol="0" anchor="ctr"/>
+          <a:lstStyle/>
+          <a:p>
+            <a:pPr algn="ctr"/>
+            <a:r>
+              <a:rPr lang="el-GR" altLang="zh-TW" sz="1600" i="1" dirty="0"/>
+              <a:t>θ</a:t>
+            </a:r>
+            <a:r>
+              <a:rPr lang="en-US" altLang="zh-TW" sz="1600" i="1" baseline="-25000" dirty="0"/>
+              <a:t>1</a:t>
+            </a:r>
+            <a:r>
+              <a:rPr lang="el-GR" altLang="zh-TW" sz="1600" i="1" dirty="0"/>
+              <a:t> </a:t>
+            </a:r>
+            <a:r>
+              <a:rPr lang="en-US" altLang="zh-TW" sz="1600" i="1" dirty="0"/>
+              <a:t>,</a:t>
+            </a:r>
+            <a:r>
+              <a:rPr lang="el-GR" altLang="zh-TW" sz="1600" i="1" dirty="0"/>
+              <a:t>θ</a:t>
+            </a:r>
+            <a:r>
+              <a:rPr lang="en-US" altLang="zh-TW" sz="1600" i="1" baseline="-25000" dirty="0"/>
+              <a:t>2</a:t>
+            </a:r>
+            <a:endParaRPr lang="zh-TW" altLang="en-US" sz="1600" dirty="0"/>
+          </a:p>
+        </p:txBody>
+      </p:sp>
+      <p:sp>
+        <p:nvSpPr>
+          <p:cNvPr id="9" name="橢圓 8"/>
+          <p:cNvSpPr/>
+          <p:nvPr/>
+        </p:nvSpPr>
+        <p:spPr>
+          <a:xfrm>
+            <a:off x="2806849" y="3756587"/>
+            <a:ext cx="782425" cy="772997"/>
+          </a:xfrm>
+          <a:prstGeom prst="ellipse">
+            <a:avLst/>
+          </a:prstGeom>
+          <a:ln w="57150"/>
+        </p:spPr>
+        <p:style>
+          <a:lnRef idx="2">
+            <a:schemeClr val="dk1"/>
+          </a:lnRef>
+          <a:fillRef idx="1">
+            <a:schemeClr val="lt1"/>
+          </a:fillRef>
+          <a:effectRef idx="0">
+            <a:schemeClr val="dk1"/>
+          </a:effectRef>
+          <a:fontRef idx="minor">
+            <a:schemeClr val="dk1"/>
+          </a:fontRef>
+        </p:style>
+        <p:txBody>
+          <a:bodyPr rtlCol="0" anchor="ctr"/>
+          <a:lstStyle/>
+          <a:p>
+            <a:pPr algn="ctr"/>
+            <a:r>
+              <a:rPr lang="el-GR" altLang="zh-TW" i="1" dirty="0"/>
+              <a:t>θ</a:t>
+            </a:r>
+            <a:r>
+              <a:rPr lang="en-US" altLang="zh-TW" i="1" baseline="-25000" dirty="0"/>
+              <a:t>3</a:t>
+            </a:r>
+            <a:endParaRPr lang="zh-TW" altLang="en-US" dirty="0"/>
+          </a:p>
+        </p:txBody>
+      </p:sp>
+      <p:cxnSp>
+        <p:nvCxnSpPr>
+          <p:cNvPr id="15" name="直線單箭頭接點 14"/>
+          <p:cNvCxnSpPr>
+            <a:stCxn id="5" idx="3"/>
+            <a:endCxn id="8" idx="7"/>
+          </p:cNvCxnSpPr>
+          <p:nvPr/>
+        </p:nvCxnSpPr>
+        <p:spPr>
+          <a:xfrm flipH="1">
+            <a:off x="1375874" y="3091906"/>
+            <a:ext cx="220509" cy="773587"/>
+          </a:xfrm>
+          <a:prstGeom prst="straightConnector1">
+            <a:avLst/>
+          </a:prstGeom>
+          <a:ln w="57150">
+            <a:tailEnd type="triangle"/>
+          </a:ln>
+        </p:spPr>
+        <p:style>
+          <a:lnRef idx="2">
+            <a:schemeClr val="dk1"/>
+          </a:lnRef>
+          <a:fillRef idx="1">
+            <a:schemeClr val="lt1"/>
+          </a:fillRef>
+          <a:effectRef idx="0">
+            <a:schemeClr val="dk1"/>
+          </a:effectRef>
+          <a:fontRef idx="minor">
+            <a:schemeClr val="dk1"/>
+          </a:fontRef>
+        </p:style>
+      </p:cxnSp>
+      <p:cxnSp>
+        <p:nvCxnSpPr>
+          <p:cNvPr id="18" name="直線單箭頭接點 17"/>
+          <p:cNvCxnSpPr>
+            <a:stCxn id="5" idx="5"/>
+            <a:endCxn id="9" idx="1"/>
+          </p:cNvCxnSpPr>
+          <p:nvPr/>
+        </p:nvCxnSpPr>
+        <p:spPr>
+          <a:xfrm>
+            <a:off x="2671242" y="3091906"/>
+            <a:ext cx="250190" cy="777884"/>
+          </a:xfrm>
+          <a:prstGeom prst="straightConnector1">
+            <a:avLst/>
+          </a:prstGeom>
+          <a:ln w="57150">
+            <a:tailEnd type="triangle"/>
+          </a:ln>
+        </p:spPr>
+        <p:style>
+          <a:lnRef idx="2">
+            <a:schemeClr val="dk1"/>
+          </a:lnRef>
+          <a:fillRef idx="1">
+            <a:schemeClr val="lt1"/>
+          </a:fillRef>
+          <a:effectRef idx="0">
+            <a:schemeClr val="dk1"/>
+          </a:effectRef>
+          <a:fontRef idx="minor">
+            <a:schemeClr val="dk1"/>
+          </a:fontRef>
+        </p:style>
+      </p:cxnSp>
+      <p:sp>
+        <p:nvSpPr>
+          <p:cNvPr id="32" name="文字方塊 31"/>
+          <p:cNvSpPr txBox="1"/>
+          <p:nvPr/>
+        </p:nvSpPr>
+        <p:spPr>
+          <a:xfrm>
+            <a:off x="836509" y="3219764"/>
+            <a:ext cx="617477" cy="369332"/>
+          </a:xfrm>
+          <a:prstGeom prst="rect">
+            <a:avLst/>
+          </a:prstGeom>
+          <a:noFill/>
+        </p:spPr>
+        <p:txBody>
+          <a:bodyPr wrap="none" rtlCol="0">
+            <a:spAutoFit/>
+          </a:bodyPr>
+          <a:lstStyle/>
+          <a:p>
+            <a:r>
+              <a:rPr lang="en-US" altLang="zh-TW" dirty="0" smtClean="0"/>
+              <a:t>[0,0]</a:t>
+            </a:r>
+            <a:endParaRPr lang="zh-TW" altLang="en-US" dirty="0"/>
+          </a:p>
+        </p:txBody>
+      </p:sp>
+      <p:sp>
+        <p:nvSpPr>
+          <p:cNvPr id="33" name="橢圓 32"/>
+          <p:cNvSpPr/>
+          <p:nvPr/>
+        </p:nvSpPr>
+        <p:spPr>
+          <a:xfrm>
+            <a:off x="1728858" y="3789630"/>
+            <a:ext cx="782425" cy="772997"/>
+          </a:xfrm>
+          <a:prstGeom prst="ellipse">
+            <a:avLst/>
+          </a:prstGeom>
+          <a:ln w="57150"/>
+        </p:spPr>
+        <p:style>
+          <a:lnRef idx="2">
+            <a:schemeClr val="dk1"/>
+          </a:lnRef>
+          <a:fillRef idx="1">
+            <a:schemeClr val="lt1"/>
+          </a:fillRef>
+          <a:effectRef idx="0">
+            <a:schemeClr val="dk1"/>
+          </a:effectRef>
+          <a:fontRef idx="minor">
+            <a:schemeClr val="dk1"/>
+          </a:fontRef>
+        </p:style>
+        <p:txBody>
+          <a:bodyPr rtlCol="0" anchor="ctr"/>
+          <a:lstStyle/>
+          <a:p>
+            <a:pPr algn="ctr"/>
+            <a:endParaRPr lang="zh-TW" altLang="en-US" dirty="0"/>
+          </a:p>
+        </p:txBody>
+      </p:sp>
+      <p:cxnSp>
+        <p:nvCxnSpPr>
+          <p:cNvPr id="36" name="直線單箭頭接點 35"/>
+          <p:cNvCxnSpPr>
+            <a:stCxn id="5" idx="4"/>
+            <a:endCxn id="33" idx="0"/>
+          </p:cNvCxnSpPr>
+          <p:nvPr/>
+        </p:nvCxnSpPr>
+        <p:spPr>
+          <a:xfrm flipH="1">
+            <a:off x="2120071" y="3205109"/>
+            <a:ext cx="13742" cy="584521"/>
+          </a:xfrm>
+          <a:prstGeom prst="straightConnector1">
+            <a:avLst/>
+          </a:prstGeom>
+          <a:ln w="57150">
+            <a:tailEnd type="triangle"/>
+          </a:ln>
+        </p:spPr>
+        <p:style>
+          <a:lnRef idx="2">
+            <a:schemeClr val="dk1"/>
+          </a:lnRef>
+          <a:fillRef idx="1">
+            <a:schemeClr val="lt1"/>
+          </a:fillRef>
+          <a:effectRef idx="0">
+            <a:schemeClr val="dk1"/>
+          </a:effectRef>
+          <a:fontRef idx="minor">
+            <a:schemeClr val="dk1"/>
+          </a:fontRef>
+        </p:style>
+      </p:cxnSp>
+      <p:sp>
+        <p:nvSpPr>
+          <p:cNvPr id="40" name="文字方塊 39"/>
+          <p:cNvSpPr txBox="1"/>
+          <p:nvPr/>
+        </p:nvSpPr>
+        <p:spPr>
+          <a:xfrm>
+            <a:off x="1548026" y="3269304"/>
+            <a:ext cx="617477" cy="369332"/>
+          </a:xfrm>
+          <a:prstGeom prst="rect">
+            <a:avLst/>
+          </a:prstGeom>
+          <a:noFill/>
+        </p:spPr>
+        <p:txBody>
+          <a:bodyPr wrap="none" rtlCol="0">
+            <a:spAutoFit/>
+          </a:bodyPr>
+          <a:lstStyle/>
+          <a:p>
+            <a:r>
+              <a:rPr lang="en-US" altLang="zh-TW" dirty="0" smtClean="0"/>
+              <a:t>[0,1]</a:t>
+            </a:r>
+            <a:endParaRPr lang="zh-TW" altLang="en-US" dirty="0"/>
+          </a:p>
+        </p:txBody>
+      </p:sp>
+      <p:sp>
+        <p:nvSpPr>
+          <p:cNvPr id="41" name="文字方塊 40"/>
+          <p:cNvSpPr txBox="1"/>
+          <p:nvPr/>
+        </p:nvSpPr>
+        <p:spPr>
+          <a:xfrm>
+            <a:off x="2782984" y="3172462"/>
+            <a:ext cx="570990" cy="369332"/>
+          </a:xfrm>
+          <a:prstGeom prst="rect">
+            <a:avLst/>
+          </a:prstGeom>
+          <a:noFill/>
+        </p:spPr>
+        <p:txBody>
+          <a:bodyPr wrap="none" rtlCol="0">
+            <a:spAutoFit/>
+          </a:bodyPr>
+          <a:lstStyle/>
+          <a:p>
+            <a:r>
+              <a:rPr lang="en-US" altLang="zh-TW" dirty="0" smtClean="0"/>
+              <a:t>[1,-]</a:t>
+            </a:r>
+            <a:endParaRPr lang="zh-TW" altLang="en-US" dirty="0"/>
+          </a:p>
+        </p:txBody>
+      </p:sp>
+      <p:sp>
+        <p:nvSpPr>
+          <p:cNvPr id="45" name="橢圓 44"/>
+          <p:cNvSpPr/>
+          <p:nvPr/>
+        </p:nvSpPr>
+        <p:spPr>
+          <a:xfrm>
+            <a:off x="4883285" y="2545315"/>
+            <a:ext cx="1605629" cy="772997"/>
+          </a:xfrm>
+          <a:prstGeom prst="ellipse">
+            <a:avLst/>
+          </a:prstGeom>
+          <a:ln w="57150"/>
+        </p:spPr>
+        <p:style>
+          <a:lnRef idx="2">
+            <a:schemeClr val="dk1"/>
+          </a:lnRef>
+          <a:fillRef idx="1">
+            <a:schemeClr val="lt1"/>
+          </a:fillRef>
+          <a:effectRef idx="0">
+            <a:schemeClr val="dk1"/>
+          </a:effectRef>
+          <a:fontRef idx="minor">
+            <a:schemeClr val="dk1"/>
+          </a:fontRef>
+        </p:style>
+        <p:txBody>
+          <a:bodyPr rtlCol="0" anchor="ctr"/>
+          <a:lstStyle/>
+          <a:p>
+            <a:pPr algn="ctr"/>
+            <a:r>
+              <a:rPr lang="el-GR" altLang="zh-TW" i="1" dirty="0"/>
+              <a:t>θ</a:t>
+            </a:r>
+            <a:r>
+              <a:rPr lang="en-US" altLang="zh-TW" i="1" baseline="-25000" dirty="0"/>
+              <a:t>1</a:t>
+            </a:r>
+            <a:r>
+              <a:rPr lang="en-US" altLang="zh-TW" i="1" dirty="0"/>
+              <a:t>,</a:t>
+            </a:r>
+            <a:r>
+              <a:rPr lang="el-GR" altLang="zh-TW" i="1" dirty="0"/>
+              <a:t>θ</a:t>
+            </a:r>
+            <a:r>
+              <a:rPr lang="en-US" altLang="zh-TW" i="1" baseline="-25000" dirty="0"/>
+              <a:t>2</a:t>
+            </a:r>
+            <a:r>
+              <a:rPr lang="en-US" altLang="zh-TW" i="1" dirty="0"/>
+              <a:t>,</a:t>
+            </a:r>
+            <a:r>
+              <a:rPr lang="el-GR" altLang="zh-TW" i="1" dirty="0"/>
+              <a:t>θ</a:t>
+            </a:r>
+            <a:r>
+              <a:rPr lang="en-US" altLang="zh-TW" i="1" baseline="-25000" dirty="0"/>
+              <a:t>3</a:t>
+            </a:r>
+            <a:endParaRPr lang="zh-TW" altLang="en-US" i="1" dirty="0"/>
+          </a:p>
+        </p:txBody>
+      </p:sp>
+      <p:sp>
+        <p:nvSpPr>
+          <p:cNvPr id="46" name="橢圓 45"/>
+          <p:cNvSpPr/>
+          <p:nvPr/>
+        </p:nvSpPr>
+        <p:spPr>
+          <a:xfrm>
+            <a:off x="3919721" y="3761155"/>
+            <a:ext cx="1092179" cy="772997"/>
+          </a:xfrm>
+          <a:prstGeom prst="ellipse">
+            <a:avLst/>
+          </a:prstGeom>
+          <a:ln w="57150"/>
+        </p:spPr>
+        <p:style>
+          <a:lnRef idx="2">
+            <a:schemeClr val="dk1"/>
+          </a:lnRef>
+          <a:fillRef idx="1">
+            <a:schemeClr val="lt1"/>
+          </a:fillRef>
+          <a:effectRef idx="0">
+            <a:schemeClr val="dk1"/>
+          </a:effectRef>
+          <a:fontRef idx="minor">
+            <a:schemeClr val="dk1"/>
+          </a:fontRef>
+        </p:style>
+        <p:txBody>
+          <a:bodyPr rtlCol="0" anchor="ctr"/>
+          <a:lstStyle/>
+          <a:p>
+            <a:pPr algn="ctr"/>
+            <a:r>
+              <a:rPr lang="el-GR" altLang="zh-TW" i="1" dirty="0"/>
+              <a:t>θ</a:t>
+            </a:r>
+            <a:r>
+              <a:rPr lang="en-US" altLang="zh-TW" i="1" baseline="-25000" dirty="0" smtClean="0"/>
+              <a:t>3</a:t>
+            </a:r>
+            <a:endParaRPr lang="zh-TW" altLang="en-US" dirty="0"/>
+          </a:p>
+        </p:txBody>
+      </p:sp>
+      <p:sp>
+        <p:nvSpPr>
+          <p:cNvPr id="47" name="橢圓 46"/>
+          <p:cNvSpPr/>
+          <p:nvPr/>
+        </p:nvSpPr>
+        <p:spPr>
+          <a:xfrm>
+            <a:off x="6318035" y="3761156"/>
+            <a:ext cx="1062500" cy="772997"/>
+          </a:xfrm>
+          <a:prstGeom prst="ellipse">
+            <a:avLst/>
+          </a:prstGeom>
+          <a:ln w="57150"/>
+        </p:spPr>
+        <p:style>
+          <a:lnRef idx="2">
+            <a:schemeClr val="dk1"/>
+          </a:lnRef>
+          <a:fillRef idx="1">
+            <a:schemeClr val="lt1"/>
+          </a:fillRef>
+          <a:effectRef idx="0">
+            <a:schemeClr val="dk1"/>
+          </a:effectRef>
+          <a:fontRef idx="minor">
+            <a:schemeClr val="dk1"/>
+          </a:fontRef>
+        </p:style>
+        <p:txBody>
+          <a:bodyPr rtlCol="0" anchor="ctr"/>
+          <a:lstStyle/>
+          <a:p>
+            <a:pPr algn="ctr"/>
+            <a:r>
+              <a:rPr lang="el-GR" altLang="zh-TW" i="1" dirty="0"/>
+              <a:t>θ</a:t>
+            </a:r>
+            <a:r>
+              <a:rPr lang="en-US" altLang="zh-TW" i="1" baseline="-25000" dirty="0"/>
+              <a:t>1</a:t>
+            </a:r>
+            <a:r>
+              <a:rPr lang="el-GR" altLang="zh-TW" i="1" dirty="0"/>
+              <a:t> </a:t>
+            </a:r>
+            <a:r>
+              <a:rPr lang="en-US" altLang="zh-TW" i="1" dirty="0"/>
+              <a:t>,</a:t>
+            </a:r>
+            <a:r>
+              <a:rPr lang="el-GR" altLang="zh-TW" i="1" dirty="0"/>
+              <a:t>θ</a:t>
+            </a:r>
+            <a:r>
+              <a:rPr lang="en-US" altLang="zh-TW" i="1" baseline="-25000" dirty="0"/>
+              <a:t>2</a:t>
+            </a:r>
+            <a:endParaRPr lang="zh-TW" altLang="en-US" dirty="0"/>
+          </a:p>
+        </p:txBody>
+      </p:sp>
+      <p:cxnSp>
+        <p:nvCxnSpPr>
+          <p:cNvPr id="48" name="直線單箭頭接點 47"/>
+          <p:cNvCxnSpPr>
+            <a:stCxn id="45" idx="3"/>
+            <a:endCxn id="46" idx="7"/>
+          </p:cNvCxnSpPr>
+          <p:nvPr/>
+        </p:nvCxnSpPr>
+        <p:spPr>
+          <a:xfrm flipH="1">
+            <a:off x="4851954" y="3205109"/>
+            <a:ext cx="266470" cy="669249"/>
+          </a:xfrm>
+          <a:prstGeom prst="straightConnector1">
+            <a:avLst/>
+          </a:prstGeom>
+          <a:ln w="57150">
+            <a:tailEnd type="triangle"/>
+          </a:ln>
+        </p:spPr>
+        <p:style>
+          <a:lnRef idx="2">
+            <a:schemeClr val="dk1"/>
+          </a:lnRef>
+          <a:fillRef idx="1">
+            <a:schemeClr val="lt1"/>
+          </a:fillRef>
+          <a:effectRef idx="0">
+            <a:schemeClr val="dk1"/>
+          </a:effectRef>
+          <a:fontRef idx="minor">
+            <a:schemeClr val="dk1"/>
+          </a:fontRef>
+        </p:style>
+      </p:cxnSp>
+      <p:cxnSp>
+        <p:nvCxnSpPr>
+          <p:cNvPr id="49" name="直線單箭頭接點 48"/>
+          <p:cNvCxnSpPr>
+            <a:stCxn id="45" idx="5"/>
+            <a:endCxn id="47" idx="1"/>
+          </p:cNvCxnSpPr>
+          <p:nvPr/>
+        </p:nvCxnSpPr>
+        <p:spPr>
+          <a:xfrm>
+            <a:off x="6253775" y="3205109"/>
+            <a:ext cx="219860" cy="669250"/>
+          </a:xfrm>
+          <a:prstGeom prst="straightConnector1">
+            <a:avLst/>
+          </a:prstGeom>
+          <a:ln w="57150">
+            <a:tailEnd type="triangle"/>
+          </a:ln>
+        </p:spPr>
+        <p:style>
+          <a:lnRef idx="2">
+            <a:schemeClr val="dk1"/>
+          </a:lnRef>
+          <a:fillRef idx="1">
+            <a:schemeClr val="lt1"/>
+          </a:fillRef>
+          <a:effectRef idx="0">
+            <a:schemeClr val="dk1"/>
+          </a:effectRef>
+          <a:fontRef idx="minor">
+            <a:schemeClr val="dk1"/>
+          </a:fontRef>
+        </p:style>
+      </p:cxnSp>
+      <p:sp>
+        <p:nvSpPr>
+          <p:cNvPr id="50" name="文字方塊 49"/>
+          <p:cNvSpPr txBox="1"/>
+          <p:nvPr/>
+        </p:nvSpPr>
+        <p:spPr>
+          <a:xfrm>
+            <a:off x="4527104" y="3103993"/>
+            <a:ext cx="617477" cy="369332"/>
+          </a:xfrm>
+          <a:prstGeom prst="rect">
+            <a:avLst/>
+          </a:prstGeom>
+          <a:noFill/>
+        </p:spPr>
+        <p:txBody>
+          <a:bodyPr wrap="none" rtlCol="0">
+            <a:spAutoFit/>
+          </a:bodyPr>
+          <a:lstStyle/>
+          <a:p>
+            <a:r>
+              <a:rPr lang="en-US" altLang="zh-TW" dirty="0" smtClean="0"/>
+              <a:t>[0,0]</a:t>
+            </a:r>
+            <a:endParaRPr lang="zh-TW" altLang="en-US" dirty="0"/>
+          </a:p>
+        </p:txBody>
+      </p:sp>
+      <p:sp>
+        <p:nvSpPr>
+          <p:cNvPr id="51" name="橢圓 50"/>
+          <p:cNvSpPr/>
+          <p:nvPr/>
+        </p:nvSpPr>
+        <p:spPr>
+          <a:xfrm>
+            <a:off x="5107040" y="3773063"/>
+            <a:ext cx="1104040" cy="772997"/>
+          </a:xfrm>
+          <a:prstGeom prst="ellipse">
+            <a:avLst/>
+          </a:prstGeom>
+          <a:ln w="57150"/>
+        </p:spPr>
+        <p:style>
+          <a:lnRef idx="2">
+            <a:schemeClr val="dk1"/>
+          </a:lnRef>
+          <a:fillRef idx="1">
+            <a:schemeClr val="lt1"/>
+          </a:fillRef>
+          <a:effectRef idx="0">
+            <a:schemeClr val="dk1"/>
+          </a:effectRef>
+          <a:fontRef idx="minor">
+            <a:schemeClr val="dk1"/>
+          </a:fontRef>
+        </p:style>
+        <p:txBody>
+          <a:bodyPr rtlCol="0" anchor="ctr"/>
+          <a:lstStyle/>
+          <a:p>
+            <a:pPr algn="ctr"/>
+            <a:r>
+              <a:rPr lang="el-GR" altLang="zh-TW" i="1" dirty="0"/>
+              <a:t>θ</a:t>
+            </a:r>
+            <a:r>
+              <a:rPr lang="en-US" altLang="zh-TW" i="1" baseline="-25000" dirty="0" smtClean="0"/>
+              <a:t>3</a:t>
+            </a:r>
+            <a:endParaRPr lang="zh-TW" altLang="en-US" dirty="0"/>
+          </a:p>
+        </p:txBody>
+      </p:sp>
+      <p:cxnSp>
+        <p:nvCxnSpPr>
+          <p:cNvPr id="52" name="直線單箭頭接點 51"/>
+          <p:cNvCxnSpPr>
+            <a:stCxn id="45" idx="4"/>
+            <a:endCxn id="51" idx="0"/>
+          </p:cNvCxnSpPr>
+          <p:nvPr/>
+        </p:nvCxnSpPr>
+        <p:spPr>
+          <a:xfrm flipH="1">
+            <a:off x="5659060" y="3318312"/>
+            <a:ext cx="27040" cy="454751"/>
+          </a:xfrm>
+          <a:prstGeom prst="straightConnector1">
+            <a:avLst/>
+          </a:prstGeom>
+          <a:ln w="57150">
+            <a:tailEnd type="triangle"/>
+          </a:ln>
+        </p:spPr>
+        <p:style>
+          <a:lnRef idx="2">
+            <a:schemeClr val="dk1"/>
+          </a:lnRef>
+          <a:fillRef idx="1">
+            <a:schemeClr val="lt1"/>
+          </a:fillRef>
+          <a:effectRef idx="0">
+            <a:schemeClr val="dk1"/>
+          </a:effectRef>
+          <a:fontRef idx="minor">
+            <a:schemeClr val="dk1"/>
+          </a:fontRef>
+        </p:style>
+      </p:cxnSp>
+      <p:sp>
+        <p:nvSpPr>
+          <p:cNvPr id="53" name="文字方塊 52"/>
+          <p:cNvSpPr txBox="1"/>
+          <p:nvPr/>
+        </p:nvSpPr>
+        <p:spPr>
+          <a:xfrm>
+            <a:off x="5096933" y="3278621"/>
+            <a:ext cx="617477" cy="369332"/>
+          </a:xfrm>
+          <a:prstGeom prst="rect">
+            <a:avLst/>
+          </a:prstGeom>
+          <a:noFill/>
+        </p:spPr>
+        <p:txBody>
+          <a:bodyPr wrap="none" rtlCol="0">
+            <a:spAutoFit/>
+          </a:bodyPr>
+          <a:lstStyle/>
+          <a:p>
+            <a:r>
+              <a:rPr lang="en-US" altLang="zh-TW" dirty="0" smtClean="0"/>
+              <a:t>[0,1]</a:t>
+            </a:r>
+            <a:endParaRPr lang="zh-TW" altLang="en-US" dirty="0"/>
+          </a:p>
+        </p:txBody>
+      </p:sp>
+      <p:sp>
+        <p:nvSpPr>
+          <p:cNvPr id="54" name="文字方塊 53"/>
+          <p:cNvSpPr txBox="1"/>
+          <p:nvPr/>
+        </p:nvSpPr>
+        <p:spPr>
+          <a:xfrm>
+            <a:off x="6298006" y="3150935"/>
+            <a:ext cx="570990" cy="369332"/>
+          </a:xfrm>
+          <a:prstGeom prst="rect">
+            <a:avLst/>
+          </a:prstGeom>
+          <a:noFill/>
+        </p:spPr>
+        <p:txBody>
+          <a:bodyPr wrap="none" rtlCol="0">
+            <a:spAutoFit/>
+          </a:bodyPr>
+          <a:lstStyle/>
+          <a:p>
+            <a:r>
+              <a:rPr lang="en-US" altLang="zh-TW" dirty="0" smtClean="0"/>
+              <a:t>[1,-]</a:t>
+            </a:r>
+            <a:endParaRPr lang="zh-TW" altLang="en-US" dirty="0"/>
+          </a:p>
+        </p:txBody>
+      </p:sp>
+      <p:sp>
+        <p:nvSpPr>
+          <p:cNvPr id="55" name="橢圓 54"/>
+          <p:cNvSpPr/>
+          <p:nvPr/>
+        </p:nvSpPr>
+        <p:spPr>
+          <a:xfrm>
+            <a:off x="9125374" y="2631607"/>
+            <a:ext cx="1398931" cy="772997"/>
+          </a:xfrm>
+          <a:prstGeom prst="ellipse">
+            <a:avLst/>
+          </a:prstGeom>
+          <a:ln w="57150"/>
+        </p:spPr>
+        <p:style>
+          <a:lnRef idx="2">
+            <a:schemeClr val="dk1"/>
+          </a:lnRef>
+          <a:fillRef idx="1">
+            <a:schemeClr val="lt1"/>
+          </a:fillRef>
+          <a:effectRef idx="0">
+            <a:schemeClr val="dk1"/>
+          </a:effectRef>
+          <a:fontRef idx="minor">
+            <a:schemeClr val="dk1"/>
+          </a:fontRef>
+        </p:style>
+        <p:txBody>
+          <a:bodyPr rtlCol="0" anchor="ctr"/>
+          <a:lstStyle/>
+          <a:p>
+            <a:pPr algn="ctr"/>
+            <a:r>
+              <a:rPr lang="el-GR" altLang="zh-TW" i="1" dirty="0"/>
+              <a:t>θ</a:t>
+            </a:r>
+            <a:r>
+              <a:rPr lang="en-US" altLang="zh-TW" i="1" baseline="-25000" dirty="0"/>
+              <a:t>1</a:t>
+            </a:r>
+            <a:r>
+              <a:rPr lang="en-US" altLang="zh-TW" i="1" dirty="0"/>
+              <a:t>,</a:t>
+            </a:r>
+            <a:r>
+              <a:rPr lang="el-GR" altLang="zh-TW" i="1" dirty="0"/>
+              <a:t>θ</a:t>
+            </a:r>
+            <a:r>
+              <a:rPr lang="en-US" altLang="zh-TW" i="1" baseline="-25000" dirty="0"/>
+              <a:t>2</a:t>
+            </a:r>
+            <a:r>
+              <a:rPr lang="en-US" altLang="zh-TW" i="1" dirty="0"/>
+              <a:t>,</a:t>
+            </a:r>
+            <a:r>
+              <a:rPr lang="el-GR" altLang="zh-TW" i="1" dirty="0"/>
+              <a:t>θ</a:t>
+            </a:r>
+            <a:r>
+              <a:rPr lang="en-US" altLang="zh-TW" i="1" baseline="-25000" dirty="0"/>
+              <a:t>3</a:t>
+            </a:r>
+            <a:endParaRPr lang="zh-TW" altLang="en-US" i="1" dirty="0"/>
+          </a:p>
+        </p:txBody>
+      </p:sp>
+      <p:sp>
+        <p:nvSpPr>
+          <p:cNvPr id="56" name="橢圓 55"/>
+          <p:cNvSpPr/>
+          <p:nvPr/>
+        </p:nvSpPr>
+        <p:spPr>
+          <a:xfrm>
+            <a:off x="8022421" y="3729832"/>
+            <a:ext cx="782425" cy="772997"/>
+          </a:xfrm>
+          <a:prstGeom prst="ellipse">
+            <a:avLst/>
+          </a:prstGeom>
+          <a:ln w="57150"/>
+        </p:spPr>
+        <p:style>
+          <a:lnRef idx="2">
+            <a:schemeClr val="dk1"/>
+          </a:lnRef>
+          <a:fillRef idx="1">
+            <a:schemeClr val="lt1"/>
+          </a:fillRef>
+          <a:effectRef idx="0">
+            <a:schemeClr val="dk1"/>
+          </a:effectRef>
+          <a:fontRef idx="minor">
+            <a:schemeClr val="dk1"/>
+          </a:fontRef>
+        </p:style>
+        <p:txBody>
+          <a:bodyPr rtlCol="0" anchor="ctr"/>
+          <a:lstStyle/>
+          <a:p>
+            <a:pPr algn="ctr"/>
+            <a:endParaRPr lang="zh-TW" altLang="en-US" sz="1600" dirty="0"/>
+          </a:p>
+        </p:txBody>
+      </p:sp>
+      <p:sp>
+        <p:nvSpPr>
+          <p:cNvPr id="57" name="橢圓 56"/>
+          <p:cNvSpPr/>
+          <p:nvPr/>
+        </p:nvSpPr>
+        <p:spPr>
+          <a:xfrm>
+            <a:off x="10805594" y="3836231"/>
+            <a:ext cx="782425" cy="772997"/>
+          </a:xfrm>
+          <a:prstGeom prst="ellipse">
+            <a:avLst/>
+          </a:prstGeom>
+          <a:ln w="57150"/>
+        </p:spPr>
+        <p:style>
+          <a:lnRef idx="2">
+            <a:schemeClr val="dk1"/>
+          </a:lnRef>
+          <a:fillRef idx="1">
+            <a:schemeClr val="lt1"/>
+          </a:fillRef>
+          <a:effectRef idx="0">
+            <a:schemeClr val="dk1"/>
+          </a:effectRef>
+          <a:fontRef idx="minor">
+            <a:schemeClr val="dk1"/>
+          </a:fontRef>
+        </p:style>
+        <p:txBody>
+          <a:bodyPr rtlCol="0" anchor="ctr"/>
+          <a:lstStyle/>
+          <a:p>
+            <a:pPr algn="ctr"/>
+            <a:r>
+              <a:rPr lang="el-GR" altLang="zh-TW" i="1" dirty="0"/>
+              <a:t>θ</a:t>
+            </a:r>
+            <a:r>
+              <a:rPr lang="en-US" altLang="zh-TW" i="1" baseline="-25000" dirty="0"/>
+              <a:t>3</a:t>
+            </a:r>
+            <a:endParaRPr lang="zh-TW" altLang="en-US" dirty="0"/>
+          </a:p>
+        </p:txBody>
+      </p:sp>
+      <p:cxnSp>
+        <p:nvCxnSpPr>
+          <p:cNvPr id="58" name="直線單箭頭接點 57"/>
+          <p:cNvCxnSpPr>
+            <a:stCxn id="55" idx="3"/>
+            <a:endCxn id="56" idx="7"/>
+          </p:cNvCxnSpPr>
+          <p:nvPr/>
+        </p:nvCxnSpPr>
+        <p:spPr>
+          <a:xfrm flipH="1">
+            <a:off x="8690263" y="3291401"/>
+            <a:ext cx="639980" cy="551634"/>
+          </a:xfrm>
+          <a:prstGeom prst="straightConnector1">
+            <a:avLst/>
+          </a:prstGeom>
+          <a:ln w="57150">
+            <a:tailEnd type="triangle"/>
+          </a:ln>
+        </p:spPr>
+        <p:style>
+          <a:lnRef idx="2">
+            <a:schemeClr val="dk1"/>
+          </a:lnRef>
+          <a:fillRef idx="1">
+            <a:schemeClr val="lt1"/>
+          </a:fillRef>
+          <a:effectRef idx="0">
+            <a:schemeClr val="dk1"/>
+          </a:effectRef>
+          <a:fontRef idx="minor">
+            <a:schemeClr val="dk1"/>
+          </a:fontRef>
+        </p:style>
+      </p:cxnSp>
+      <p:cxnSp>
+        <p:nvCxnSpPr>
+          <p:cNvPr id="59" name="直線單箭頭接點 58"/>
+          <p:cNvCxnSpPr>
+            <a:stCxn id="55" idx="5"/>
+            <a:endCxn id="57" idx="1"/>
+          </p:cNvCxnSpPr>
+          <p:nvPr/>
+        </p:nvCxnSpPr>
+        <p:spPr>
+          <a:xfrm>
+            <a:off x="10319436" y="3291401"/>
+            <a:ext cx="600741" cy="658033"/>
+          </a:xfrm>
+          <a:prstGeom prst="straightConnector1">
+            <a:avLst/>
+          </a:prstGeom>
+          <a:ln w="57150">
+            <a:tailEnd type="triangle"/>
+          </a:ln>
+        </p:spPr>
+        <p:style>
+          <a:lnRef idx="2">
+            <a:schemeClr val="dk1"/>
+          </a:lnRef>
+          <a:fillRef idx="1">
+            <a:schemeClr val="lt1"/>
+          </a:fillRef>
+          <a:effectRef idx="0">
+            <a:schemeClr val="dk1"/>
+          </a:effectRef>
+          <a:fontRef idx="minor">
+            <a:schemeClr val="dk1"/>
+          </a:fontRef>
+        </p:style>
+      </p:cxnSp>
+      <p:sp>
+        <p:nvSpPr>
+          <p:cNvPr id="60" name="文字方塊 59"/>
+          <p:cNvSpPr txBox="1"/>
+          <p:nvPr/>
+        </p:nvSpPr>
+        <p:spPr>
+          <a:xfrm>
+            <a:off x="8393498" y="3190285"/>
+            <a:ext cx="617477" cy="369332"/>
+          </a:xfrm>
+          <a:prstGeom prst="rect">
+            <a:avLst/>
+          </a:prstGeom>
+          <a:noFill/>
+        </p:spPr>
+        <p:txBody>
+          <a:bodyPr wrap="none" rtlCol="0">
+            <a:spAutoFit/>
+          </a:bodyPr>
+          <a:lstStyle/>
+          <a:p>
+            <a:r>
+              <a:rPr lang="en-US" altLang="zh-TW" dirty="0" smtClean="0"/>
+              <a:t>[0,0]</a:t>
+            </a:r>
+            <a:endParaRPr lang="zh-TW" altLang="en-US" dirty="0"/>
+          </a:p>
+        </p:txBody>
+      </p:sp>
+      <p:sp>
+        <p:nvSpPr>
+          <p:cNvPr id="61" name="橢圓 60"/>
+          <p:cNvSpPr/>
+          <p:nvPr/>
+        </p:nvSpPr>
+        <p:spPr>
+          <a:xfrm>
+            <a:off x="9266696" y="3843341"/>
+            <a:ext cx="1193868" cy="772997"/>
+          </a:xfrm>
+          <a:prstGeom prst="ellipse">
+            <a:avLst/>
+          </a:prstGeom>
+          <a:ln w="57150"/>
+        </p:spPr>
+        <p:style>
+          <a:lnRef idx="2">
+            <a:schemeClr val="dk1"/>
+          </a:lnRef>
+          <a:fillRef idx="1">
+            <a:schemeClr val="lt1"/>
+          </a:fillRef>
+          <a:effectRef idx="0">
+            <a:schemeClr val="dk1"/>
+          </a:effectRef>
+          <a:fontRef idx="minor">
+            <a:schemeClr val="dk1"/>
+          </a:fontRef>
+        </p:style>
+        <p:txBody>
+          <a:bodyPr rtlCol="0" anchor="ctr"/>
+          <a:lstStyle/>
+          <a:p>
+            <a:pPr algn="ctr"/>
+            <a:r>
+              <a:rPr lang="el-GR" altLang="zh-TW" i="1" dirty="0"/>
+              <a:t>θ</a:t>
+            </a:r>
+            <a:r>
+              <a:rPr lang="en-US" altLang="zh-TW" i="1" baseline="-25000" dirty="0"/>
+              <a:t>1</a:t>
+            </a:r>
+            <a:r>
+              <a:rPr lang="el-GR" altLang="zh-TW" i="1" dirty="0"/>
+              <a:t> </a:t>
+            </a:r>
+            <a:r>
+              <a:rPr lang="en-US" altLang="zh-TW" i="1" dirty="0" smtClean="0"/>
+              <a:t>,</a:t>
+            </a:r>
+            <a:r>
+              <a:rPr lang="el-GR" altLang="zh-TW" i="1" dirty="0" smtClean="0"/>
+              <a:t>θ</a:t>
+            </a:r>
+            <a:r>
+              <a:rPr lang="en-US" altLang="zh-TW" i="1" baseline="-25000" dirty="0" smtClean="0"/>
+              <a:t>2</a:t>
+            </a:r>
+            <a:endParaRPr lang="zh-TW" altLang="en-US" dirty="0"/>
+          </a:p>
+        </p:txBody>
+      </p:sp>
+      <p:cxnSp>
+        <p:nvCxnSpPr>
+          <p:cNvPr id="62" name="直線單箭頭接點 61"/>
+          <p:cNvCxnSpPr>
+            <a:stCxn id="55" idx="4"/>
+            <a:endCxn id="61" idx="0"/>
+          </p:cNvCxnSpPr>
+          <p:nvPr/>
+        </p:nvCxnSpPr>
+        <p:spPr>
+          <a:xfrm>
+            <a:off x="9824840" y="3404604"/>
+            <a:ext cx="38790" cy="438737"/>
+          </a:xfrm>
+          <a:prstGeom prst="straightConnector1">
+            <a:avLst/>
+          </a:prstGeom>
+          <a:ln w="57150">
+            <a:tailEnd type="triangle"/>
+          </a:ln>
+        </p:spPr>
+        <p:style>
+          <a:lnRef idx="2">
+            <a:schemeClr val="dk1"/>
+          </a:lnRef>
+          <a:fillRef idx="1">
+            <a:schemeClr val="lt1"/>
+          </a:fillRef>
+          <a:effectRef idx="0">
+            <a:schemeClr val="dk1"/>
+          </a:effectRef>
+          <a:fontRef idx="minor">
+            <a:schemeClr val="dk1"/>
+          </a:fontRef>
+        </p:style>
+      </p:cxnSp>
+      <p:sp>
+        <p:nvSpPr>
+          <p:cNvPr id="63" name="文字方塊 62"/>
+          <p:cNvSpPr txBox="1"/>
+          <p:nvPr/>
+        </p:nvSpPr>
+        <p:spPr>
+          <a:xfrm>
+            <a:off x="9738751" y="3364913"/>
+            <a:ext cx="617477" cy="369332"/>
+          </a:xfrm>
+          <a:prstGeom prst="rect">
+            <a:avLst/>
+          </a:prstGeom>
+          <a:noFill/>
+        </p:spPr>
+        <p:txBody>
+          <a:bodyPr wrap="none" rtlCol="0">
+            <a:spAutoFit/>
+          </a:bodyPr>
+          <a:lstStyle/>
+          <a:p>
+            <a:r>
+              <a:rPr lang="en-US" altLang="zh-TW" dirty="0" smtClean="0"/>
+              <a:t>[0,1]</a:t>
+            </a:r>
+            <a:endParaRPr lang="zh-TW" altLang="en-US" dirty="0"/>
+          </a:p>
+        </p:txBody>
+      </p:sp>
+      <p:sp>
+        <p:nvSpPr>
+          <p:cNvPr id="64" name="文字方塊 63"/>
+          <p:cNvSpPr txBox="1"/>
+          <p:nvPr/>
+        </p:nvSpPr>
+        <p:spPr>
+          <a:xfrm>
+            <a:off x="10473085" y="3222956"/>
+            <a:ext cx="570990" cy="369332"/>
+          </a:xfrm>
+          <a:prstGeom prst="rect">
+            <a:avLst/>
+          </a:prstGeom>
+          <a:noFill/>
+        </p:spPr>
+        <p:txBody>
+          <a:bodyPr wrap="none" rtlCol="0">
+            <a:spAutoFit/>
+          </a:bodyPr>
+          <a:lstStyle/>
+          <a:p>
+            <a:r>
+              <a:rPr lang="en-US" altLang="zh-TW" dirty="0" smtClean="0"/>
+              <a:t>[1,-]</a:t>
+            </a:r>
+            <a:endParaRPr lang="zh-TW" altLang="en-US" dirty="0"/>
+          </a:p>
+        </p:txBody>
+      </p:sp>
+      <p:sp>
+        <p:nvSpPr>
+          <p:cNvPr id="65" name="文字方塊 64"/>
+          <p:cNvSpPr txBox="1"/>
+          <p:nvPr/>
+        </p:nvSpPr>
+        <p:spPr>
+          <a:xfrm>
+            <a:off x="3044236" y="2512875"/>
+            <a:ext cx="461986" cy="369332"/>
+          </a:xfrm>
+          <a:prstGeom prst="rect">
+            <a:avLst/>
+          </a:prstGeom>
+          <a:noFill/>
+        </p:spPr>
+        <p:txBody>
+          <a:bodyPr wrap="none" rtlCol="0">
+            <a:spAutoFit/>
+          </a:bodyPr>
+          <a:lstStyle/>
+          <a:p>
+            <a:r>
+              <a:rPr lang="en-US" altLang="zh-TW" dirty="0" smtClean="0"/>
+              <a:t>OR</a:t>
+            </a:r>
+            <a:endParaRPr lang="zh-TW" altLang="en-US" dirty="0"/>
+          </a:p>
+        </p:txBody>
+      </p:sp>
+      <p:sp>
+        <p:nvSpPr>
+          <p:cNvPr id="66" name="文字方塊 65"/>
+          <p:cNvSpPr txBox="1"/>
+          <p:nvPr/>
+        </p:nvSpPr>
+        <p:spPr>
+          <a:xfrm>
+            <a:off x="7291317" y="2633944"/>
+            <a:ext cx="461986" cy="369332"/>
+          </a:xfrm>
+          <a:prstGeom prst="rect">
+            <a:avLst/>
+          </a:prstGeom>
+          <a:noFill/>
+        </p:spPr>
+        <p:txBody>
+          <a:bodyPr wrap="none" rtlCol="0">
+            <a:spAutoFit/>
+          </a:bodyPr>
+          <a:lstStyle/>
+          <a:p>
+            <a:r>
+              <a:rPr lang="en-US" altLang="zh-TW" dirty="0" smtClean="0"/>
+              <a:t>OR</a:t>
+            </a:r>
+            <a:endParaRPr lang="zh-TW" altLang="en-US" dirty="0"/>
           </a:p>
         </p:txBody>
       </p:sp>
     </p:spTree>
     <p:extLst>
       <p:ext uri="{BB962C8B-B14F-4D97-AF65-F5344CB8AC3E}">
-        <p14:creationId xmlns:p14="http://schemas.microsoft.com/office/powerpoint/2010/main" val="4198929464"/>
+        <p14:creationId xmlns:p14="http://schemas.microsoft.com/office/powerpoint/2010/main" val="1656262773"/>
       </p:ext>
     </p:extLst>
   </p:cSld>
@@ -10067,7 +11419,7 @@
           <a:p>
             <a:r>
               <a:rPr lang="en-US" altLang="zh-TW" dirty="0" smtClean="0"/>
-              <a:t>Model Checking Example-BSIL</a:t>
+              <a:t>Algorithm-BSIL</a:t>
             </a:r>
             <a:endParaRPr lang="zh-TW" altLang="en-US" dirty="0"/>
           </a:p>
@@ -10090,74 +11442,32 @@
           <a:p>
             <a:r>
               <a:rPr lang="en-US" altLang="zh-TW" dirty="0" smtClean="0"/>
-              <a:t>Checking </a:t>
-            </a:r>
-            <a:r>
-              <a:rPr lang="en-US" altLang="zh-TW" dirty="0">
-                <a:sym typeface="Symbol"/>
-              </a:rPr>
-              <a:t>(1.a)(2.b)</a:t>
-            </a:r>
-            <a:r>
-              <a:rPr lang="en-US" altLang="zh-TW" dirty="0">
-                <a:sym typeface="Wingdings 2" pitchFamily="18" charset="2"/>
-              </a:rPr>
-              <a:t></a:t>
-            </a:r>
-            <a:r>
-              <a:rPr lang="en-US" altLang="zh-TW" i="1" dirty="0">
-                <a:latin typeface="Times New Roman" pitchFamily="18" charset="0"/>
-                <a:cs typeface="Times New Roman" pitchFamily="18" charset="0"/>
-                <a:sym typeface="Symbol" pitchFamily="18" charset="2"/>
-              </a:rPr>
-              <a:t>q</a:t>
-            </a:r>
-            <a:r>
-              <a:rPr lang="en-US" altLang="zh-TW" dirty="0">
-                <a:latin typeface="Times New Roman" pitchFamily="18" charset="0"/>
-                <a:cs typeface="Times New Roman" pitchFamily="18" charset="0"/>
-                <a:sym typeface="Symbol"/>
-              </a:rPr>
-              <a:t></a:t>
-            </a:r>
-            <a:r>
-              <a:rPr lang="en-US" altLang="zh-TW" dirty="0">
-                <a:cs typeface="Times New Roman" pitchFamily="18" charset="0"/>
-                <a:sym typeface="Symbol"/>
-              </a:rPr>
-              <a:t>(1.a)(2.c)</a:t>
-            </a:r>
-            <a:r>
-              <a:rPr lang="en-US" altLang="zh-TW" dirty="0">
-                <a:latin typeface="Times New Roman" pitchFamily="18" charset="0"/>
-                <a:cs typeface="Times New Roman" pitchFamily="18" charset="0"/>
-                <a:sym typeface="Wingdings 2"/>
-              </a:rPr>
-              <a:t></a:t>
-            </a:r>
-            <a:r>
-              <a:rPr lang="en-US" altLang="zh-TW" dirty="0">
-                <a:latin typeface="Times New Roman" pitchFamily="18" charset="0"/>
-                <a:cs typeface="Times New Roman" pitchFamily="18" charset="0"/>
-                <a:sym typeface="Symbol"/>
-              </a:rPr>
-              <a:t></a:t>
-            </a:r>
-            <a:r>
-              <a:rPr lang="en-US" altLang="zh-TW" i="1" dirty="0">
-                <a:latin typeface="Times New Roman" pitchFamily="18" charset="0"/>
-                <a:cs typeface="Times New Roman" pitchFamily="18" charset="0"/>
-                <a:sym typeface="Symbol"/>
-              </a:rPr>
-              <a:t>q</a:t>
-            </a:r>
-          </a:p>
-          <a:p>
-            <a:r>
-              <a:rPr lang="en-US" altLang="zh-TW" dirty="0" smtClean="0"/>
-              <a:t>Game graph:           Computation tree:</a:t>
-            </a:r>
-            <a:endParaRPr lang="zh-TW" altLang="en-US" dirty="0"/>
+              <a:t>Rewrite BSIL to DNBB</a:t>
+            </a:r>
+          </a:p>
+          <a:p>
+            <a:r>
+              <a:rPr lang="en-US" altLang="zh-TW" dirty="0" smtClean="0"/>
+              <a:t>Guess the obligations</a:t>
+            </a:r>
+          </a:p>
+          <a:p>
+            <a:r>
+              <a:rPr lang="en-US" altLang="zh-TW" dirty="0" smtClean="0"/>
+              <a:t>Pass down the unfulfilled obligations according to the strategy variable binding and the transition function of current state</a:t>
+            </a:r>
+          </a:p>
+          <a:p>
+            <a:r>
+              <a:rPr lang="en-US" altLang="zh-TW" dirty="0" smtClean="0"/>
+              <a:t>Recursively check the successors in the computation tree</a:t>
+            </a:r>
+          </a:p>
+          <a:p>
+            <a:r>
+              <a:rPr lang="en-US" altLang="zh-TW" dirty="0" smtClean="0"/>
+              <a:t>While encountering repeated game state, if the obligation set remain the same, return false. </a:t>
+            </a:r>
           </a:p>
         </p:txBody>
       </p:sp>
@@ -10179,6 +11489,170 @@
             <a:fld id="{8814B9A1-13D7-40D3-AF1F-2A05E4CD1866}" type="slidenum">
               <a:rPr lang="zh-TW" altLang="en-US" smtClean="0"/>
               <a:t>21</a:t>
+            </a:fld>
+            <a:endParaRPr lang="zh-TW" altLang="en-US"/>
+          </a:p>
+        </p:txBody>
+      </p:sp>
+    </p:spTree>
+    <p:extLst>
+      <p:ext uri="{BB962C8B-B14F-4D97-AF65-F5344CB8AC3E}">
+        <p14:creationId xmlns:p14="http://schemas.microsoft.com/office/powerpoint/2010/main" val="4198929464"/>
+      </p:ext>
+    </p:extLst>
+  </p:cSld>
+  <p:clrMapOvr>
+    <a:masterClrMapping/>
+  </p:clrMapOvr>
+</p:sld>
+</file>
+
+<file path=ppt/slides/slide22.xml><?xml version="1.0" encoding="utf-8"?>
+<p:sld xmlns:a="http://schemas.openxmlformats.org/drawingml/2006/main" xmlns:r="http://schemas.openxmlformats.org/officeDocument/2006/relationships" xmlns:p="http://schemas.openxmlformats.org/presentationml/2006/main">
+  <p:cSld>
+    <p:spTree>
+      <p:nvGrpSpPr>
+        <p:cNvPr id="1" name=""/>
+        <p:cNvGrpSpPr/>
+        <p:nvPr/>
+      </p:nvGrpSpPr>
+      <p:grpSpPr>
+        <a:xfrm>
+          <a:off x="0" y="0"/>
+          <a:ext cx="0" cy="0"/>
+          <a:chOff x="0" y="0"/>
+          <a:chExt cx="0" cy="0"/>
+        </a:xfrm>
+      </p:grpSpPr>
+      <p:sp>
+        <p:nvSpPr>
+          <p:cNvPr id="2" name="標題 1"/>
+          <p:cNvSpPr>
+            <a:spLocks noGrp="1"/>
+          </p:cNvSpPr>
+          <p:nvPr>
+            <p:ph type="title"/>
+          </p:nvPr>
+        </p:nvSpPr>
+        <p:spPr/>
+        <p:txBody>
+          <a:bodyPr/>
+          <a:lstStyle/>
+          <a:p>
+            <a:r>
+              <a:rPr lang="en-US" altLang="zh-TW" dirty="0" smtClean="0"/>
+              <a:t>Model Checking Example-BSIL</a:t>
+            </a:r>
+            <a:endParaRPr lang="zh-TW" altLang="en-US" dirty="0"/>
+          </a:p>
+        </p:txBody>
+      </p:sp>
+      <p:sp>
+        <p:nvSpPr>
+          <p:cNvPr id="3" name="內容版面配置區 2"/>
+          <p:cNvSpPr>
+            <a:spLocks noGrp="1"/>
+          </p:cNvSpPr>
+          <p:nvPr>
+            <p:ph idx="1"/>
+          </p:nvPr>
+        </p:nvSpPr>
+        <p:spPr/>
+        <p:txBody>
+          <a:bodyPr/>
+          <a:lstStyle/>
+          <a:p>
+            <a:r>
+              <a:rPr lang="en-US" altLang="zh-TW" dirty="0" smtClean="0"/>
+              <a:t>Checking </a:t>
+            </a:r>
+            <a:r>
+              <a:rPr lang="en-US" altLang="zh-TW" dirty="0">
+                <a:sym typeface="Symbol"/>
+              </a:rPr>
+              <a:t>(1.a)(2.b)</a:t>
+            </a:r>
+            <a:r>
+              <a:rPr lang="en-US" altLang="zh-TW" dirty="0">
+                <a:sym typeface="Wingdings 2" pitchFamily="18" charset="2"/>
+              </a:rPr>
+              <a:t></a:t>
+            </a:r>
+            <a:r>
+              <a:rPr lang="en-US" altLang="zh-TW" i="1" dirty="0">
+                <a:latin typeface="Times New Roman" pitchFamily="18" charset="0"/>
+                <a:cs typeface="Times New Roman" pitchFamily="18" charset="0"/>
+                <a:sym typeface="Symbol" pitchFamily="18" charset="2"/>
+              </a:rPr>
+              <a:t>q</a:t>
+            </a:r>
+            <a:r>
+              <a:rPr lang="en-US" altLang="zh-TW" dirty="0">
+                <a:latin typeface="Times New Roman" pitchFamily="18" charset="0"/>
+                <a:cs typeface="Times New Roman" pitchFamily="18" charset="0"/>
+                <a:sym typeface="Symbol"/>
+              </a:rPr>
+              <a:t></a:t>
+            </a:r>
+            <a:r>
+              <a:rPr lang="en-US" altLang="zh-TW" dirty="0">
+                <a:cs typeface="Times New Roman" pitchFamily="18" charset="0"/>
+                <a:sym typeface="Symbol"/>
+              </a:rPr>
+              <a:t>(1.a)(2.c)</a:t>
+            </a:r>
+            <a:r>
+              <a:rPr lang="en-US" altLang="zh-TW" dirty="0">
+                <a:latin typeface="Times New Roman" pitchFamily="18" charset="0"/>
+                <a:cs typeface="Times New Roman" pitchFamily="18" charset="0"/>
+                <a:sym typeface="Wingdings 2"/>
+              </a:rPr>
+              <a:t></a:t>
+            </a:r>
+            <a:r>
+              <a:rPr lang="en-US" altLang="zh-TW" dirty="0">
+                <a:latin typeface="Times New Roman" pitchFamily="18" charset="0"/>
+                <a:cs typeface="Times New Roman" pitchFamily="18" charset="0"/>
+                <a:sym typeface="Symbol"/>
+              </a:rPr>
+              <a:t></a:t>
+            </a:r>
+            <a:r>
+              <a:rPr lang="en-US" altLang="zh-TW" i="1" dirty="0">
+                <a:latin typeface="Times New Roman" pitchFamily="18" charset="0"/>
+                <a:cs typeface="Times New Roman" pitchFamily="18" charset="0"/>
+                <a:sym typeface="Symbol"/>
+              </a:rPr>
+              <a:t>q</a:t>
+            </a:r>
+          </a:p>
+          <a:p>
+            <a:r>
+              <a:rPr lang="en-US" altLang="zh-TW" dirty="0" smtClean="0"/>
+              <a:t>Game graph:           Computation tree:</a:t>
+            </a:r>
+            <a:endParaRPr lang="zh-TW" altLang="en-US" dirty="0"/>
+          </a:p>
+        </p:txBody>
+      </p:sp>
+      <p:sp>
+        <p:nvSpPr>
+          <p:cNvPr id="4" name="投影片編號版面配置區 3"/>
+          <p:cNvSpPr>
+            <a:spLocks noGrp="1"/>
+          </p:cNvSpPr>
+          <p:nvPr>
+            <p:ph type="sldNum" sz="quarter" idx="12"/>
+          </p:nvPr>
+        </p:nvSpPr>
+        <p:spPr/>
+        <p:txBody>
+          <a:bodyPr/>
+          <a:lstStyle/>
+          <a:p>
+            <a:fld id="{8814B9A1-13D7-40D3-AF1F-2A05E4CD1866}" type="slidenum">
+              <a:rPr lang="zh-TW" altLang="en-US" smtClean="0"/>
+              <a:t>22</a:t>
             </a:fld>
             <a:endParaRPr lang="zh-TW" altLang="en-US"/>
           </a:p>
@@ -12365,7 +13839,7 @@
 </p:sld>
 </file>
 
-<file path=ppt/slides/slide22.xml><?xml version="1.0" encoding="utf-8"?>
+<file path=ppt/slides/slide23.xml><?xml version="1.0" encoding="utf-8"?>
 <p:sld xmlns:a="http://schemas.openxmlformats.org/drawingml/2006/main" xmlns:r="http://schemas.openxmlformats.org/officeDocument/2006/relationships" xmlns:p="http://schemas.openxmlformats.org/presentationml/2006/main">
   <p:cSld>
     <p:spTree>
@@ -12468,7 +13942,7 @@
           <a:p>
             <a:fld id="{8814B9A1-13D7-40D3-AF1F-2A05E4CD1866}" type="slidenum">
               <a:rPr lang="zh-TW" altLang="en-US" smtClean="0"/>
-              <a:t>22</a:t>
+              <a:t>23</a:t>
             </a:fld>
             <a:endParaRPr lang="zh-TW" altLang="en-US"/>
           </a:p>
@@ -12487,7 +13961,7 @@
 </p:sld>
 </file>
 
-<file path=ppt/slides/slide23.xml><?xml version="1.0" encoding="utf-8"?>
+<file path=ppt/slides/slide24.xml><?xml version="1.0" encoding="utf-8"?>
 <p:sld xmlns:a="http://schemas.openxmlformats.org/drawingml/2006/main" xmlns:r="http://schemas.openxmlformats.org/officeDocument/2006/relationships" xmlns:p="http://schemas.openxmlformats.org/presentationml/2006/main">
   <p:cSld>
     <p:spTree>
@@ -13408,7 +14882,7 @@
           <a:p>
             <a:fld id="{8814B9A1-13D7-40D3-AF1F-2A05E4CD1866}" type="slidenum">
               <a:rPr lang="zh-TW" altLang="en-US" smtClean="0"/>
-              <a:t>23</a:t>
+              <a:t>24</a:t>
             </a:fld>
             <a:endParaRPr lang="zh-TW" altLang="en-US"/>
           </a:p>
@@ -13427,7 +14901,7 @@
 </p:sld>
 </file>
 
-<file path=ppt/slides/slide24.xml><?xml version="1.0" encoding="utf-8"?>
+<file path=ppt/slides/slide25.xml><?xml version="1.0" encoding="utf-8"?>
 <p:sld xmlns:a="http://schemas.openxmlformats.org/drawingml/2006/main" xmlns:r="http://schemas.openxmlformats.org/officeDocument/2006/relationships" xmlns:p="http://schemas.openxmlformats.org/presentationml/2006/main">
   <p:cSld>
     <p:spTree>
@@ -13632,7 +15106,7 @@
           <a:p>
             <a:fld id="{8814B9A1-13D7-40D3-AF1F-2A05E4CD1866}" type="slidenum">
               <a:rPr lang="zh-TW" altLang="en-US" smtClean="0"/>
-              <a:t>24</a:t>
+              <a:t>25</a:t>
             </a:fld>
             <a:endParaRPr lang="zh-TW" altLang="en-US"/>
           </a:p>
@@ -14464,13 +15938,7 @@
               <a:rPr lang="en-US" altLang="zh-TW" sz="2000" dirty="0">
                 <a:sym typeface="Symbol" pitchFamily="18" charset="2"/>
               </a:rPr>
-              <a:t>, </a:t>
-            </a:r>
-            <a:r>
-              <a:rPr lang="en-US" altLang="zh-TW" sz="2000" dirty="0">
-                <a:sym typeface="Symbol" pitchFamily="18" charset="2"/>
-              </a:rPr>
-              <a:t>p</a:t>
+              <a:t>, p</a:t>
             </a:r>
             <a:endParaRPr lang="en-US" altLang="zh-TW" sz="2000" dirty="0">
               <a:sym typeface="Symbol"/>
@@ -15250,7 +16718,7 @@
 </p:sld>
 </file>
 
-<file path=ppt/slides/slide25.xml><?xml version="1.0" encoding="utf-8"?>
+<file path=ppt/slides/slide26.xml><?xml version="1.0" encoding="utf-8"?>
 <p:sld xmlns:a="http://schemas.openxmlformats.org/drawingml/2006/main" xmlns:r="http://schemas.openxmlformats.org/officeDocument/2006/relationships" xmlns:p="http://schemas.openxmlformats.org/presentationml/2006/main">
   <p:cSld>
     <p:spTree>
@@ -15367,7 +16835,7 @@
           <a:p>
             <a:fld id="{8814B9A1-13D7-40D3-AF1F-2A05E4CD1866}" type="slidenum">
               <a:rPr lang="zh-TW" altLang="en-US" smtClean="0"/>
-              <a:t>25</a:t>
+              <a:t>26</a:t>
             </a:fld>
             <a:endParaRPr lang="zh-TW" altLang="en-US"/>
           </a:p>
@@ -15386,7 +16854,7 @@
 </p:sld>
 </file>
 
-<file path=ppt/slides/slide26.xml><?xml version="1.0" encoding="utf-8"?>
+<file path=ppt/slides/slide27.xml><?xml version="1.0" encoding="utf-8"?>
 <p:sld xmlns:a="http://schemas.openxmlformats.org/drawingml/2006/main" xmlns:r="http://schemas.openxmlformats.org/officeDocument/2006/relationships" xmlns:p="http://schemas.openxmlformats.org/presentationml/2006/main">
   <p:cSld>
     <p:spTree>
@@ -16560,7 +18028,7 @@
           <a:p>
             <a:fld id="{DB6414AB-510D-467E-9D9B-DB14F244D422}" type="slidenum">
               <a:rPr lang="zh-TW" altLang="en-US" smtClean="0"/>
-              <a:t>26</a:t>
+              <a:t>27</a:t>
             </a:fld>
             <a:endParaRPr lang="zh-TW" altLang="en-US"/>
           </a:p>
@@ -16678,158 +18146,6 @@
 </p:sld>
 </file>
 
-<file path=ppt/slides/slide27.xml><?xml version="1.0" encoding="utf-8"?>
-<p:sld xmlns:a="http://schemas.openxmlformats.org/drawingml/2006/main" xmlns:r="http://schemas.openxmlformats.org/officeDocument/2006/relationships" xmlns:p="http://schemas.openxmlformats.org/presentationml/2006/main">
-  <p:cSld>
-    <p:spTree>
-      <p:nvGrpSpPr>
-        <p:cNvPr id="1" name=""/>
-        <p:cNvGrpSpPr/>
-        <p:nvPr/>
-      </p:nvGrpSpPr>
-      <p:grpSpPr>
-        <a:xfrm>
-          <a:off x="0" y="0"/>
-          <a:ext cx="0" cy="0"/>
-          <a:chOff x="0" y="0"/>
-          <a:chExt cx="0" cy="0"/>
-        </a:xfrm>
-      </p:grpSpPr>
-      <p:sp>
-        <p:nvSpPr>
-          <p:cNvPr id="2" name="標題 1"/>
-          <p:cNvSpPr>
-            <a:spLocks noGrp="1"/>
-          </p:cNvSpPr>
-          <p:nvPr>
-            <p:ph type="title"/>
-          </p:nvPr>
-        </p:nvSpPr>
-        <p:spPr/>
-        <p:txBody>
-          <a:bodyPr/>
-          <a:lstStyle/>
-          <a:p>
-            <a:r>
-              <a:rPr lang="en-US" altLang="zh-TW" dirty="0" smtClean="0"/>
-              <a:t>Fault Tolerance</a:t>
-            </a:r>
-            <a:endParaRPr lang="zh-TW" altLang="en-US" dirty="0"/>
-          </a:p>
-        </p:txBody>
-      </p:sp>
-      <p:sp>
-        <p:nvSpPr>
-          <p:cNvPr id="3" name="內容版面配置區 2"/>
-          <p:cNvSpPr>
-            <a:spLocks noGrp="1"/>
-          </p:cNvSpPr>
-          <p:nvPr>
-            <p:ph idx="1"/>
-          </p:nvPr>
-        </p:nvSpPr>
-        <p:spPr/>
-        <p:txBody>
-          <a:bodyPr/>
-          <a:lstStyle/>
-          <a:p>
-            <a:r>
-              <a:rPr lang="en-US" altLang="zh-TW" dirty="0" smtClean="0"/>
-              <a:t>More than checking whether or not a system satisfies a given property</a:t>
-            </a:r>
-          </a:p>
-          <a:p>
-            <a:pPr lvl="1"/>
-            <a:r>
-              <a:rPr lang="en-US" altLang="zh-TW" dirty="0" smtClean="0"/>
-              <a:t>Bounded number of failures:</a:t>
-            </a:r>
-            <a:br>
-              <a:rPr lang="en-US" altLang="zh-TW" dirty="0" smtClean="0"/>
-            </a:br>
-            <a:r>
-              <a:rPr lang="en-US" altLang="zh-TW" dirty="0" smtClean="0"/>
-              <a:t>Check the max number of failures a system can tolerant before exhibit an error</a:t>
-            </a:r>
-          </a:p>
-          <a:p>
-            <a:pPr lvl="1"/>
-            <a:r>
-              <a:rPr lang="en-US" altLang="zh-TW" dirty="0" smtClean="0"/>
-              <a:t>Unbounded number of failures:</a:t>
-            </a:r>
-            <a:br>
-              <a:rPr lang="en-US" altLang="zh-TW" dirty="0" smtClean="0"/>
-            </a:br>
-            <a:r>
-              <a:rPr lang="en-US" altLang="zh-TW" dirty="0" smtClean="0"/>
-              <a:t>Given a bound on the number of  “</a:t>
-            </a:r>
-            <a:r>
-              <a:rPr lang="en-US" altLang="zh-TW" dirty="0" smtClean="0">
-                <a:solidFill>
-                  <a:schemeClr val="tx2">
-                    <a:lumMod val="60000"/>
-                    <a:lumOff val="40000"/>
-                  </a:schemeClr>
-                </a:solidFill>
-              </a:rPr>
-              <a:t>dense failures</a:t>
-            </a:r>
-            <a:r>
-              <a:rPr lang="en-US" altLang="zh-TW" dirty="0" smtClean="0"/>
-              <a:t>”.</a:t>
-            </a:r>
-            <a:br>
-              <a:rPr lang="en-US" altLang="zh-TW" dirty="0" smtClean="0"/>
-            </a:br>
-            <a:r>
-              <a:rPr lang="en-US" altLang="zh-TW" dirty="0" smtClean="0"/>
-              <a:t>Check if the system can  be “fully recovered” after these dense failures</a:t>
-            </a:r>
-            <a:endParaRPr lang="zh-TW" altLang="en-US" dirty="0" smtClean="0"/>
-          </a:p>
-          <a:p>
-            <a:endParaRPr lang="zh-TW" altLang="en-US" dirty="0"/>
-          </a:p>
-        </p:txBody>
-      </p:sp>
-      <p:sp>
-        <p:nvSpPr>
-          <p:cNvPr id="4" name="投影片編號版面配置區 3"/>
-          <p:cNvSpPr>
-            <a:spLocks noGrp="1"/>
-          </p:cNvSpPr>
-          <p:nvPr>
-            <p:ph type="sldNum" sz="quarter" idx="12"/>
-          </p:nvPr>
-        </p:nvSpPr>
-        <p:spPr/>
-        <p:txBody>
-          <a:bodyPr/>
-          <a:lstStyle/>
-          <a:p>
-            <a:fld id="{8814B9A1-13D7-40D3-AF1F-2A05E4CD1866}" type="slidenum">
-              <a:rPr lang="zh-TW" altLang="en-US" smtClean="0"/>
-              <a:t>27</a:t>
-            </a:fld>
-            <a:endParaRPr lang="zh-TW" altLang="en-US"/>
-          </a:p>
-        </p:txBody>
-      </p:sp>
-    </p:spTree>
-    <p:extLst>
-      <p:ext uri="{BB962C8B-B14F-4D97-AF65-F5344CB8AC3E}">
-        <p14:creationId xmlns:p14="http://schemas.microsoft.com/office/powerpoint/2010/main" val="586806161"/>
-      </p:ext>
-    </p:extLst>
-  </p:cSld>
-  <p:clrMapOvr>
-    <a:masterClrMapping/>
-  </p:clrMapOvr>
-</p:sld>
-</file>
-
 <file path=ppt/slides/slide28.xml><?xml version="1.0" encoding="utf-8"?>
 <p:sld xmlns:a="http://schemas.openxmlformats.org/drawingml/2006/main" xmlns:r="http://schemas.openxmlformats.org/officeDocument/2006/relationships" xmlns:p="http://schemas.openxmlformats.org/presentationml/2006/main">
   <p:cSld>
@@ -16864,15 +18180,7 @@
           <a:p>
             <a:r>
               <a:rPr lang="en-US" altLang="zh-TW" dirty="0" smtClean="0"/>
-              <a:t>Error </a:t>
-            </a:r>
-            <a:r>
-              <a:rPr lang="en-US" altLang="zh-TW" dirty="0"/>
-              <a:t>M</a:t>
-            </a:r>
-            <a:r>
-              <a:rPr lang="en-US" altLang="zh-TW" dirty="0" smtClean="0"/>
-              <a:t>odels</a:t>
+              <a:t>Fault Tolerance</a:t>
             </a:r>
             <a:endParaRPr lang="zh-TW" altLang="en-US" dirty="0"/>
           </a:p>
@@ -16894,18 +18202,39 @@
           <a:lstStyle/>
           <a:p>
             <a:r>
-              <a:rPr lang="en-US" altLang="zh-TW" dirty="0"/>
-              <a:t>Fault tolerance refers to various basic fault models, such as a limited number of errors.</a:t>
-            </a:r>
-            <a:r>
-              <a:rPr lang="en-US" altLang="zh-TW" dirty="0" smtClean="0"/>
-              <a:t/>
+              <a:rPr lang="en-US" altLang="zh-TW" dirty="0" smtClean="0"/>
+              <a:t>More than checking whether or not a system satisfies a given property</a:t>
+            </a:r>
+          </a:p>
+          <a:p>
+            <a:pPr lvl="1"/>
+            <a:r>
+              <a:rPr lang="en-US" altLang="zh-TW" dirty="0" smtClean="0"/>
+              <a:t>Bounded number of failures:</a:t>
             </a:r>
             <a:br>
               <a:rPr lang="en-US" altLang="zh-TW" dirty="0" smtClean="0"/>
             </a:br>
             <a:r>
-              <a:rPr lang="en-US" altLang="zh-TW" sz="2400" i="1" dirty="0" smtClean="0">
+              <a:rPr lang="en-US" altLang="zh-TW" dirty="0" smtClean="0"/>
+              <a:t>Check the max number of failures a system can tolerant before exhibit an error</a:t>
+            </a:r>
+          </a:p>
+          <a:p>
+            <a:pPr lvl="1"/>
+            <a:r>
+              <a:rPr lang="en-US" altLang="zh-TW" dirty="0" smtClean="0"/>
+              <a:t>Unbounded number of failures:</a:t>
+            </a:r>
+            <a:br>
+              <a:rPr lang="en-US" altLang="zh-TW" dirty="0" smtClean="0"/>
+            </a:br>
+            <a:r>
+              <a:rPr lang="en-US" altLang="zh-TW" dirty="0" smtClean="0"/>
+              <a:t>Given a bound on the number of  “</a:t>
+            </a:r>
+            <a:r>
+              <a:rPr lang="en-US" altLang="zh-TW" dirty="0" smtClean="0">
                 <a:solidFill>
                   <a:schemeClr val="tx2">
                     <a:lumMod val="60000"/>
@@ -16913,241 +18242,20 @@
                   </a:schemeClr>
                 </a:solidFill>
               </a:rPr>
-              <a:t>[</a:t>
-            </a:r>
-            <a:r>
-              <a:rPr lang="it-IT" altLang="zh-TW" sz="2400" i="1" dirty="0" smtClean="0">
-                <a:solidFill>
-                  <a:schemeClr val="tx2">
-                    <a:lumMod val="60000"/>
-                    <a:lumOff val="40000"/>
-                  </a:schemeClr>
-                </a:solidFill>
-              </a:rPr>
-              <a:t>H. Jin, K. Ravi, F. Somenzi</a:t>
-            </a:r>
-            <a:r>
-              <a:rPr lang="en-US" altLang="zh-TW" sz="2400" i="1" dirty="0" smtClean="0">
-                <a:solidFill>
-                  <a:schemeClr val="tx2">
-                    <a:lumMod val="60000"/>
-                    <a:lumOff val="40000"/>
-                  </a:schemeClr>
-                </a:solidFill>
-              </a:rPr>
-              <a:t>]</a:t>
-            </a:r>
-          </a:p>
-          <a:p>
-            <a:r>
-              <a:rPr lang="en-US" altLang="zh-TW" dirty="0"/>
-              <a:t>Robustness based on Hamming and </a:t>
-            </a:r>
-            <a:r>
-              <a:rPr lang="en-US" altLang="zh-TW" dirty="0" err="1"/>
-              <a:t>Lewenstein</a:t>
-            </a:r>
-            <a:r>
-              <a:rPr lang="en-US" altLang="zh-TW" dirty="0"/>
-              <a:t> distance related to the number of past states.</a:t>
-            </a:r>
-            <a:r>
-              <a:rPr lang="en-US" altLang="zh-TW" dirty="0" smtClean="0"/>
-              <a:t> </a:t>
+              <a:t>dense failures</a:t>
+            </a:r>
+            <a:r>
+              <a:rPr lang="en-US" altLang="zh-TW" dirty="0" smtClean="0"/>
+              <a:t>”.</a:t>
             </a:r>
             <a:br>
               <a:rPr lang="en-US" altLang="zh-TW" dirty="0" smtClean="0"/>
             </a:br>
             <a:r>
-              <a:rPr lang="en-US" altLang="zh-TW" sz="2400" i="1" dirty="0" smtClean="0">
-                <a:solidFill>
-                  <a:schemeClr val="tx2">
-                    <a:lumMod val="60000"/>
-                    <a:lumOff val="40000"/>
-                  </a:schemeClr>
-                </a:solidFill>
-              </a:rPr>
-              <a:t>[L. Doyen, T.A. </a:t>
-            </a:r>
-            <a:r>
-              <a:rPr lang="en-US" altLang="zh-TW" sz="2400" i="1" dirty="0" err="1" smtClean="0">
-                <a:solidFill>
-                  <a:schemeClr val="tx2">
-                    <a:lumMod val="60000"/>
-                    <a:lumOff val="40000"/>
-                  </a:schemeClr>
-                </a:solidFill>
-              </a:rPr>
-              <a:t>Henzinger</a:t>
-            </a:r>
-            <a:r>
-              <a:rPr lang="en-US" altLang="zh-TW" sz="2400" i="1" dirty="0" smtClean="0">
-                <a:solidFill>
-                  <a:schemeClr val="tx2">
-                    <a:lumMod val="60000"/>
-                    <a:lumOff val="40000"/>
-                  </a:schemeClr>
-                </a:solidFill>
-              </a:rPr>
-              <a:t>, A. </a:t>
-            </a:r>
-            <a:r>
-              <a:rPr lang="en-US" altLang="zh-TW" sz="2400" i="1" dirty="0" err="1" smtClean="0">
-                <a:solidFill>
-                  <a:schemeClr val="tx2">
-                    <a:lumMod val="60000"/>
-                    <a:lumOff val="40000"/>
-                  </a:schemeClr>
-                </a:solidFill>
-              </a:rPr>
-              <a:t>Legay</a:t>
-            </a:r>
-            <a:r>
-              <a:rPr lang="en-US" altLang="zh-TW" sz="2400" i="1" dirty="0" smtClean="0">
-                <a:solidFill>
-                  <a:schemeClr val="tx2">
-                    <a:lumMod val="60000"/>
-                    <a:lumOff val="40000"/>
-                  </a:schemeClr>
-                </a:solidFill>
-              </a:rPr>
-              <a:t>, D. </a:t>
-            </a:r>
-            <a:r>
-              <a:rPr lang="en-US" altLang="zh-TW" sz="2400" i="1" dirty="0" err="1" smtClean="0">
-                <a:solidFill>
-                  <a:schemeClr val="tx2">
-                    <a:lumMod val="60000"/>
-                    <a:lumOff val="40000"/>
-                  </a:schemeClr>
-                </a:solidFill>
-              </a:rPr>
-              <a:t>Nickovic</a:t>
-            </a:r>
-            <a:r>
-              <a:rPr lang="en-US" altLang="zh-TW" sz="2400" i="1" dirty="0" smtClean="0">
-                <a:solidFill>
-                  <a:schemeClr val="tx2">
-                    <a:lumMod val="60000"/>
-                    <a:lumOff val="40000"/>
-                  </a:schemeClr>
-                </a:solidFill>
-              </a:rPr>
-              <a:t>]</a:t>
-            </a:r>
-          </a:p>
-          <a:p>
-            <a:r>
-              <a:rPr lang="en-US" altLang="zh-TW" dirty="0"/>
-              <a:t>Ratio Games: minimize the ratio between failures induced by the environment and system errors caused by them. </a:t>
-            </a:r>
-            <a:r>
-              <a:rPr lang="en-US" altLang="zh-TW" sz="2400" i="1" dirty="0" smtClean="0">
-                <a:solidFill>
-                  <a:schemeClr val="tx2">
-                    <a:lumMod val="60000"/>
-                    <a:lumOff val="40000"/>
-                  </a:schemeClr>
-                </a:solidFill>
-              </a:rPr>
-              <a:t>[R. </a:t>
-            </a:r>
-            <a:r>
-              <a:rPr lang="en-US" altLang="zh-TW" sz="2400" i="1" dirty="0" err="1" smtClean="0">
-                <a:solidFill>
-                  <a:schemeClr val="tx2">
-                    <a:lumMod val="60000"/>
-                    <a:lumOff val="40000"/>
-                  </a:schemeClr>
-                </a:solidFill>
-              </a:rPr>
-              <a:t>Bloem</a:t>
-            </a:r>
-            <a:r>
-              <a:rPr lang="en-US" altLang="zh-TW" sz="2400" i="1" dirty="0" smtClean="0">
-                <a:solidFill>
-                  <a:schemeClr val="tx2">
-                    <a:lumMod val="60000"/>
-                    <a:lumOff val="40000"/>
-                  </a:schemeClr>
-                </a:solidFill>
-              </a:rPr>
-              <a:t>, K. </a:t>
-            </a:r>
-            <a:r>
-              <a:rPr lang="en-US" altLang="zh-TW" sz="2400" i="1" dirty="0" err="1" smtClean="0">
-                <a:solidFill>
-                  <a:schemeClr val="tx2">
-                    <a:lumMod val="60000"/>
-                    <a:lumOff val="40000"/>
-                  </a:schemeClr>
-                </a:solidFill>
-              </a:rPr>
-              <a:t>Greimel</a:t>
-            </a:r>
-            <a:r>
-              <a:rPr lang="en-US" altLang="zh-TW" sz="2400" i="1" dirty="0" smtClean="0">
-                <a:solidFill>
-                  <a:schemeClr val="tx2">
-                    <a:lumMod val="60000"/>
-                    <a:lumOff val="40000"/>
-                  </a:schemeClr>
-                </a:solidFill>
-              </a:rPr>
-              <a:t>, T.A. </a:t>
-            </a:r>
-            <a:r>
-              <a:rPr lang="en-US" altLang="zh-TW" sz="2400" i="1" dirty="0" err="1" smtClean="0">
-                <a:solidFill>
-                  <a:schemeClr val="tx2">
-                    <a:lumMod val="60000"/>
-                    <a:lumOff val="40000"/>
-                  </a:schemeClr>
-                </a:solidFill>
-              </a:rPr>
-              <a:t>Henzinger</a:t>
-            </a:r>
-            <a:r>
-              <a:rPr lang="en-US" altLang="zh-TW" sz="2400" i="1" dirty="0" smtClean="0">
-                <a:solidFill>
-                  <a:schemeClr val="tx2">
-                    <a:lumMod val="60000"/>
-                    <a:lumOff val="40000"/>
-                  </a:schemeClr>
-                </a:solidFill>
-              </a:rPr>
-              <a:t>, B. </a:t>
-            </a:r>
-            <a:r>
-              <a:rPr lang="en-US" altLang="zh-TW" sz="2400" i="1" dirty="0" err="1" smtClean="0">
-                <a:solidFill>
-                  <a:schemeClr val="tx2">
-                    <a:lumMod val="60000"/>
-                    <a:lumOff val="40000"/>
-                  </a:schemeClr>
-                </a:solidFill>
-              </a:rPr>
-              <a:t>Jobstmann</a:t>
-            </a:r>
-            <a:r>
-              <a:rPr lang="en-US" altLang="zh-TW" sz="2400" i="1" dirty="0" smtClean="0">
-                <a:solidFill>
-                  <a:schemeClr val="tx2">
-                    <a:lumMod val="60000"/>
-                    <a:lumOff val="40000"/>
-                  </a:schemeClr>
-                </a:solidFill>
-              </a:rPr>
-              <a:t>]</a:t>
-            </a:r>
-            <a:endParaRPr lang="zh-TW" altLang="en-US" i="1" dirty="0" smtClean="0">
-              <a:solidFill>
-                <a:schemeClr val="tx2">
-                  <a:lumMod val="60000"/>
-                  <a:lumOff val="40000"/>
-                </a:schemeClr>
-              </a:solidFill>
-            </a:endParaRPr>
+              <a:rPr lang="en-US" altLang="zh-TW" dirty="0" smtClean="0"/>
+              <a:t>Check if the system can  be “fully recovered” after these dense failures</a:t>
+            </a:r>
+            <a:endParaRPr lang="zh-TW" altLang="en-US" dirty="0" smtClean="0"/>
           </a:p>
           <a:p>
             <a:endParaRPr lang="zh-TW" altLang="en-US" dirty="0"/>
@@ -17180,7 +18288,7 @@
     </p:spTree>
     <p:extLst>
       <p:ext uri="{BB962C8B-B14F-4D97-AF65-F5344CB8AC3E}">
-        <p14:creationId xmlns:p14="http://schemas.microsoft.com/office/powerpoint/2010/main" val="1188594245"/>
+        <p14:creationId xmlns:p14="http://schemas.microsoft.com/office/powerpoint/2010/main" val="586806161"/>
       </p:ext>
     </p:extLst>
   </p:cSld>
@@ -17224,7 +18332,15 @@
           <a:p>
             <a:r>
               <a:rPr lang="en-US" altLang="zh-TW" dirty="0" smtClean="0"/>
-              <a:t>Dense Fault</a:t>
+              <a:t>Error </a:t>
+            </a:r>
+            <a:r>
+              <a:rPr lang="en-US" altLang="zh-TW" dirty="0"/>
+              <a:t>M</a:t>
+            </a:r>
+            <a:r>
+              <a:rPr lang="en-US" altLang="zh-TW" dirty="0" smtClean="0"/>
+              <a:t>odels</a:t>
             </a:r>
             <a:endParaRPr lang="zh-TW" altLang="en-US" dirty="0"/>
           </a:p>
@@ -17246,26 +18362,260 @@
           <a:lstStyle/>
           <a:p>
             <a:r>
-              <a:rPr lang="en-US" altLang="zh-TW" dirty="0" smtClean="0"/>
-              <a:t>Two successive failures are in the same </a:t>
-            </a:r>
-            <a:r>
-              <a:rPr lang="en-US" altLang="zh-TW" i="1" dirty="0" smtClean="0">
+              <a:rPr lang="en-US" altLang="zh-TW" dirty="0"/>
+              <a:t>Fault tolerance refers to various basic fault models, such as a limited number of errors.</a:t>
+            </a:r>
+            <a:r>
+              <a:rPr lang="en-US" altLang="zh-TW" dirty="0" smtClean="0"/>
+              <a:t/>
+            </a:r>
+            <a:br>
+              <a:rPr lang="en-US" altLang="zh-TW" dirty="0" smtClean="0"/>
+            </a:br>
+            <a:r>
+              <a:rPr lang="en-US" altLang="zh-TW" sz="2400" i="1" dirty="0" smtClean="0">
                 <a:solidFill>
-                  <a:srgbClr val="FF0000"/>
+                  <a:schemeClr val="tx2">
+                    <a:lumMod val="60000"/>
+                    <a:lumOff val="40000"/>
+                  </a:schemeClr>
                 </a:solidFill>
               </a:rPr>
-              <a:t>group of dense failures</a:t>
-            </a:r>
-            <a:r>
-              <a:rPr lang="en-US" altLang="zh-TW" i="1" dirty="0" smtClean="0"/>
+              <a:t>[</a:t>
+            </a:r>
+            <a:r>
+              <a:rPr lang="it-IT" altLang="zh-TW" sz="2400" i="1" dirty="0" smtClean="0">
+                <a:solidFill>
+                  <a:schemeClr val="tx2">
+                    <a:lumMod val="60000"/>
+                    <a:lumOff val="40000"/>
+                  </a:schemeClr>
+                </a:solidFill>
+              </a:rPr>
+              <a:t>H. Jin, K. Ravi, F. Somenzi</a:t>
+            </a:r>
+            <a:r>
+              <a:rPr lang="en-US" altLang="zh-TW" sz="2400" i="1" dirty="0" smtClean="0">
+                <a:solidFill>
+                  <a:schemeClr val="tx2">
+                    <a:lumMod val="60000"/>
+                    <a:lumOff val="40000"/>
+                  </a:schemeClr>
+                </a:solidFill>
+              </a:rPr>
+              <a:t>]</a:t>
+            </a:r>
+          </a:p>
+          <a:p>
+            <a:r>
+              <a:rPr lang="en-US" altLang="zh-TW" dirty="0"/>
+              <a:t>Robustness based on Hamming and </a:t>
+            </a:r>
+            <a:r>
+              <a:rPr lang="en-US" altLang="zh-TW" dirty="0" err="1"/>
+              <a:t>Lewenstein</a:t>
+            </a:r>
+            <a:r>
+              <a:rPr lang="en-US" altLang="zh-TW" dirty="0"/>
+              <a:t> distance related to the number of past states.</a:t>
+            </a:r>
+            <a:r>
+              <a:rPr lang="en-US" altLang="zh-TW" dirty="0" smtClean="0"/>
               <a:t> </a:t>
             </a:r>
-            <a:r>
-              <a:rPr lang="en-US" altLang="zh-TW" dirty="0" smtClean="0"/>
-              <a:t>if the sequence of states separating them was not long enough for recovery in the respective safety/reachability game.</a:t>
-            </a:r>
-            <a:endParaRPr lang="zh-TW" altLang="en-US" dirty="0" smtClean="0"/>
+            <a:br>
+              <a:rPr lang="en-US" altLang="zh-TW" dirty="0" smtClean="0"/>
+            </a:br>
+            <a:r>
+              <a:rPr lang="en-US" altLang="zh-TW" sz="2400" i="1" dirty="0" smtClean="0">
+                <a:solidFill>
+                  <a:schemeClr val="tx2">
+                    <a:lumMod val="60000"/>
+                    <a:lumOff val="40000"/>
+                  </a:schemeClr>
+                </a:solidFill>
+              </a:rPr>
+              <a:t>[L. Doyen, T.A. </a:t>
+            </a:r>
+            <a:r>
+              <a:rPr lang="en-US" altLang="zh-TW" sz="2400" i="1" dirty="0" err="1" smtClean="0">
+                <a:solidFill>
+                  <a:schemeClr val="tx2">
+                    <a:lumMod val="60000"/>
+                    <a:lumOff val="40000"/>
+                  </a:schemeClr>
+                </a:solidFill>
+              </a:rPr>
+              <a:t>Henzinger</a:t>
+            </a:r>
+            <a:r>
+              <a:rPr lang="en-US" altLang="zh-TW" sz="2400" i="1" dirty="0" smtClean="0">
+                <a:solidFill>
+                  <a:schemeClr val="tx2">
+                    <a:lumMod val="60000"/>
+                    <a:lumOff val="40000"/>
+                  </a:schemeClr>
+                </a:solidFill>
+              </a:rPr>
+              <a:t>, A. </a:t>
+            </a:r>
+            <a:r>
+              <a:rPr lang="en-US" altLang="zh-TW" sz="2400" i="1" dirty="0" err="1" smtClean="0">
+                <a:solidFill>
+                  <a:schemeClr val="tx2">
+                    <a:lumMod val="60000"/>
+                    <a:lumOff val="40000"/>
+                  </a:schemeClr>
+                </a:solidFill>
+              </a:rPr>
+              <a:t>Legay</a:t>
+            </a:r>
+            <a:r>
+              <a:rPr lang="en-US" altLang="zh-TW" sz="2400" i="1" dirty="0" smtClean="0">
+                <a:solidFill>
+                  <a:schemeClr val="tx2">
+                    <a:lumMod val="60000"/>
+                    <a:lumOff val="40000"/>
+                  </a:schemeClr>
+                </a:solidFill>
+              </a:rPr>
+              <a:t>, D. </a:t>
+            </a:r>
+            <a:r>
+              <a:rPr lang="en-US" altLang="zh-TW" sz="2400" i="1" dirty="0" err="1" smtClean="0">
+                <a:solidFill>
+                  <a:schemeClr val="tx2">
+                    <a:lumMod val="60000"/>
+                    <a:lumOff val="40000"/>
+                  </a:schemeClr>
+                </a:solidFill>
+              </a:rPr>
+              <a:t>Nickovic</a:t>
+            </a:r>
+            <a:r>
+              <a:rPr lang="en-US" altLang="zh-TW" sz="2400" i="1" dirty="0" smtClean="0">
+                <a:solidFill>
+                  <a:schemeClr val="tx2">
+                    <a:lumMod val="60000"/>
+                    <a:lumOff val="40000"/>
+                  </a:schemeClr>
+                </a:solidFill>
+              </a:rPr>
+              <a:t>]</a:t>
+            </a:r>
+          </a:p>
+          <a:p>
+            <a:r>
+              <a:rPr lang="en-US" altLang="zh-TW" dirty="0"/>
+              <a:t>Ratio Games: minimize the ratio between failures induced by the environment and system errors caused by them. </a:t>
+            </a:r>
+            <a:r>
+              <a:rPr lang="en-US" altLang="zh-TW" sz="2400" i="1" dirty="0" smtClean="0">
+                <a:solidFill>
+                  <a:schemeClr val="tx2">
+                    <a:lumMod val="60000"/>
+                    <a:lumOff val="40000"/>
+                  </a:schemeClr>
+                </a:solidFill>
+              </a:rPr>
+              <a:t>[R. </a:t>
+            </a:r>
+            <a:r>
+              <a:rPr lang="en-US" altLang="zh-TW" sz="2400" i="1" dirty="0" err="1" smtClean="0">
+                <a:solidFill>
+                  <a:schemeClr val="tx2">
+                    <a:lumMod val="60000"/>
+                    <a:lumOff val="40000"/>
+                  </a:schemeClr>
+                </a:solidFill>
+              </a:rPr>
+              <a:t>Bloem</a:t>
+            </a:r>
+            <a:r>
+              <a:rPr lang="en-US" altLang="zh-TW" sz="2400" i="1" dirty="0" smtClean="0">
+                <a:solidFill>
+                  <a:schemeClr val="tx2">
+                    <a:lumMod val="60000"/>
+                    <a:lumOff val="40000"/>
+                  </a:schemeClr>
+                </a:solidFill>
+              </a:rPr>
+              <a:t>, K. </a:t>
+            </a:r>
+            <a:r>
+              <a:rPr lang="en-US" altLang="zh-TW" sz="2400" i="1" dirty="0" err="1" smtClean="0">
+                <a:solidFill>
+                  <a:schemeClr val="tx2">
+                    <a:lumMod val="60000"/>
+                    <a:lumOff val="40000"/>
+                  </a:schemeClr>
+                </a:solidFill>
+              </a:rPr>
+              <a:t>Greimel</a:t>
+            </a:r>
+            <a:r>
+              <a:rPr lang="en-US" altLang="zh-TW" sz="2400" i="1" dirty="0" smtClean="0">
+                <a:solidFill>
+                  <a:schemeClr val="tx2">
+                    <a:lumMod val="60000"/>
+                    <a:lumOff val="40000"/>
+                  </a:schemeClr>
+                </a:solidFill>
+              </a:rPr>
+              <a:t>, T.A. </a:t>
+            </a:r>
+            <a:r>
+              <a:rPr lang="en-US" altLang="zh-TW" sz="2400" i="1" dirty="0" err="1" smtClean="0">
+                <a:solidFill>
+                  <a:schemeClr val="tx2">
+                    <a:lumMod val="60000"/>
+                    <a:lumOff val="40000"/>
+                  </a:schemeClr>
+                </a:solidFill>
+              </a:rPr>
+              <a:t>Henzinger</a:t>
+            </a:r>
+            <a:r>
+              <a:rPr lang="en-US" altLang="zh-TW" sz="2400" i="1" dirty="0" smtClean="0">
+                <a:solidFill>
+                  <a:schemeClr val="tx2">
+                    <a:lumMod val="60000"/>
+                    <a:lumOff val="40000"/>
+                  </a:schemeClr>
+                </a:solidFill>
+              </a:rPr>
+              <a:t>, B. </a:t>
+            </a:r>
+            <a:r>
+              <a:rPr lang="en-US" altLang="zh-TW" sz="2400" i="1" dirty="0" err="1" smtClean="0">
+                <a:solidFill>
+                  <a:schemeClr val="tx2">
+                    <a:lumMod val="60000"/>
+                    <a:lumOff val="40000"/>
+                  </a:schemeClr>
+                </a:solidFill>
+              </a:rPr>
+              <a:t>Jobstmann</a:t>
+            </a:r>
+            <a:r>
+              <a:rPr lang="en-US" altLang="zh-TW" sz="2400" i="1" dirty="0" smtClean="0">
+                <a:solidFill>
+                  <a:schemeClr val="tx2">
+                    <a:lumMod val="60000"/>
+                    <a:lumOff val="40000"/>
+                  </a:schemeClr>
+                </a:solidFill>
+              </a:rPr>
+              <a:t>]</a:t>
+            </a:r>
+            <a:endParaRPr lang="zh-TW" altLang="en-US" i="1" dirty="0" smtClean="0">
+              <a:solidFill>
+                <a:schemeClr val="tx2">
+                  <a:lumMod val="60000"/>
+                  <a:lumOff val="40000"/>
+                </a:schemeClr>
+              </a:solidFill>
+            </a:endParaRPr>
           </a:p>
           <a:p>
             <a:endParaRPr lang="zh-TW" altLang="en-US" dirty="0"/>
@@ -17298,7 +18648,7 @@
     </p:spTree>
     <p:extLst>
       <p:ext uri="{BB962C8B-B14F-4D97-AF65-F5344CB8AC3E}">
-        <p14:creationId xmlns:p14="http://schemas.microsoft.com/office/powerpoint/2010/main" val="4004804869"/>
+        <p14:creationId xmlns:p14="http://schemas.microsoft.com/office/powerpoint/2010/main" val="1188594245"/>
       </p:ext>
     </p:extLst>
   </p:cSld>
@@ -17367,15 +18717,7 @@
           <a:p>
             <a:r>
               <a:rPr lang="en-US" altLang="zh-TW" dirty="0" smtClean="0"/>
-              <a:t>Formal verification </a:t>
-            </a:r>
-            <a:r>
-              <a:rPr lang="en-US" altLang="zh-TW" dirty="0" smtClean="0"/>
-              <a:t>of open systems requires taking user’s behavior into consideration</a:t>
-            </a:r>
-            <a:r>
-              <a:rPr lang="en-US" altLang="zh-TW" dirty="0" smtClean="0"/>
-              <a:t>.</a:t>
+              <a:t>Formal verification of open systems requires taking user’s behavior into consideration.</a:t>
             </a:r>
           </a:p>
           <a:p>
@@ -17474,7 +18816,7 @@
           <a:p>
             <a:r>
               <a:rPr lang="en-US" altLang="zh-TW" dirty="0" smtClean="0"/>
-              <a:t>Why dense fault</a:t>
+              <a:t>Dense Fault</a:t>
             </a:r>
             <a:endParaRPr lang="zh-TW" altLang="en-US" dirty="0"/>
           </a:p>
@@ -17490,84 +18832,41 @@
             <p:ph idx="1"/>
           </p:nvPr>
         </p:nvSpPr>
-        <p:spPr>
-          <a:xfrm>
-            <a:off x="838200" y="2775857"/>
-            <a:ext cx="10515600" cy="3401106"/>
-          </a:xfrm>
-        </p:spPr>
+        <p:spPr/>
         <p:txBody>
           <a:bodyPr/>
           <a:lstStyle/>
           <a:p>
             <a:r>
               <a:rPr lang="en-US" altLang="zh-TW" dirty="0" smtClean="0"/>
-              <a:t>System Operation time: 20 hour</a:t>
-            </a:r>
-          </a:p>
-          <a:p>
-            <a:r>
-              <a:rPr lang="en-US" altLang="zh-TW" dirty="0" smtClean="0"/>
-              <a:t>Mean time between errors: 10 hour</a:t>
-            </a:r>
-          </a:p>
-          <a:p>
-            <a:r>
-              <a:rPr lang="en-US" altLang="zh-TW" dirty="0" smtClean="0"/>
-              <a:t>Repair time: 3.6 sec</a:t>
-            </a:r>
-          </a:p>
-          <a:p>
-            <a:r>
-              <a:rPr lang="en-US" altLang="zh-TW" dirty="0" smtClean="0"/>
-              <a:t>Since errors occur </a:t>
-            </a:r>
-            <a:r>
-              <a:rPr lang="en-US" altLang="zh-TW" dirty="0"/>
-              <a:t>with a known average rate and independently of the time since the last </a:t>
-            </a:r>
-            <a:r>
-              <a:rPr lang="en-US" altLang="zh-TW" dirty="0" smtClean="0"/>
-              <a:t>event, we use Poisson distribution(with coefficient 2) for “</a:t>
+              <a:t>Two successive failures are in the same </a:t>
+            </a:r>
+            <a:r>
+              <a:rPr lang="en-US" altLang="zh-TW" i="1" dirty="0" smtClean="0">
+                <a:solidFill>
+                  <a:srgbClr val="FF0000"/>
+                </a:solidFill>
+              </a:rPr>
+              <a:t>group of dense failures</a:t>
             </a:r>
             <a:r>
               <a:rPr lang="en-US" altLang="zh-TW" i="1" dirty="0" smtClean="0"/>
-              <a:t>k errors” </a:t>
-            </a:r>
-            <a:r>
-              <a:rPr lang="en-US" altLang="zh-TW" dirty="0" smtClean="0"/>
-              <a:t>in the above table</a:t>
-            </a:r>
-          </a:p>
-        </p:txBody>
-      </p:sp>
-      <p:pic>
-        <p:nvPicPr>
-          <p:cNvPr id="4" name="圖片 3"/>
-          <p:cNvPicPr>
-            <a:picLocks noChangeAspect="1"/>
-          </p:cNvPicPr>
-          <p:nvPr/>
-        </p:nvPicPr>
-        <p:blipFill>
-          <a:blip r:embed="rId2"/>
-          <a:stretch>
-            <a:fillRect/>
-          </a:stretch>
-        </p:blipFill>
-        <p:spPr>
-          <a:xfrm>
-            <a:off x="1175657" y="1358545"/>
-            <a:ext cx="9348108" cy="1220007"/>
-          </a:xfrm>
-          <a:prstGeom prst="rect">
-            <a:avLst/>
-          </a:prstGeom>
-        </p:spPr>
-      </p:pic>
-      <p:sp>
-        <p:nvSpPr>
-          <p:cNvPr id="5" name="投影片編號版面配置區 4"/>
+              <a:t> </a:t>
+            </a:r>
+            <a:r>
+              <a:rPr lang="en-US" altLang="zh-TW" dirty="0" smtClean="0"/>
+              <a:t>if the sequence of states separating them was not long enough for recovery in the respective safety/reachability game.</a:t>
+            </a:r>
+            <a:endParaRPr lang="zh-TW" altLang="en-US" dirty="0" smtClean="0"/>
+          </a:p>
+          <a:p>
+            <a:endParaRPr lang="zh-TW" altLang="en-US" dirty="0"/>
+          </a:p>
+        </p:txBody>
+      </p:sp>
+      <p:sp>
+        <p:nvSpPr>
+          <p:cNvPr id="4" name="投影片編號版面配置區 3"/>
           <p:cNvSpPr>
             <a:spLocks noGrp="1"/>
           </p:cNvSpPr>
@@ -17591,7 +18890,7 @@
     </p:spTree>
     <p:extLst>
       <p:ext uri="{BB962C8B-B14F-4D97-AF65-F5344CB8AC3E}">
-        <p14:creationId xmlns:p14="http://schemas.microsoft.com/office/powerpoint/2010/main" val="4193270953"/>
+        <p14:creationId xmlns:p14="http://schemas.microsoft.com/office/powerpoint/2010/main" val="4004804869"/>
       </p:ext>
     </p:extLst>
   </p:cSld>
@@ -17635,7 +18934,7 @@
           <a:p>
             <a:r>
               <a:rPr lang="en-US" altLang="zh-TW" dirty="0" smtClean="0"/>
-              <a:t>Recovery Segment</a:t>
+              <a:t>Why dense fault</a:t>
             </a:r>
             <a:endParaRPr lang="zh-TW" altLang="en-US" dirty="0"/>
           </a:p>
@@ -17651,230 +18950,84 @@
             <p:ph idx="1"/>
           </p:nvPr>
         </p:nvSpPr>
-        <p:spPr/>
-        <p:txBody>
-          <a:bodyPr>
-            <a:normAutofit/>
-          </a:bodyPr>
-          <a:lstStyle/>
-          <a:p>
-            <a:r>
-              <a:rPr lang="en-US" altLang="zh-TW" dirty="0" smtClean="0"/>
-              <a:t>A play prefix </a:t>
-            </a:r>
-            <a:r>
-              <a:rPr lang="el-GR" altLang="zh-TW" dirty="0" smtClean="0"/>
-              <a:t>ρ</a:t>
-            </a:r>
-            <a:r>
-              <a:rPr lang="en-US" altLang="zh-TW" dirty="0" smtClean="0"/>
-              <a:t> is a recovery segment to safety region S </a:t>
+        <p:spPr>
+          <a:xfrm>
+            <a:off x="838200" y="2775857"/>
+            <a:ext cx="10515600" cy="3401106"/>
+          </a:xfrm>
+        </p:spPr>
+        <p:txBody>
+          <a:bodyPr/>
+          <a:lstStyle/>
+          <a:p>
+            <a:r>
+              <a:rPr lang="en-US" altLang="zh-TW" dirty="0" smtClean="0"/>
+              <a:t>System Operation time: 20 hour</a:t>
+            </a:r>
+          </a:p>
+          <a:p>
+            <a:r>
+              <a:rPr lang="en-US" altLang="zh-TW" dirty="0" smtClean="0"/>
+              <a:t>Mean time between errors: 10 hour</a:t>
+            </a:r>
+          </a:p>
+          <a:p>
+            <a:r>
+              <a:rPr lang="en-US" altLang="zh-TW" dirty="0" smtClean="0"/>
+              <a:t>Repair time: 3.6 sec</a:t>
+            </a:r>
+          </a:p>
+          <a:p>
+            <a:r>
+              <a:rPr lang="en-US" altLang="zh-TW" dirty="0" smtClean="0"/>
+              <a:t>Since errors occur </a:t>
             </a:r>
             <a:r>
               <a:rPr lang="en-US" altLang="zh-TW" dirty="0"/>
-              <a:t>⊆ Q </a:t>
-            </a:r>
-            <a:r>
-              <a:rPr lang="en-US" altLang="zh-TW" dirty="0" smtClean="0"/>
-              <a:t>\ F</a:t>
-            </a:r>
-            <a:r>
-              <a:rPr lang="zh-TW" altLang="en-US" dirty="0" smtClean="0"/>
-              <a:t> </a:t>
-            </a:r>
-            <a:r>
-              <a:rPr lang="en-US" altLang="zh-TW" dirty="0" err="1" smtClean="0"/>
-              <a:t>iff</a:t>
-            </a:r>
-            <a:endParaRPr lang="en-US" altLang="zh-TW" dirty="0" smtClean="0"/>
-          </a:p>
-          <a:p>
-            <a:pPr lvl="1"/>
-            <a:r>
-              <a:rPr lang="el-GR" altLang="zh-TW" dirty="0"/>
-              <a:t>ρ(0) ∈ </a:t>
-            </a:r>
-            <a:r>
-              <a:rPr lang="en-US" altLang="zh-TW" dirty="0" smtClean="0"/>
-              <a:t>S</a:t>
-            </a:r>
-            <a:endParaRPr lang="en-US" altLang="zh-TW" i="1" dirty="0" smtClean="0"/>
-          </a:p>
-          <a:p>
-            <a:pPr lvl="1"/>
-            <a:r>
-              <a:rPr lang="en-US" altLang="zh-TW" dirty="0"/>
-              <a:t>If |ρ| = ∞, then all states in ρ[1,∞) are in Q\(S ∪ F). </a:t>
-            </a:r>
-            <a:br>
-              <a:rPr lang="en-US" altLang="zh-TW" dirty="0"/>
-            </a:br>
-            <a:r>
-              <a:rPr lang="en-US" altLang="zh-TW" dirty="0"/>
-              <a:t>In this case, ρ is called a failed recovery segment.</a:t>
-            </a:r>
-          </a:p>
-          <a:p>
-            <a:pPr lvl="1"/>
-            <a:r>
-              <a:rPr lang="en-US" altLang="zh-TW" dirty="0"/>
-              <a:t>If |ρ| </a:t>
-            </a:r>
-            <a:r>
-              <a:rPr lang="en-US" altLang="zh-TW" dirty="0" smtClean="0"/>
-              <a:t>≠ </a:t>
-            </a:r>
-            <a:r>
-              <a:rPr lang="en-US" altLang="zh-TW" dirty="0"/>
-              <a:t>∞, then all states in ρ[1, |ρ| − 2] are in Q \ (S ∪ F) and last(ρ) = ρ(|ρ| − 1) is either in F or S. </a:t>
-            </a:r>
-            <a:r>
-              <a:rPr lang="en-US" altLang="zh-TW" dirty="0" smtClean="0"/>
-              <a:t/>
-            </a:r>
-            <a:br>
-              <a:rPr lang="en-US" altLang="zh-TW" dirty="0" smtClean="0"/>
-            </a:br>
-            <a:r>
-              <a:rPr lang="en-US" altLang="zh-TW" dirty="0" smtClean="0"/>
-              <a:t>If </a:t>
-            </a:r>
-            <a:r>
-              <a:rPr lang="en-US" altLang="zh-TW" dirty="0"/>
-              <a:t>last(ρ) ∈ F, ρ is also a failed recovery </a:t>
-            </a:r>
-            <a:r>
-              <a:rPr lang="en-US" altLang="zh-TW" dirty="0" smtClean="0"/>
-              <a:t>segment;</a:t>
-            </a:r>
-            <a:br>
-              <a:rPr lang="en-US" altLang="zh-TW" dirty="0" smtClean="0"/>
-            </a:br>
-            <a:r>
-              <a:rPr lang="en-US" altLang="zh-TW" dirty="0" smtClean="0"/>
-              <a:t>otherwise</a:t>
-            </a:r>
-            <a:r>
-              <a:rPr lang="en-US" altLang="zh-TW" dirty="0"/>
-              <a:t>, it is a successful one</a:t>
-            </a:r>
-            <a:r>
-              <a:rPr lang="en-US" altLang="zh-TW" dirty="0" smtClean="0"/>
-              <a:t>.</a:t>
-            </a:r>
-          </a:p>
-          <a:p>
-            <a:r>
-              <a:rPr lang="en-US" altLang="zh-TW" dirty="0"/>
-              <a:t>level(</a:t>
-            </a:r>
-            <a:r>
-              <a:rPr lang="el-GR" altLang="zh-TW" dirty="0"/>
-              <a:t>ρ, </a:t>
-            </a:r>
-            <a:r>
-              <a:rPr lang="en-US" altLang="zh-TW" dirty="0"/>
-              <a:t>S</a:t>
-            </a:r>
-            <a:r>
-              <a:rPr lang="en-US" altLang="zh-TW" dirty="0" smtClean="0"/>
-              <a:t>):</a:t>
+              <a:t>with a known average rate and independently of the time since the last </a:t>
+            </a:r>
+            <a:r>
+              <a:rPr lang="en-US" altLang="zh-TW" dirty="0" smtClean="0"/>
+              <a:t>event, we use Poisson distribution(with coefficient 2) for “</a:t>
             </a:r>
             <a:r>
               <a:rPr lang="en-US" altLang="zh-TW" i="1" dirty="0" smtClean="0"/>
-              <a:t> </a:t>
-            </a:r>
-            <a:r>
-              <a:rPr lang="en-US" altLang="zh-TW" i="1" dirty="0"/>
-              <a:t>the number of error </a:t>
-            </a:r>
-            <a:r>
-              <a:rPr lang="en-US" altLang="zh-TW" i="1" dirty="0" smtClean="0"/>
-              <a:t>moves between </a:t>
-            </a:r>
-            <a:r>
-              <a:rPr lang="en-US" altLang="zh-TW" i="1" dirty="0"/>
-              <a:t>states in </a:t>
-            </a:r>
-            <a:r>
-              <a:rPr lang="en-US" altLang="zh-TW" dirty="0"/>
-              <a:t>ρ </a:t>
-            </a:r>
-            <a:r>
-              <a:rPr lang="en-US" altLang="zh-TW" i="1" dirty="0"/>
-              <a:t>with respect to the safety region </a:t>
-            </a:r>
-            <a:r>
-              <a:rPr lang="en-US" altLang="zh-TW" dirty="0"/>
-              <a:t>S</a:t>
-            </a:r>
-            <a:r>
-              <a:rPr lang="en-US" altLang="zh-TW" i="1" dirty="0" smtClean="0"/>
-              <a:t>:</a:t>
-            </a:r>
-            <a:br>
-              <a:rPr lang="en-US" altLang="zh-TW" i="1" dirty="0" smtClean="0"/>
-            </a:br>
-            <a:r>
-              <a:rPr lang="en-US" altLang="zh-TW" dirty="0" smtClean="0"/>
-              <a:t>{</a:t>
-            </a:r>
-            <a:r>
-              <a:rPr lang="en-US" altLang="zh-TW" dirty="0" err="1" smtClean="0"/>
-              <a:t>i</a:t>
-            </a:r>
-            <a:r>
-              <a:rPr lang="en-US" altLang="zh-TW" dirty="0" smtClean="0"/>
-              <a:t> </a:t>
-            </a:r>
-            <a:r>
-              <a:rPr lang="en-US" altLang="zh-TW" dirty="0"/>
-              <a:t>∈ [0, |</a:t>
-            </a:r>
-            <a:r>
-              <a:rPr lang="el-GR" altLang="zh-TW" dirty="0"/>
-              <a:t>ρ| − 1) | </a:t>
-            </a:r>
-            <a:r>
-              <a:rPr lang="el-GR" altLang="zh-TW" dirty="0" smtClean="0"/>
-              <a:t>ρ</a:t>
-            </a:r>
-            <a:r>
-              <a:rPr lang="en-US" altLang="zh-TW" dirty="0" smtClean="0"/>
-              <a:t>_e(</a:t>
-            </a:r>
-            <a:r>
-              <a:rPr lang="en-US" altLang="zh-TW" dirty="0" err="1" smtClean="0"/>
-              <a:t>i</a:t>
-            </a:r>
-            <a:r>
-              <a:rPr lang="en-US" altLang="zh-TW" dirty="0"/>
-              <a:t>) |= </a:t>
-            </a:r>
-            <a:r>
-              <a:rPr lang="en-US" altLang="zh-TW" dirty="0" err="1"/>
-              <a:t>E</a:t>
-            </a:r>
-            <a:r>
-              <a:rPr lang="en-US" altLang="zh-TW" i="1" dirty="0" err="1"/>
-              <a:t>error</a:t>
-            </a:r>
-            <a:r>
-              <a:rPr lang="en-US" altLang="zh-TW" dirty="0"/>
-              <a:t>}</a:t>
-            </a:r>
-          </a:p>
-          <a:p>
-            <a:pPr marL="0" indent="0">
-              <a:buNone/>
-            </a:pPr>
-            <a:endParaRPr lang="en-US" altLang="zh-TW" dirty="0"/>
-          </a:p>
-        </p:txBody>
-      </p:sp>
-      <p:sp>
-        <p:nvSpPr>
-          <p:cNvPr id="4" name="投影片編號版面配置區 3"/>
+              <a:t>k errors” </a:t>
+            </a:r>
+            <a:r>
+              <a:rPr lang="en-US" altLang="zh-TW" dirty="0" smtClean="0"/>
+              <a:t>in the above table</a:t>
+            </a:r>
+          </a:p>
+        </p:txBody>
+      </p:sp>
+      <p:pic>
+        <p:nvPicPr>
+          <p:cNvPr id="4" name="圖片 3"/>
+          <p:cNvPicPr>
+            <a:picLocks noChangeAspect="1"/>
+          </p:cNvPicPr>
+          <p:nvPr/>
+        </p:nvPicPr>
+        <p:blipFill>
+          <a:blip r:embed="rId2"/>
+          <a:stretch>
+            <a:fillRect/>
+          </a:stretch>
+        </p:blipFill>
+        <p:spPr>
+          <a:xfrm>
+            <a:off x="1175657" y="1358545"/>
+            <a:ext cx="9348108" cy="1220007"/>
+          </a:xfrm>
+          <a:prstGeom prst="rect">
+            <a:avLst/>
+          </a:prstGeom>
+        </p:spPr>
+      </p:pic>
+      <p:sp>
+        <p:nvSpPr>
+          <p:cNvPr id="5" name="投影片編號版面配置區 4"/>
           <p:cNvSpPr>
             <a:spLocks noGrp="1"/>
           </p:cNvSpPr>
@@ -17898,7 +19051,7 @@
     </p:spTree>
     <p:extLst>
       <p:ext uri="{BB962C8B-B14F-4D97-AF65-F5344CB8AC3E}">
-        <p14:creationId xmlns:p14="http://schemas.microsoft.com/office/powerpoint/2010/main" val="3130413437"/>
+        <p14:creationId xmlns:p14="http://schemas.microsoft.com/office/powerpoint/2010/main" val="4193270953"/>
       </p:ext>
     </p:extLst>
   </p:cSld>
@@ -17942,7 +19095,7 @@
           <a:p>
             <a:r>
               <a:rPr lang="en-US" altLang="zh-TW" dirty="0" smtClean="0"/>
-              <a:t>Gain</a:t>
+              <a:t>Recovery Segment</a:t>
             </a:r>
             <a:endParaRPr lang="zh-TW" altLang="en-US" dirty="0"/>
           </a:p>
@@ -17960,153 +19113,222 @@
         </p:nvSpPr>
         <p:spPr/>
         <p:txBody>
-          <a:bodyPr/>
-          <a:lstStyle/>
-          <a:p>
-            <a:r>
-              <a:rPr lang="en-US" altLang="zh-TW" dirty="0" smtClean="0"/>
-              <a:t>gain(ρ</a:t>
+          <a:bodyPr>
+            <a:normAutofit/>
+          </a:bodyPr>
+          <a:lstStyle/>
+          <a:p>
+            <a:r>
+              <a:rPr lang="en-US" altLang="zh-TW" dirty="0" smtClean="0"/>
+              <a:t>A play prefix </a:t>
+            </a:r>
+            <a:r>
+              <a:rPr lang="el-GR" altLang="zh-TW" dirty="0" smtClean="0"/>
+              <a:t>ρ</a:t>
+            </a:r>
+            <a:r>
+              <a:rPr lang="en-US" altLang="zh-TW" dirty="0" smtClean="0"/>
+              <a:t> is a recovery segment to safety region S </a:t>
             </a:r>
             <a:r>
               <a:rPr lang="en-US" altLang="zh-TW" dirty="0"/>
-              <a:t>, </a:t>
+              <a:t>⊆ Q </a:t>
+            </a:r>
+            <a:r>
+              <a:rPr lang="en-US" altLang="zh-TW" dirty="0" smtClean="0"/>
+              <a:t>\ F</a:t>
+            </a:r>
+            <a:r>
+              <a:rPr lang="zh-TW" altLang="en-US" dirty="0" smtClean="0"/>
+              <a:t> </a:t>
+            </a:r>
+            <a:r>
+              <a:rPr lang="en-US" altLang="zh-TW" dirty="0" err="1" smtClean="0"/>
+              <a:t>iff</a:t>
+            </a:r>
+            <a:endParaRPr lang="en-US" altLang="zh-TW" dirty="0" smtClean="0"/>
+          </a:p>
+          <a:p>
+            <a:pPr lvl="1"/>
+            <a:r>
+              <a:rPr lang="el-GR" altLang="zh-TW" dirty="0"/>
+              <a:t>ρ(0) ∈ </a:t>
             </a:r>
             <a:r>
               <a:rPr lang="en-US" altLang="zh-TW" dirty="0" smtClean="0"/>
               <a:t>S</a:t>
             </a:r>
+            <a:endParaRPr lang="en-US" altLang="zh-TW" i="1" dirty="0" smtClean="0"/>
+          </a:p>
+          <a:p>
+            <a:pPr lvl="1"/>
             <a:r>
               <a:rPr lang="en-US" altLang="zh-TW" dirty="0"/>
-              <a:t>): The maximal integer k ∈ N such that, for all recovery segments </a:t>
+              <a:t>If |ρ| = ∞, then all states in ρ[1,∞) are in Q\(S ∪ F). </a:t>
+            </a:r>
+            <a:br>
+              <a:rPr lang="en-US" altLang="zh-TW" dirty="0"/>
+            </a:br>
+            <a:r>
+              <a:rPr lang="en-US" altLang="zh-TW" dirty="0"/>
+              <a:t>In this case, ρ is called a failed recovery segment.</a:t>
+            </a:r>
+          </a:p>
+          <a:p>
+            <a:pPr lvl="1"/>
+            <a:r>
+              <a:rPr lang="en-US" altLang="zh-TW" dirty="0"/>
+              <a:t>If |ρ| </a:t>
+            </a:r>
+            <a:r>
+              <a:rPr lang="en-US" altLang="zh-TW" dirty="0" smtClean="0"/>
+              <a:t>≠ </a:t>
+            </a:r>
+            <a:r>
+              <a:rPr lang="en-US" altLang="zh-TW" dirty="0"/>
+              <a:t>∞, then all states in ρ[1, |ρ| − 2] are in Q \ (S ∪ F) and last(ρ) = ρ(|ρ| − 1) is either in F or S. </a:t>
+            </a:r>
+            <a:r>
+              <a:rPr lang="en-US" altLang="zh-TW" dirty="0" smtClean="0"/>
+              <a:t/>
+            </a:r>
+            <a:br>
+              <a:rPr lang="en-US" altLang="zh-TW" dirty="0" smtClean="0"/>
+            </a:br>
+            <a:r>
+              <a:rPr lang="en-US" altLang="zh-TW" dirty="0" smtClean="0"/>
+              <a:t>If </a:t>
+            </a:r>
+            <a:r>
+              <a:rPr lang="en-US" altLang="zh-TW" dirty="0"/>
+              <a:t>last(ρ) ∈ F, ρ is also a failed recovery </a:t>
+            </a:r>
+            <a:r>
+              <a:rPr lang="en-US" altLang="zh-TW" dirty="0" smtClean="0"/>
+              <a:t>segment;</a:t>
+            </a:r>
+            <a:br>
+              <a:rPr lang="en-US" altLang="zh-TW" dirty="0" smtClean="0"/>
+            </a:br>
+            <a:r>
+              <a:rPr lang="en-US" altLang="zh-TW" dirty="0" smtClean="0"/>
+              <a:t>otherwise</a:t>
+            </a:r>
+            <a:r>
+              <a:rPr lang="en-US" altLang="zh-TW" dirty="0"/>
+              <a:t>, it is a successful one</a:t>
+            </a:r>
+            <a:r>
+              <a:rPr lang="en-US" altLang="zh-TW" dirty="0" smtClean="0"/>
+              <a:t>.</a:t>
+            </a:r>
+          </a:p>
+          <a:p>
+            <a:r>
+              <a:rPr lang="en-US" altLang="zh-TW" dirty="0"/>
+              <a:t>level(</a:t>
+            </a:r>
+            <a:r>
+              <a:rPr lang="el-GR" altLang="zh-TW" dirty="0"/>
+              <a:t>ρ, </a:t>
+            </a:r>
+            <a:r>
+              <a:rPr lang="en-US" altLang="zh-TW" dirty="0"/>
+              <a:t>S</a:t>
+            </a:r>
+            <a:r>
+              <a:rPr lang="en-US" altLang="zh-TW" dirty="0" smtClean="0"/>
+              <a:t>):</a:t>
+            </a:r>
+            <a:r>
+              <a:rPr lang="en-US" altLang="zh-TW" i="1" dirty="0" smtClean="0"/>
+              <a:t> </a:t>
+            </a:r>
+            <a:r>
+              <a:rPr lang="en-US" altLang="zh-TW" i="1" dirty="0"/>
+              <a:t>the number of error </a:t>
+            </a:r>
+            <a:r>
+              <a:rPr lang="en-US" altLang="zh-TW" i="1" dirty="0" smtClean="0"/>
+              <a:t>moves between </a:t>
+            </a:r>
+            <a:r>
+              <a:rPr lang="en-US" altLang="zh-TW" i="1" dirty="0"/>
+              <a:t>states in </a:t>
+            </a:r>
+            <a:r>
+              <a:rPr lang="en-US" altLang="zh-TW" dirty="0"/>
+              <a:t>ρ </a:t>
+            </a:r>
+            <a:r>
+              <a:rPr lang="en-US" altLang="zh-TW" i="1" dirty="0"/>
+              <a:t>with respect to the safety region </a:t>
+            </a:r>
+            <a:r>
+              <a:rPr lang="en-US" altLang="zh-TW" dirty="0"/>
+              <a:t>S</a:t>
+            </a:r>
+            <a:r>
+              <a:rPr lang="en-US" altLang="zh-TW" i="1" dirty="0" smtClean="0"/>
+              <a:t>:</a:t>
+            </a:r>
+            <a:br>
+              <a:rPr lang="en-US" altLang="zh-TW" i="1" dirty="0" smtClean="0"/>
+            </a:br>
+            <a:r>
+              <a:rPr lang="en-US" altLang="zh-TW" dirty="0" smtClean="0"/>
+              <a:t>{</a:t>
+            </a:r>
+            <a:r>
+              <a:rPr lang="en-US" altLang="zh-TW" dirty="0" err="1" smtClean="0"/>
+              <a:t>i</a:t>
+            </a:r>
+            <a:r>
+              <a:rPr lang="en-US" altLang="zh-TW" dirty="0" smtClean="0"/>
+              <a:t> </a:t>
+            </a:r>
+            <a:r>
+              <a:rPr lang="en-US" altLang="zh-TW" dirty="0"/>
+              <a:t>∈ [0, |</a:t>
+            </a:r>
+            <a:r>
+              <a:rPr lang="el-GR" altLang="zh-TW" dirty="0"/>
+              <a:t>ρ| − 1) | </a:t>
+            </a:r>
+            <a:r>
+              <a:rPr lang="el-GR" altLang="zh-TW" dirty="0" smtClean="0"/>
+              <a:t>ρ</a:t>
+            </a:r>
+            <a:r>
+              <a:rPr lang="en-US" altLang="zh-TW" dirty="0" smtClean="0"/>
+              <a:t>_e(</a:t>
+            </a:r>
+            <a:r>
+              <a:rPr lang="en-US" altLang="zh-TW" dirty="0" err="1" smtClean="0"/>
+              <a:t>i</a:t>
+            </a:r>
+            <a:r>
+              <a:rPr lang="en-US" altLang="zh-TW" dirty="0"/>
+              <a:t>) |= </a:t>
             </a:r>
             <a:r>
               <a:rPr lang="en-US" altLang="zh-TW" dirty="0" err="1"/>
-              <a:t>ρr</a:t>
+              <a:t>E</a:t>
+            </a:r>
+            <a:r>
+              <a:rPr lang="en-US" altLang="zh-TW" i="1" dirty="0" err="1"/>
+              <a:t>error</a:t>
             </a:r>
             <a:r>
               <a:rPr lang="en-US" altLang="zh-TW" dirty="0"/>
-              <a:t> to S in ρ, if level(</a:t>
-            </a:r>
-            <a:r>
-              <a:rPr lang="en-US" altLang="zh-TW" dirty="0" err="1"/>
-              <a:t>ρr</a:t>
-            </a:r>
-            <a:r>
-              <a:rPr lang="en-US" altLang="zh-TW" dirty="0"/>
-              <a:t>, S) ≤ k, then </a:t>
-            </a:r>
-            <a:r>
-              <a:rPr lang="en-US" altLang="zh-TW" dirty="0" err="1"/>
-              <a:t>ρr</a:t>
-            </a:r>
-            <a:r>
-              <a:rPr lang="en-US" altLang="zh-TW" dirty="0"/>
-              <a:t> is a successful recovery segment to S</a:t>
-            </a:r>
-            <a:r>
-              <a:rPr lang="en-US" altLang="zh-TW" dirty="0" smtClean="0"/>
-              <a:t>.</a:t>
-            </a:r>
-          </a:p>
-          <a:p>
-            <a:r>
-              <a:rPr lang="en-US" altLang="zh-TW" dirty="0" smtClean="0"/>
-              <a:t>Gain(</a:t>
-            </a:r>
-            <a:r>
-              <a:rPr lang="el-GR" altLang="zh-TW" i="1" dirty="0" smtClean="0"/>
-              <a:t>Γ</a:t>
-            </a:r>
-            <a:r>
-              <a:rPr lang="en-US" altLang="zh-TW" dirty="0" smtClean="0"/>
-              <a:t>,S): </a:t>
-            </a:r>
-            <a:r>
-              <a:rPr lang="en-US" altLang="zh-TW" dirty="0"/>
-              <a:t>the maximum gain that the protagonist can manage with </a:t>
-            </a:r>
-            <a:r>
-              <a:rPr lang="en-US" altLang="zh-TW" dirty="0">
-                <a:solidFill>
-                  <a:srgbClr val="FF0000"/>
-                </a:solidFill>
-              </a:rPr>
-              <a:t>memoryless</a:t>
-            </a:r>
-            <a:r>
-              <a:rPr lang="en-US" altLang="zh-TW" dirty="0"/>
-              <a:t> </a:t>
-            </a:r>
-            <a:r>
-              <a:rPr lang="en-US" altLang="zh-TW" dirty="0" smtClean="0"/>
-              <a:t>strategies</a:t>
-            </a:r>
-            <a:r>
-              <a:rPr lang="en-US" altLang="zh-TW" dirty="0"/>
-              <a:t> </a:t>
-            </a:r>
-            <a:r>
-              <a:rPr lang="en-US" altLang="zh-TW" dirty="0" smtClean="0"/>
-              <a:t>on game graph K. </a:t>
-            </a:r>
-          </a:p>
-          <a:p>
-            <a:r>
-              <a:rPr lang="el-GR" altLang="zh-TW" i="1" dirty="0" smtClean="0"/>
-              <a:t>Γ</a:t>
-            </a:r>
-            <a:r>
-              <a:rPr lang="en-US" altLang="zh-TW" dirty="0" smtClean="0"/>
-              <a:t> </a:t>
-            </a:r>
-            <a:r>
-              <a:rPr lang="en-US" altLang="zh-TW" i="1" dirty="0"/>
-              <a:t>is </a:t>
-            </a:r>
-            <a:r>
-              <a:rPr lang="en-US" altLang="zh-TW" dirty="0"/>
-              <a:t>k-resilient </a:t>
-            </a:r>
-            <a:r>
-              <a:rPr lang="en-US" altLang="zh-TW" i="1" dirty="0"/>
-              <a:t>if there </a:t>
-            </a:r>
-            <a:r>
-              <a:rPr lang="en-US" altLang="zh-TW" i="1" dirty="0" smtClean="0"/>
-              <a:t>exists a non-empty </a:t>
-            </a:r>
-            <a:r>
-              <a:rPr lang="en-US" altLang="zh-TW" dirty="0"/>
-              <a:t>S ⊆ Q \ F </a:t>
-            </a:r>
-            <a:r>
-              <a:rPr lang="en-US" altLang="zh-TW" i="1" dirty="0"/>
-              <a:t>with </a:t>
-            </a:r>
-            <a:r>
-              <a:rPr lang="en-US" altLang="zh-TW" dirty="0" smtClean="0"/>
-              <a:t>gain(</a:t>
-            </a:r>
-            <a:r>
-              <a:rPr lang="el-GR" altLang="zh-TW" i="1" dirty="0" smtClean="0"/>
-              <a:t>Γ</a:t>
-            </a:r>
-            <a:r>
-              <a:rPr lang="en-US" altLang="zh-TW" dirty="0" smtClean="0"/>
-              <a:t>, </a:t>
-            </a:r>
-            <a:r>
-              <a:rPr lang="en-US" altLang="zh-TW" dirty="0"/>
-              <a:t>S) ≥ k</a:t>
-            </a:r>
-            <a:r>
-              <a:rPr lang="en-US" altLang="zh-TW" i="1" dirty="0"/>
-              <a:t>.</a:t>
-            </a:r>
-            <a:endParaRPr lang="en-US" altLang="zh-TW" dirty="0" smtClean="0"/>
-          </a:p>
-          <a:p>
-            <a:endParaRPr lang="zh-TW" altLang="en-US" dirty="0"/>
+              <a:t>}</a:t>
+            </a:r>
+          </a:p>
+          <a:p>
+            <a:pPr marL="0" indent="0">
+              <a:buNone/>
+            </a:pPr>
+            <a:endParaRPr lang="en-US" altLang="zh-TW" dirty="0"/>
           </a:p>
         </p:txBody>
       </p:sp>
@@ -18136,7 +19358,7 @@
     </p:spTree>
     <p:extLst>
       <p:ext uri="{BB962C8B-B14F-4D97-AF65-F5344CB8AC3E}">
-        <p14:creationId xmlns:p14="http://schemas.microsoft.com/office/powerpoint/2010/main" val="2300764801"/>
+        <p14:creationId xmlns:p14="http://schemas.microsoft.com/office/powerpoint/2010/main" val="3130413437"/>
       </p:ext>
     </p:extLst>
   </p:cSld>
@@ -18180,19 +19402,7 @@
           <a:p>
             <a:r>
               <a:rPr lang="en-US" altLang="zh-TW" dirty="0" smtClean="0"/>
-              <a:t>AMCE</a:t>
-            </a:r>
-            <a:r>
-              <a:rPr lang="en-US" altLang="zh-TW" dirty="0"/>
-              <a:t> Alternating-time </a:t>
-            </a:r>
-            <a:r>
-              <a:rPr lang="el-GR" altLang="zh-TW" dirty="0"/>
-              <a:t>μ-</a:t>
-            </a:r>
-            <a:r>
-              <a:rPr lang="en-US" altLang="zh-TW" dirty="0"/>
-              <a:t>calculus with events</a:t>
+              <a:t>Gain</a:t>
             </a:r>
             <a:endParaRPr lang="zh-TW" altLang="en-US" dirty="0"/>
           </a:p>
@@ -18215,190 +19425,143 @@
           <a:p>
             <a:r>
               <a:rPr lang="en-US" altLang="zh-TW" dirty="0" smtClean="0"/>
-              <a:t>AMCE is an extension of AMC</a:t>
-            </a:r>
-          </a:p>
-          <a:p>
-            <a:r>
-              <a:rPr lang="en-US" altLang="zh-TW" dirty="0" smtClean="0"/>
-              <a:t>AMC example: </a:t>
-            </a:r>
-            <a:r>
-              <a:rPr lang="el-GR" altLang="zh-TW" dirty="0"/>
-              <a:t>μ</a:t>
-            </a:r>
-            <a:r>
-              <a:rPr lang="en-US" altLang="zh-TW" dirty="0" smtClean="0"/>
-              <a:t>X(</a:t>
+              <a:t>gain(ρ</a:t>
+            </a:r>
+            <a:r>
+              <a:rPr lang="en-US" altLang="zh-TW" dirty="0"/>
+              <a:t>, </a:t>
+            </a:r>
+            <a:r>
+              <a:rPr lang="en-US" altLang="zh-TW" dirty="0" smtClean="0"/>
+              <a:t>S</a:t>
+            </a:r>
+            <a:r>
+              <a:rPr lang="en-US" altLang="zh-TW" dirty="0"/>
+              <a:t>): The maximal integer k ∈ N such that, for all recovery segments </a:t>
+            </a:r>
+            <a:r>
+              <a:rPr lang="en-US" altLang="zh-TW" dirty="0" err="1"/>
+              <a:t>ρr</a:t>
+            </a:r>
+            <a:r>
+              <a:rPr lang="en-US" altLang="zh-TW" dirty="0"/>
+              <a:t> to S in ρ, if level(</a:t>
+            </a:r>
+            <a:r>
+              <a:rPr lang="en-US" altLang="zh-TW" dirty="0" err="1"/>
+              <a:t>ρr</a:t>
+            </a:r>
+            <a:r>
+              <a:rPr lang="en-US" altLang="zh-TW" dirty="0"/>
+              <a:t>, S) ≤ k, then </a:t>
+            </a:r>
+            <a:r>
+              <a:rPr lang="en-US" altLang="zh-TW" dirty="0" err="1"/>
+              <a:t>ρr</a:t>
+            </a:r>
+            <a:r>
+              <a:rPr lang="en-US" altLang="zh-TW" dirty="0"/>
+              <a:t> is a successful recovery segment to S</a:t>
+            </a:r>
+            <a:r>
+              <a:rPr lang="en-US" altLang="zh-TW" dirty="0" smtClean="0"/>
+              <a:t>.</a:t>
+            </a:r>
+          </a:p>
+          <a:p>
+            <a:r>
+              <a:rPr lang="en-US" altLang="zh-TW" dirty="0" smtClean="0"/>
+              <a:t>Gain(</a:t>
+            </a:r>
+            <a:r>
+              <a:rPr lang="el-GR" altLang="zh-TW" i="1" dirty="0" smtClean="0"/>
+              <a:t>Γ</a:t>
+            </a:r>
+            <a:r>
+              <a:rPr lang="en-US" altLang="zh-TW" dirty="0" smtClean="0"/>
+              <a:t>,S): </a:t>
+            </a:r>
+            <a:r>
+              <a:rPr lang="en-US" altLang="zh-TW" dirty="0"/>
+              <a:t>the maximum gain that the protagonist can manage with </a:t>
+            </a:r>
+            <a:r>
+              <a:rPr lang="en-US" altLang="zh-TW" dirty="0">
+                <a:solidFill>
+                  <a:srgbClr val="FF0000"/>
+                </a:solidFill>
+              </a:rPr>
+              <a:t>memoryless</a:t>
+            </a:r>
+            <a:r>
+              <a:rPr lang="en-US" altLang="zh-TW" dirty="0"/>
+              <a:t> </a:t>
+            </a:r>
+            <a:r>
+              <a:rPr lang="en-US" altLang="zh-TW" dirty="0" smtClean="0"/>
+              <a:t>strategies</a:t>
+            </a:r>
+            <a:r>
+              <a:rPr lang="en-US" altLang="zh-TW" dirty="0"/>
+              <a:t> </a:t>
+            </a:r>
+            <a:r>
+              <a:rPr lang="en-US" altLang="zh-TW" dirty="0" smtClean="0"/>
+              <a:t>on game graph K. </a:t>
+            </a:r>
+          </a:p>
+          <a:p>
+            <a:r>
+              <a:rPr lang="el-GR" altLang="zh-TW" i="1" dirty="0" smtClean="0"/>
+              <a:t>Γ</a:t>
+            </a:r>
+            <a:r>
+              <a:rPr lang="en-US" altLang="zh-TW" dirty="0" smtClean="0"/>
+              <a:t> </a:t>
+            </a:r>
+            <a:r>
+              <a:rPr lang="en-US" altLang="zh-TW" i="1" dirty="0"/>
+              <a:t>is </a:t>
+            </a:r>
+            <a:r>
+              <a:rPr lang="en-US" altLang="zh-TW" dirty="0"/>
+              <a:t>k-resilient </a:t>
+            </a:r>
+            <a:r>
+              <a:rPr lang="en-US" altLang="zh-TW" i="1" dirty="0"/>
+              <a:t>if there </a:t>
             </a:r>
             <a:r>
               <a:rPr lang="en-US" altLang="zh-TW" i="1" dirty="0" smtClean="0"/>
-              <a:t>safe </a:t>
+              <a:t>exists a non-empty </a:t>
             </a:r>
             <a:r>
               <a:rPr lang="en-US" altLang="zh-TW" dirty="0"/>
-              <a:t>∨ </a:t>
-            </a:r>
-            <a:r>
-              <a:rPr lang="en-US" altLang="zh-TW" dirty="0" smtClean="0"/>
-              <a:t>&lt;1&gt;</a:t>
-            </a:r>
-            <a:r>
-              <a:rPr lang="en-US" altLang="zh-TW" dirty="0" smtClean="0">
-                <a:sym typeface="Wingdings 2"/>
-              </a:rPr>
-              <a:t>  </a:t>
-            </a:r>
-            <a:r>
-              <a:rPr lang="en-US" altLang="zh-TW" dirty="0" smtClean="0"/>
-              <a:t>X</a:t>
+              <a:t>S ⊆ Q \ F </a:t>
+            </a:r>
+            <a:r>
+              <a:rPr lang="en-US" altLang="zh-TW" i="1" dirty="0"/>
+              <a:t>with </a:t>
+            </a:r>
+            <a:r>
+              <a:rPr lang="en-US" altLang="zh-TW" dirty="0" smtClean="0"/>
+              <a:t>gain(</a:t>
+            </a:r>
+            <a:r>
+              <a:rPr lang="el-GR" altLang="zh-TW" i="1" dirty="0" smtClean="0"/>
+              <a:t>Γ</a:t>
+            </a:r>
+            <a:r>
+              <a:rPr lang="en-US" altLang="zh-TW" dirty="0" smtClean="0"/>
+              <a:t>, </a:t>
             </a:r>
             <a:r>
               <a:rPr lang="en-US" altLang="zh-TW" dirty="0"/>
-              <a:t>) </a:t>
-            </a:r>
-            <a:endParaRPr lang="en-US" altLang="zh-TW" dirty="0" smtClean="0"/>
-          </a:p>
-          <a:p>
-            <a:r>
-              <a:rPr lang="en-US" altLang="zh-TW" dirty="0"/>
-              <a:t>Extension 1: </a:t>
-            </a:r>
-            <a:r>
-              <a:rPr lang="en-US" altLang="zh-TW" dirty="0" smtClean="0"/>
-              <a:t>Boolean combination</a:t>
-            </a:r>
-            <a:r>
-              <a:rPr lang="en-US" altLang="zh-TW" dirty="0"/>
-              <a:t/>
-            </a:r>
-            <a:br>
-              <a:rPr lang="en-US" altLang="zh-TW" dirty="0"/>
-            </a:br>
-            <a:r>
-              <a:rPr lang="en-US" altLang="zh-TW" dirty="0" smtClean="0"/>
-              <a:t>&lt;</a:t>
-            </a:r>
-            <a:r>
-              <a:rPr lang="en-US" altLang="zh-TW" dirty="0"/>
-              <a:t>1&gt;((smoke ⇒ </a:t>
-            </a:r>
-            <a:r>
-              <a:rPr lang="en-US" altLang="zh-TW" dirty="0" smtClean="0">
-                <a:sym typeface="Wingdings 2"/>
-              </a:rPr>
-              <a:t></a:t>
-            </a:r>
-            <a:r>
-              <a:rPr lang="el-GR" altLang="zh-TW" dirty="0" smtClean="0"/>
-              <a:t> </a:t>
-            </a:r>
-            <a:r>
-              <a:rPr lang="en-US" altLang="zh-TW" dirty="0" err="1"/>
-              <a:t>alarmOn</a:t>
-            </a:r>
-            <a:r>
-              <a:rPr lang="en-US" altLang="zh-TW" dirty="0"/>
-              <a:t>) ∨</a:t>
-            </a:r>
-            <a:r>
-              <a:rPr lang="el-GR" altLang="zh-TW" dirty="0"/>
-              <a:t> </a:t>
-            </a:r>
-            <a:r>
-              <a:rPr lang="en-US" altLang="zh-TW" dirty="0" smtClean="0">
-                <a:sym typeface="Wingdings 2"/>
-              </a:rPr>
-              <a:t></a:t>
-            </a:r>
-            <a:r>
-              <a:rPr lang="el-GR" altLang="zh-TW" dirty="0" smtClean="0"/>
-              <a:t> </a:t>
-            </a:r>
-            <a:r>
-              <a:rPr lang="en-US" altLang="zh-TW" dirty="0" err="1"/>
-              <a:t>windowClosed</a:t>
-            </a:r>
-            <a:r>
-              <a:rPr lang="en-US" altLang="zh-TW" dirty="0" smtClean="0"/>
-              <a:t>)</a:t>
-            </a:r>
-          </a:p>
-          <a:p>
-            <a:r>
-              <a:rPr lang="en-US" altLang="zh-TW" dirty="0" smtClean="0"/>
-              <a:t>Extension 2: Restriction on transitions</a:t>
-            </a:r>
-            <a:br>
-              <a:rPr lang="en-US" altLang="zh-TW" dirty="0" smtClean="0"/>
-            </a:br>
-            <a:r>
-              <a:rPr lang="en-US" altLang="zh-TW" dirty="0" smtClean="0"/>
-              <a:t>&lt;1&gt;((</a:t>
-            </a:r>
-            <a:r>
-              <a:rPr lang="en-US" altLang="zh-TW" dirty="0" smtClean="0">
-                <a:sym typeface="Wingdings 2"/>
-              </a:rPr>
-              <a:t></a:t>
-            </a:r>
-            <a:r>
-              <a:rPr lang="el-GR" altLang="zh-TW" dirty="0" smtClean="0"/>
-              <a:t> </a:t>
-            </a:r>
-            <a:r>
-              <a:rPr lang="en-US" altLang="zh-TW" baseline="30000" dirty="0" smtClean="0"/>
-              <a:t>2:</a:t>
-            </a:r>
-            <a:r>
-              <a:rPr lang="en-US" altLang="zh-TW" i="1" baseline="30000" dirty="0" smtClean="0"/>
-              <a:t>error</a:t>
-            </a:r>
-            <a:r>
-              <a:rPr lang="en-US" altLang="zh-TW" i="1" dirty="0" smtClean="0"/>
-              <a:t>alarmOn</a:t>
-            </a:r>
-            <a:r>
-              <a:rPr lang="en-US" altLang="zh-TW" dirty="0"/>
-              <a:t>) ∧ </a:t>
-            </a:r>
-            <a:r>
-              <a:rPr lang="en-US" altLang="zh-TW" dirty="0" smtClean="0"/>
-              <a:t>(</a:t>
-            </a:r>
-            <a:r>
-              <a:rPr lang="en-US" altLang="zh-TW" dirty="0" smtClean="0">
-                <a:sym typeface="Wingdings 2"/>
-              </a:rPr>
-              <a:t></a:t>
-            </a:r>
-            <a:r>
-              <a:rPr lang="el-GR" altLang="zh-TW" dirty="0" smtClean="0"/>
-              <a:t> </a:t>
-            </a:r>
-            <a:r>
-              <a:rPr lang="zh-TW" altLang="en-US" baseline="30000" dirty="0" smtClean="0"/>
-              <a:t>￢</a:t>
-            </a:r>
-            <a:r>
-              <a:rPr lang="en-US" altLang="zh-TW" baseline="30000" dirty="0"/>
-              <a:t>2:</a:t>
-            </a:r>
-            <a:r>
-              <a:rPr lang="en-US" altLang="zh-TW" i="1" baseline="30000" dirty="0"/>
-              <a:t>error</a:t>
-            </a:r>
-            <a:r>
-              <a:rPr lang="zh-TW" altLang="en-US" dirty="0"/>
-              <a:t>￢</a:t>
-            </a:r>
-            <a:r>
-              <a:rPr lang="en-US" altLang="zh-TW" i="1" dirty="0" err="1"/>
-              <a:t>alarmOn</a:t>
-            </a:r>
-            <a:r>
-              <a:rPr lang="en-US" altLang="zh-TW" dirty="0"/>
-              <a:t>))</a:t>
+              <a:t>S) ≥ k</a:t>
+            </a:r>
+            <a:r>
+              <a:rPr lang="en-US" altLang="zh-TW" i="1" dirty="0"/>
+              <a:t>.</a:t>
             </a:r>
             <a:endParaRPr lang="en-US" altLang="zh-TW" dirty="0" smtClean="0"/>
           </a:p>
@@ -18433,7 +19596,7 @@
     </p:spTree>
     <p:extLst>
       <p:ext uri="{BB962C8B-B14F-4D97-AF65-F5344CB8AC3E}">
-        <p14:creationId xmlns:p14="http://schemas.microsoft.com/office/powerpoint/2010/main" val="3359253221"/>
+        <p14:creationId xmlns:p14="http://schemas.microsoft.com/office/powerpoint/2010/main" val="2300764801"/>
       </p:ext>
     </p:extLst>
   </p:cSld>
@@ -18470,19 +19633,26 @@
             <p:ph type="title"/>
           </p:nvPr>
         </p:nvSpPr>
-        <p:spPr>
-          <a:xfrm>
-            <a:off x="838200" y="370731"/>
-            <a:ext cx="10515600" cy="1325563"/>
-          </a:xfrm>
-        </p:spPr>
+        <p:spPr/>
         <p:txBody>
           <a:bodyPr/>
           <a:lstStyle/>
           <a:p>
             <a:r>
               <a:rPr lang="en-US" altLang="zh-TW" dirty="0" smtClean="0"/>
-              <a:t>Algorithm-Base case</a:t>
+              <a:t>AMCE</a:t>
+            </a:r>
+            <a:r>
+              <a:rPr lang="en-US" altLang="zh-TW" dirty="0"/>
+              <a:t> Alternating-time </a:t>
+            </a:r>
+            <a:r>
+              <a:rPr lang="el-GR" altLang="zh-TW" dirty="0"/>
+              <a:t>μ-</a:t>
+            </a:r>
+            <a:r>
+              <a:rPr lang="en-US" altLang="zh-TW" dirty="0"/>
+              <a:t>calculus with events</a:t>
             </a:r>
             <a:endParaRPr lang="zh-TW" altLang="en-US" dirty="0"/>
           </a:p>
@@ -18505,105 +19675,97 @@
           <a:p>
             <a:r>
               <a:rPr lang="en-US" altLang="zh-TW" dirty="0" smtClean="0"/>
-              <a:t>Safety and Reachability Objective, </a:t>
-            </a:r>
-            <a:r>
-              <a:rPr lang="en-US" altLang="zh-TW" dirty="0" err="1" smtClean="0"/>
-              <a:t>sfrch</a:t>
-            </a:r>
-            <a:r>
-              <a:rPr lang="en-US" altLang="zh-TW" baseline="-25000" dirty="0" err="1" smtClean="0"/>
-              <a:t>k</a:t>
-            </a:r>
-            <a:r>
-              <a:rPr lang="en-US" altLang="zh-TW" dirty="0" smtClean="0"/>
-              <a:t>(S), </a:t>
+              <a:t>AMCE is an extension of AMC</a:t>
+            </a:r>
+          </a:p>
+          <a:p>
+            <a:r>
+              <a:rPr lang="en-US" altLang="zh-TW" dirty="0" smtClean="0"/>
+              <a:t>AMC example: </a:t>
+            </a:r>
+            <a:r>
+              <a:rPr lang="el-GR" altLang="zh-TW" dirty="0"/>
+              <a:t>μ</a:t>
+            </a:r>
+            <a:r>
+              <a:rPr lang="en-US" altLang="zh-TW" dirty="0" smtClean="0"/>
+              <a:t>X(</a:t>
+            </a:r>
+            <a:r>
+              <a:rPr lang="en-US" altLang="zh-TW" i="1" dirty="0" smtClean="0"/>
+              <a:t>safe </a:t>
+            </a:r>
+            <a:r>
+              <a:rPr lang="en-US" altLang="zh-TW" dirty="0"/>
+              <a:t>∨ </a:t>
+            </a:r>
+            <a:r>
+              <a:rPr lang="en-US" altLang="zh-TW" dirty="0" smtClean="0"/>
+              <a:t>&lt;1&gt;</a:t>
             </a:r>
             <a:r>
               <a:rPr lang="en-US" altLang="zh-TW" dirty="0" smtClean="0">
-                <a:sym typeface="Wingdings" pitchFamily="2" charset="2"/>
-              </a:rPr>
-              <a:t>denotes the states from which the protagonist wins the above game</a:t>
+                <a:sym typeface="Wingdings 2"/>
+              </a:rPr>
+              <a:t>  </a:t>
+            </a:r>
+            <a:r>
+              <a:rPr lang="en-US" altLang="zh-TW" dirty="0" smtClean="0"/>
+              <a:t>X</a:t>
+            </a:r>
+            <a:r>
+              <a:rPr lang="en-US" altLang="zh-TW" dirty="0"/>
+              <a:t>) </a:t>
             </a:r>
             <a:endParaRPr lang="en-US" altLang="zh-TW" dirty="0" smtClean="0"/>
           </a:p>
           <a:p>
             <a:r>
-              <a:rPr lang="en-US" altLang="zh-TW" dirty="0" smtClean="0"/>
-              <a:t>A </a:t>
-            </a:r>
-            <a:r>
               <a:rPr lang="en-US" altLang="zh-TW" dirty="0"/>
-              <a:t>state q ∈ S can stay in sfrch</a:t>
-            </a:r>
-            <a:r>
-              <a:rPr lang="en-US" altLang="zh-TW" baseline="-25000" dirty="0"/>
-              <a:t>0</a:t>
+              <a:t>Extension 1: </a:t>
+            </a:r>
+            <a:r>
+              <a:rPr lang="en-US" altLang="zh-TW" dirty="0" smtClean="0"/>
+              <a:t>Boolean combination</a:t>
             </a:r>
             <a:r>
               <a:rPr lang="en-US" altLang="zh-TW" dirty="0"/>
-              <a:t>(S) if there is </a:t>
-            </a:r>
-            <a:r>
-              <a:rPr lang="en-US" altLang="zh-TW" dirty="0" smtClean="0"/>
-              <a:t>a choice </a:t>
-            </a:r>
-            <a:r>
+              <a:t/>
+            </a:r>
+            <a:br>
               <a:rPr lang="en-US" altLang="zh-TW" dirty="0"/>
-              <a:t>e ∈ E1 such that for all f ∈ E2, δ(q, e, f) </a:t>
-            </a:r>
-            <a:r>
-              <a:rPr lang="en-US" altLang="zh-TW" dirty="0" smtClean="0"/>
-              <a:t>∈ sfrch</a:t>
-            </a:r>
-            <a:r>
-              <a:rPr lang="en-US" altLang="zh-TW" baseline="-25000" dirty="0" smtClean="0"/>
-              <a:t>0</a:t>
-            </a:r>
-            <a:r>
-              <a:rPr lang="en-US" altLang="zh-TW" dirty="0" smtClean="0"/>
-              <a:t>(S</a:t>
+            </a:br>
+            <a:r>
+              <a:rPr lang="en-US" altLang="zh-TW" dirty="0" smtClean="0"/>
+              <a:t>&lt;</a:t>
             </a:r>
             <a:r>
               <a:rPr lang="en-US" altLang="zh-TW" dirty="0"/>
-              <a:t>).</a:t>
-            </a:r>
-            <a:endParaRPr lang="en-US" altLang="zh-TW" dirty="0" smtClean="0"/>
-          </a:p>
-          <a:p>
-            <a:r>
-              <a:rPr lang="pt-BR" altLang="zh-TW" dirty="0" smtClean="0"/>
-              <a:t>sfrch</a:t>
-            </a:r>
-            <a:r>
-              <a:rPr lang="pt-BR" altLang="zh-TW" baseline="-25000" dirty="0" smtClean="0"/>
-              <a:t>0</a:t>
-            </a:r>
-            <a:r>
-              <a:rPr lang="pt-BR" altLang="zh-TW" dirty="0" smtClean="0"/>
-              <a:t>(S</a:t>
-            </a:r>
-            <a:r>
-              <a:rPr lang="pt-BR" altLang="zh-TW" dirty="0"/>
-              <a:t>) </a:t>
-            </a:r>
-            <a:r>
-              <a:rPr lang="pt-BR" altLang="zh-TW" dirty="0" smtClean="0"/>
-              <a:t>= νX(S </a:t>
-            </a:r>
-            <a:r>
-              <a:rPr lang="pt-BR" altLang="zh-TW" dirty="0"/>
-              <a:t>∧ </a:t>
-            </a:r>
-            <a:r>
-              <a:rPr lang="pt-BR" altLang="zh-TW" dirty="0" smtClean="0"/>
-              <a:t>&lt;1&gt;</a:t>
+              <a:t>1&gt;((smoke ⇒ </a:t>
+            </a:r>
+            <a:r>
+              <a:rPr lang="en-US" altLang="zh-TW" dirty="0" smtClean="0">
+                <a:sym typeface="Wingdings 2"/>
+              </a:rPr>
+              <a:t></a:t>
             </a:r>
             <a:r>
               <a:rPr lang="el-GR" altLang="zh-TW" dirty="0" smtClean="0"/>
               <a:t> </a:t>
             </a:r>
             <a:r>
+              <a:rPr lang="en-US" altLang="zh-TW" dirty="0" err="1"/>
+              <a:t>alarmOn</a:t>
+            </a:r>
+            <a:r>
+              <a:rPr lang="en-US" altLang="zh-TW" dirty="0"/>
+              <a:t>) ∨</a:t>
+            </a:r>
+            <a:r>
+              <a:rPr lang="el-GR" altLang="zh-TW" dirty="0"/>
+              <a:t> </a:t>
+            </a:r>
+            <a:r>
               <a:rPr lang="en-US" altLang="zh-TW" dirty="0" smtClean="0">
                 <a:sym typeface="Wingdings 2"/>
               </a:rPr>
@@ -18614,36 +19776,91 @@
               <a:t> </a:t>
             </a:r>
             <a:r>
-              <a:rPr lang="pt-BR" altLang="zh-TW" i="1" baseline="30000" dirty="0" smtClean="0"/>
+              <a:rPr lang="en-US" altLang="zh-TW" dirty="0" err="1"/>
+              <a:t>windowClosed</a:t>
+            </a:r>
+            <a:r>
+              <a:rPr lang="en-US" altLang="zh-TW" dirty="0" smtClean="0"/>
+              <a:t>)</a:t>
+            </a:r>
+          </a:p>
+          <a:p>
+            <a:r>
+              <a:rPr lang="en-US" altLang="zh-TW" dirty="0" smtClean="0"/>
+              <a:t>Extension 2: Restriction on transitions</a:t>
+            </a:r>
+            <a:br>
+              <a:rPr lang="en-US" altLang="zh-TW" dirty="0" smtClean="0"/>
+            </a:br>
+            <a:r>
+              <a:rPr lang="en-US" altLang="zh-TW" dirty="0" smtClean="0"/>
+              <a:t>&lt;1&gt;((</a:t>
+            </a:r>
+            <a:r>
+              <a:rPr lang="en-US" altLang="zh-TW" dirty="0" smtClean="0">
+                <a:sym typeface="Wingdings 2"/>
+              </a:rPr>
+              <a:t></a:t>
+            </a:r>
+            <a:r>
+              <a:rPr lang="el-GR" altLang="zh-TW" dirty="0" smtClean="0"/>
+              <a:t> </a:t>
+            </a:r>
+            <a:r>
+              <a:rPr lang="en-US" altLang="zh-TW" baseline="30000" dirty="0" smtClean="0"/>
+              <a:t>2:</a:t>
+            </a:r>
+            <a:r>
+              <a:rPr lang="en-US" altLang="zh-TW" i="1" baseline="30000" dirty="0" smtClean="0"/>
               <a:t>error</a:t>
             </a:r>
             <a:r>
-              <a:rPr lang="pt-BR" altLang="zh-TW" i="1" dirty="0" smtClean="0"/>
+              <a:rPr lang="en-US" altLang="zh-TW" i="1" dirty="0" smtClean="0"/>
+              <a:t>alarmOn</a:t>
+            </a:r>
+            <a:r>
+              <a:rPr lang="en-US" altLang="zh-TW" dirty="0"/>
+              <a:t>) ∧ </a:t>
+            </a:r>
+            <a:r>
+              <a:rPr lang="en-US" altLang="zh-TW" dirty="0" smtClean="0"/>
+              <a:t>(</a:t>
+            </a:r>
+            <a:r>
+              <a:rPr lang="en-US" altLang="zh-TW" dirty="0" smtClean="0">
+                <a:sym typeface="Wingdings 2"/>
+              </a:rPr>
+              <a:t></a:t>
+            </a:r>
+            <a:r>
+              <a:rPr lang="el-GR" altLang="zh-TW" dirty="0" smtClean="0"/>
               <a:t> </a:t>
             </a:r>
             <a:r>
-              <a:rPr lang="pt-BR" altLang="zh-TW" dirty="0"/>
-              <a:t>x</a:t>
-            </a:r>
-            <a:r>
-              <a:rPr lang="pt-BR" altLang="zh-TW" dirty="0" smtClean="0"/>
-              <a:t>)</a:t>
-            </a:r>
-          </a:p>
-          <a:p>
-            <a:r>
-              <a:rPr lang="en-US" altLang="zh-TW" dirty="0" smtClean="0"/>
-              <a:t>sfrch</a:t>
-            </a:r>
-            <a:r>
-              <a:rPr lang="en-US" altLang="zh-TW" baseline="-25000" dirty="0" smtClean="0"/>
-              <a:t>0</a:t>
-            </a:r>
-            <a:r>
-              <a:rPr lang="en-US" altLang="zh-TW" dirty="0" smtClean="0"/>
-              <a:t>(S) can be constructed by greatest fixed point algorithm</a:t>
-            </a:r>
-            <a:endParaRPr lang="zh-TW" altLang="en-US" dirty="0" smtClean="0"/>
+              <a:rPr lang="zh-TW" altLang="en-US" baseline="30000" dirty="0" smtClean="0"/>
+              <a:t>￢</a:t>
+            </a:r>
+            <a:r>
+              <a:rPr lang="en-US" altLang="zh-TW" baseline="30000" dirty="0"/>
+              <a:t>2:</a:t>
+            </a:r>
+            <a:r>
+              <a:rPr lang="en-US" altLang="zh-TW" i="1" baseline="30000" dirty="0"/>
+              <a:t>error</a:t>
+            </a:r>
+            <a:r>
+              <a:rPr lang="zh-TW" altLang="en-US" dirty="0"/>
+              <a:t>￢</a:t>
+            </a:r>
+            <a:r>
+              <a:rPr lang="en-US" altLang="zh-TW" i="1" dirty="0" err="1"/>
+              <a:t>alarmOn</a:t>
+            </a:r>
+            <a:r>
+              <a:rPr lang="en-US" altLang="zh-TW" dirty="0"/>
+              <a:t>))</a:t>
+            </a:r>
+            <a:endParaRPr lang="en-US" altLang="zh-TW" dirty="0" smtClean="0"/>
           </a:p>
           <a:p>
             <a:endParaRPr lang="zh-TW" altLang="en-US" dirty="0"/>
@@ -18676,7 +19893,7 @@
     </p:spTree>
     <p:extLst>
       <p:ext uri="{BB962C8B-B14F-4D97-AF65-F5344CB8AC3E}">
-        <p14:creationId xmlns:p14="http://schemas.microsoft.com/office/powerpoint/2010/main" val="1569235032"/>
+        <p14:creationId xmlns:p14="http://schemas.microsoft.com/office/powerpoint/2010/main" val="3359253221"/>
       </p:ext>
     </p:extLst>
   </p:cSld>
@@ -18713,14 +19930,19 @@
             <p:ph type="title"/>
           </p:nvPr>
         </p:nvSpPr>
-        <p:spPr/>
+        <p:spPr>
+          <a:xfrm>
+            <a:off x="838200" y="370731"/>
+            <a:ext cx="10515600" cy="1325563"/>
+          </a:xfrm>
+        </p:spPr>
         <p:txBody>
           <a:bodyPr/>
           <a:lstStyle/>
           <a:p>
             <a:r>
               <a:rPr lang="en-US" altLang="zh-TW" dirty="0" smtClean="0"/>
-              <a:t>Algorithm - Inductive Case - cone</a:t>
+              <a:t>Algorithm-Base case</a:t>
             </a:r>
             <a:endParaRPr lang="zh-TW" altLang="en-US" dirty="0"/>
           </a:p>
@@ -18743,48 +19965,99 @@
           <a:p>
             <a:r>
               <a:rPr lang="en-US" altLang="zh-TW" dirty="0" smtClean="0"/>
-              <a:t>Given a region L</a:t>
-            </a:r>
-            <a:r>
-              <a:rPr lang="zh-TW" altLang="en-US" dirty="0" smtClean="0"/>
-              <a:t>⊆</a:t>
-            </a:r>
-            <a:r>
-              <a:rPr lang="en-US" altLang="zh-TW" dirty="0" smtClean="0"/>
-              <a:t>S\F, the </a:t>
+              <a:t>Safety and Reachability Objective, </a:t>
+            </a:r>
+            <a:r>
+              <a:rPr lang="en-US" altLang="zh-TW" dirty="0" err="1" smtClean="0"/>
+              <a:t>sfrch</a:t>
+            </a:r>
+            <a:r>
+              <a:rPr lang="en-US" altLang="zh-TW" baseline="-25000" dirty="0" err="1" smtClean="0"/>
+              <a:t>k</a:t>
+            </a:r>
+            <a:r>
+              <a:rPr lang="en-US" altLang="zh-TW" dirty="0" smtClean="0"/>
+              <a:t>(S), </a:t>
             </a:r>
             <a:r>
               <a:rPr lang="en-US" altLang="zh-TW" dirty="0" smtClean="0">
-                <a:solidFill>
-                  <a:srgbClr val="FF0000"/>
-                </a:solidFill>
-              </a:rPr>
-              <a:t>controlled limited attractor</a:t>
-            </a:r>
-            <a:r>
-              <a:rPr lang="en-US" altLang="zh-TW" dirty="0" smtClean="0"/>
-              <a:t>, </a:t>
-            </a:r>
-            <a:br>
-              <a:rPr lang="en-US" altLang="zh-TW" dirty="0" smtClean="0"/>
-            </a:br>
-            <a:r>
-              <a:rPr lang="en-US" altLang="zh-TW" dirty="0" smtClean="0"/>
-              <a:t>is a set of states which there is a controlled path to move to X without leaving L.</a:t>
-            </a:r>
-          </a:p>
-          <a:p>
-            <a:r>
-              <a:rPr lang="es-ES" altLang="zh-TW" dirty="0" smtClean="0"/>
-              <a:t>cone</a:t>
-            </a:r>
-            <a:r>
-              <a:rPr lang="es-ES" altLang="zh-TW" baseline="-25000" dirty="0" smtClean="0"/>
-              <a:t>L</a:t>
-            </a:r>
-            <a:r>
-              <a:rPr lang="es-ES" altLang="zh-TW" dirty="0" smtClean="0"/>
-              <a:t>(X) = μY.(X ∨ (L ∧ &lt;1&gt;</a:t>
+                <a:sym typeface="Wingdings" pitchFamily="2" charset="2"/>
+              </a:rPr>
+              <a:t>denotes the states from which the protagonist wins the above game</a:t>
+            </a:r>
+            <a:endParaRPr lang="en-US" altLang="zh-TW" dirty="0" smtClean="0"/>
+          </a:p>
+          <a:p>
+            <a:r>
+              <a:rPr lang="en-US" altLang="zh-TW" dirty="0" smtClean="0"/>
+              <a:t>A </a:t>
+            </a:r>
+            <a:r>
+              <a:rPr lang="en-US" altLang="zh-TW" dirty="0"/>
+              <a:t>state q ∈ S can stay in sfrch</a:t>
+            </a:r>
+            <a:r>
+              <a:rPr lang="en-US" altLang="zh-TW" baseline="-25000" dirty="0"/>
+              <a:t>0</a:t>
+            </a:r>
+            <a:r>
+              <a:rPr lang="en-US" altLang="zh-TW" dirty="0"/>
+              <a:t>(S) if there is </a:t>
+            </a:r>
+            <a:r>
+              <a:rPr lang="en-US" altLang="zh-TW" dirty="0" smtClean="0"/>
+              <a:t>a choice </a:t>
+            </a:r>
+            <a:r>
+              <a:rPr lang="en-US" altLang="zh-TW" dirty="0"/>
+              <a:t>e ∈ E1 such that for all f ∈ E2, δ(q, e, f) </a:t>
+            </a:r>
+            <a:r>
+              <a:rPr lang="en-US" altLang="zh-TW" dirty="0" smtClean="0"/>
+              <a:t>∈ sfrch</a:t>
+            </a:r>
+            <a:r>
+              <a:rPr lang="en-US" altLang="zh-TW" baseline="-25000" dirty="0" smtClean="0"/>
+              <a:t>0</a:t>
+            </a:r>
+            <a:r>
+              <a:rPr lang="en-US" altLang="zh-TW" dirty="0" smtClean="0"/>
+              <a:t>(S</a:t>
+            </a:r>
+            <a:r>
+              <a:rPr lang="en-US" altLang="zh-TW" dirty="0"/>
+              <a:t>).</a:t>
+            </a:r>
+            <a:endParaRPr lang="en-US" altLang="zh-TW" dirty="0" smtClean="0"/>
+          </a:p>
+          <a:p>
+            <a:r>
+              <a:rPr lang="pt-BR" altLang="zh-TW" dirty="0" smtClean="0"/>
+              <a:t>sfrch</a:t>
+            </a:r>
+            <a:r>
+              <a:rPr lang="pt-BR" altLang="zh-TW" baseline="-25000" dirty="0" smtClean="0"/>
+              <a:t>0</a:t>
+            </a:r>
+            <a:r>
+              <a:rPr lang="pt-BR" altLang="zh-TW" dirty="0" smtClean="0"/>
+              <a:t>(S</a:t>
+            </a:r>
+            <a:r>
+              <a:rPr lang="pt-BR" altLang="zh-TW" dirty="0"/>
+              <a:t>) </a:t>
+            </a:r>
+            <a:r>
+              <a:rPr lang="pt-BR" altLang="zh-TW" dirty="0" smtClean="0"/>
+              <a:t>= νX(S </a:t>
+            </a:r>
+            <a:r>
+              <a:rPr lang="pt-BR" altLang="zh-TW" dirty="0"/>
+              <a:t>∧ </a:t>
+            </a:r>
+            <a:r>
+              <a:rPr lang="pt-BR" altLang="zh-TW" dirty="0" smtClean="0"/>
+              <a:t>&lt;1&gt;</a:t>
             </a:r>
             <a:r>
               <a:rPr lang="el-GR" altLang="zh-TW" dirty="0" smtClean="0"/>
@@ -18801,35 +20074,34 @@
               <a:t> </a:t>
             </a:r>
             <a:r>
-              <a:rPr lang="zh-TW" altLang="es-ES" baseline="30000" dirty="0" smtClean="0"/>
-              <a:t>￢</a:t>
-            </a:r>
-            <a:r>
-              <a:rPr lang="es-ES" altLang="zh-TW" baseline="30000" dirty="0" smtClean="0"/>
-              <a:t>2:</a:t>
-            </a:r>
-            <a:r>
-              <a:rPr lang="es-ES" altLang="zh-TW" i="1" baseline="30000" dirty="0" smtClean="0"/>
-              <a:t>error </a:t>
-            </a:r>
-            <a:r>
-              <a:rPr lang="es-ES" altLang="zh-TW" dirty="0" smtClean="0"/>
-              <a:t>Y ))</a:t>
-            </a:r>
-            <a:endParaRPr lang="en-US" altLang="zh-TW" dirty="0" smtClean="0"/>
-          </a:p>
-          <a:p>
-            <a:r>
-              <a:rPr lang="en-US" altLang="zh-TW" dirty="0" err="1" smtClean="0"/>
-              <a:t>cone</a:t>
-            </a:r>
-            <a:r>
-              <a:rPr lang="en-US" altLang="zh-TW" baseline="-25000" dirty="0" err="1" smtClean="0"/>
-              <a:t>L</a:t>
-            </a:r>
-            <a:r>
-              <a:rPr lang="en-US" altLang="zh-TW" dirty="0" smtClean="0"/>
-              <a:t>(X) can be constructed by greatest fixed point</a:t>
+              <a:rPr lang="pt-BR" altLang="zh-TW" i="1" baseline="30000" dirty="0" smtClean="0"/>
+              <a:t>error</a:t>
+            </a:r>
+            <a:r>
+              <a:rPr lang="pt-BR" altLang="zh-TW" i="1" dirty="0" smtClean="0"/>
+              <a:t> </a:t>
+            </a:r>
+            <a:r>
+              <a:rPr lang="pt-BR" altLang="zh-TW" dirty="0"/>
+              <a:t>x</a:t>
+            </a:r>
+            <a:r>
+              <a:rPr lang="pt-BR" altLang="zh-TW" dirty="0" smtClean="0"/>
+              <a:t>)</a:t>
+            </a:r>
+          </a:p>
+          <a:p>
+            <a:r>
+              <a:rPr lang="en-US" altLang="zh-TW" dirty="0" smtClean="0"/>
+              <a:t>sfrch</a:t>
+            </a:r>
+            <a:r>
+              <a:rPr lang="en-US" altLang="zh-TW" baseline="-25000" dirty="0" smtClean="0"/>
+              <a:t>0</a:t>
+            </a:r>
+            <a:r>
+              <a:rPr lang="en-US" altLang="zh-TW" dirty="0" smtClean="0"/>
+              <a:t>(S) can be constructed by greatest fixed point algorithm</a:t>
             </a:r>
             <a:endParaRPr lang="zh-TW" altLang="en-US" dirty="0" smtClean="0"/>
           </a:p>
@@ -18864,7 +20136,7 @@
     </p:spTree>
     <p:extLst>
       <p:ext uri="{BB962C8B-B14F-4D97-AF65-F5344CB8AC3E}">
-        <p14:creationId xmlns:p14="http://schemas.microsoft.com/office/powerpoint/2010/main" val="3296496768"/>
+        <p14:creationId xmlns:p14="http://schemas.microsoft.com/office/powerpoint/2010/main" val="1569235032"/>
       </p:ext>
     </p:extLst>
   </p:cSld>
@@ -18908,7 +20180,7 @@
           <a:p>
             <a:r>
               <a:rPr lang="en-US" altLang="zh-TW" dirty="0" smtClean="0"/>
-              <a:t>Algorithm - Inductive Case - frag</a:t>
+              <a:t>Algorithm - Inductive Case - cone</a:t>
             </a:r>
             <a:endParaRPr lang="zh-TW" altLang="en-US" dirty="0"/>
           </a:p>
@@ -18931,7 +20203,7 @@
           <a:p>
             <a:r>
               <a:rPr lang="en-US" altLang="zh-TW" dirty="0" smtClean="0"/>
-              <a:t>Given a set B</a:t>
+              <a:t>Given a region L</a:t>
             </a:r>
             <a:r>
               <a:rPr lang="zh-TW" altLang="en-US" dirty="0" smtClean="0"/>
@@ -18939,79 +20211,89 @@
             </a:r>
             <a:r>
               <a:rPr lang="en-US" altLang="zh-TW" dirty="0" smtClean="0"/>
-              <a:t>S, the fragile of B, frag(B), is the set of states which has more than 1 uncontrolled successor in B.</a:t>
-            </a:r>
-          </a:p>
-          <a:p>
-            <a:r>
-              <a:rPr lang="en-US" altLang="zh-TW" dirty="0"/>
-              <a:t>frag(B) </a:t>
-            </a:r>
-            <a:r>
-              <a:rPr lang="en-US" altLang="zh-TW" dirty="0" smtClean="0"/>
-              <a:t>= </a:t>
-            </a:r>
-            <a:r>
-              <a:rPr lang="en-US" altLang="zh-TW" dirty="0"/>
-              <a:t>[</a:t>
-            </a:r>
-            <a:r>
-              <a:rPr lang="en-US" altLang="zh-TW" dirty="0" smtClean="0"/>
-              <a:t>1]</a:t>
+              <a:t>S\F, the </a:t>
+            </a:r>
+            <a:r>
+              <a:rPr lang="en-US" altLang="zh-TW" dirty="0" smtClean="0">
+                <a:solidFill>
+                  <a:srgbClr val="FF0000"/>
+                </a:solidFill>
+              </a:rPr>
+              <a:t>controlled limited attractor</a:t>
+            </a:r>
+            <a:r>
+              <a:rPr lang="en-US" altLang="zh-TW" dirty="0" smtClean="0"/>
+              <a:t>, </a:t>
+            </a:r>
+            <a:br>
+              <a:rPr lang="en-US" altLang="zh-TW" dirty="0" smtClean="0"/>
+            </a:br>
+            <a:r>
+              <a:rPr lang="en-US" altLang="zh-TW" dirty="0" smtClean="0"/>
+              <a:t>is a set of states which there is a controlled path to move to X without leaving L.</a:t>
+            </a:r>
+          </a:p>
+          <a:p>
+            <a:r>
+              <a:rPr lang="es-ES" altLang="zh-TW" dirty="0" smtClean="0"/>
+              <a:t>cone</a:t>
+            </a:r>
+            <a:r>
+              <a:rPr lang="es-ES" altLang="zh-TW" baseline="-25000" dirty="0" smtClean="0"/>
+              <a:t>L</a:t>
+            </a:r>
+            <a:r>
+              <a:rPr lang="es-ES" altLang="zh-TW" dirty="0" smtClean="0"/>
+              <a:t>(X) = μY.(X ∨ (L ∧ &lt;1&gt;</a:t>
+            </a:r>
+            <a:r>
+              <a:rPr lang="el-GR" altLang="zh-TW" dirty="0" smtClean="0"/>
+              <a:t> </a:t>
             </a:r>
             <a:r>
               <a:rPr lang="en-US" altLang="zh-TW" dirty="0" smtClean="0">
                 <a:sym typeface="Wingdings 2"/>
               </a:rPr>
-              <a:t>  </a:t>
-            </a:r>
-            <a:r>
-              <a:rPr lang="zh-TW" altLang="en-US" dirty="0" smtClean="0"/>
+              <a:t></a:t>
+            </a:r>
+            <a:r>
+              <a:rPr lang="el-GR" altLang="zh-TW" dirty="0" smtClean="0"/>
+              <a:t> </a:t>
+            </a:r>
+            <a:r>
+              <a:rPr lang="zh-TW" altLang="es-ES" baseline="30000" dirty="0" smtClean="0"/>
               <a:t>￢</a:t>
             </a:r>
             <a:r>
-              <a:rPr lang="en-US" altLang="zh-TW" dirty="0" smtClean="0"/>
-              <a:t>B</a:t>
-            </a:r>
-          </a:p>
-          <a:p>
-            <a:r>
-              <a:rPr lang="en-US" altLang="zh-TW" dirty="0"/>
-              <a:t>Q</a:t>
-            </a:r>
-            <a:r>
-              <a:rPr lang="en-US" altLang="zh-TW" dirty="0" smtClean="0"/>
-              <a:t> \ </a:t>
-            </a:r>
-            <a:r>
-              <a:rPr lang="en-US" altLang="zh-TW" dirty="0"/>
-              <a:t>frag(B) = </a:t>
-            </a:r>
-            <a:r>
-              <a:rPr lang="en-US" altLang="zh-TW" dirty="0" smtClean="0"/>
-              <a:t>&lt;1&gt;</a:t>
-            </a:r>
-            <a:r>
-              <a:rPr lang="en-US" altLang="zh-TW" dirty="0" smtClean="0">
-                <a:sym typeface="Wingdings 2"/>
-              </a:rPr>
-              <a:t>  </a:t>
-            </a:r>
-            <a:r>
-              <a:rPr lang="en-US" altLang="zh-TW" dirty="0" smtClean="0"/>
-              <a:t>B</a:t>
-            </a:r>
-            <a:r>
-              <a:rPr lang="en-US" altLang="zh-TW" dirty="0"/>
-              <a:t>.</a:t>
+              <a:rPr lang="es-ES" altLang="zh-TW" baseline="30000" dirty="0" smtClean="0"/>
+              <a:t>2:</a:t>
+            </a:r>
+            <a:r>
+              <a:rPr lang="es-ES" altLang="zh-TW" i="1" baseline="30000" dirty="0" smtClean="0"/>
+              <a:t>error </a:t>
+            </a:r>
+            <a:r>
+              <a:rPr lang="es-ES" altLang="zh-TW" dirty="0" smtClean="0"/>
+              <a:t>Y ))</a:t>
             </a:r>
             <a:endParaRPr lang="en-US" altLang="zh-TW" dirty="0" smtClean="0"/>
           </a:p>
           <a:p>
             <a:r>
-              <a:rPr lang="en-US" altLang="zh-TW" dirty="0" smtClean="0"/>
-              <a:t>frag(B)  and  Q\frag(B) can be constructed with least fixed algorithm</a:t>
-            </a:r>
+              <a:rPr lang="en-US" altLang="zh-TW" dirty="0" err="1" smtClean="0"/>
+              <a:t>cone</a:t>
+            </a:r>
+            <a:r>
+              <a:rPr lang="en-US" altLang="zh-TW" baseline="-25000" dirty="0" err="1" smtClean="0"/>
+              <a:t>L</a:t>
+            </a:r>
+            <a:r>
+              <a:rPr lang="en-US" altLang="zh-TW" dirty="0" smtClean="0"/>
+              <a:t>(X) can be constructed by greatest fixed point</a:t>
+            </a:r>
+            <a:endParaRPr lang="zh-TW" altLang="en-US" dirty="0" smtClean="0"/>
+          </a:p>
+          <a:p>
             <a:endParaRPr lang="zh-TW" altLang="en-US" dirty="0"/>
           </a:p>
         </p:txBody>
@@ -19034,6 +20316,184 @@
             <a:fld id="{8814B9A1-13D7-40D3-AF1F-2A05E4CD1866}" type="slidenum">
               <a:rPr lang="zh-TW" altLang="en-US" smtClean="0"/>
               <a:t>36</a:t>
+            </a:fld>
+            <a:endParaRPr lang="zh-TW" altLang="en-US"/>
+          </a:p>
+        </p:txBody>
+      </p:sp>
+    </p:spTree>
+    <p:extLst>
+      <p:ext uri="{BB962C8B-B14F-4D97-AF65-F5344CB8AC3E}">
+        <p14:creationId xmlns:p14="http://schemas.microsoft.com/office/powerpoint/2010/main" val="3296496768"/>
+      </p:ext>
+    </p:extLst>
+  </p:cSld>
+  <p:clrMapOvr>
+    <a:masterClrMapping/>
+  </p:clrMapOvr>
+</p:sld>
+</file>
+
+<file path=ppt/slides/slide37.xml><?xml version="1.0" encoding="utf-8"?>
+<p:sld xmlns:a="http://schemas.openxmlformats.org/drawingml/2006/main" xmlns:r="http://schemas.openxmlformats.org/officeDocument/2006/relationships" xmlns:p="http://schemas.openxmlformats.org/presentationml/2006/main">
+  <p:cSld>
+    <p:spTree>
+      <p:nvGrpSpPr>
+        <p:cNvPr id="1" name=""/>
+        <p:cNvGrpSpPr/>
+        <p:nvPr/>
+      </p:nvGrpSpPr>
+      <p:grpSpPr>
+        <a:xfrm>
+          <a:off x="0" y="0"/>
+          <a:ext cx="0" cy="0"/>
+          <a:chOff x="0" y="0"/>
+          <a:chExt cx="0" cy="0"/>
+        </a:xfrm>
+      </p:grpSpPr>
+      <p:sp>
+        <p:nvSpPr>
+          <p:cNvPr id="2" name="標題 1"/>
+          <p:cNvSpPr>
+            <a:spLocks noGrp="1"/>
+          </p:cNvSpPr>
+          <p:nvPr>
+            <p:ph type="title"/>
+          </p:nvPr>
+        </p:nvSpPr>
+        <p:spPr/>
+        <p:txBody>
+          <a:bodyPr/>
+          <a:lstStyle/>
+          <a:p>
+            <a:r>
+              <a:rPr lang="en-US" altLang="zh-TW" dirty="0" smtClean="0"/>
+              <a:t>Algorithm - Inductive Case - frag</a:t>
+            </a:r>
+            <a:endParaRPr lang="zh-TW" altLang="en-US" dirty="0"/>
+          </a:p>
+        </p:txBody>
+      </p:sp>
+      <p:sp>
+        <p:nvSpPr>
+          <p:cNvPr id="3" name="內容版面配置區 2"/>
+          <p:cNvSpPr>
+            <a:spLocks noGrp="1"/>
+          </p:cNvSpPr>
+          <p:nvPr>
+            <p:ph idx="1"/>
+          </p:nvPr>
+        </p:nvSpPr>
+        <p:spPr/>
+        <p:txBody>
+          <a:bodyPr/>
+          <a:lstStyle/>
+          <a:p>
+            <a:r>
+              <a:rPr lang="en-US" altLang="zh-TW" dirty="0" smtClean="0"/>
+              <a:t>Given a set B</a:t>
+            </a:r>
+            <a:r>
+              <a:rPr lang="zh-TW" altLang="en-US" dirty="0" smtClean="0"/>
+              <a:t>⊆</a:t>
+            </a:r>
+            <a:r>
+              <a:rPr lang="en-US" altLang="zh-TW" dirty="0" smtClean="0"/>
+              <a:t>S, the fragile of B, frag(B), is the set of states which has more than 1 uncontrolled successor in B.</a:t>
+            </a:r>
+          </a:p>
+          <a:p>
+            <a:r>
+              <a:rPr lang="en-US" altLang="zh-TW" dirty="0"/>
+              <a:t>frag(B) </a:t>
+            </a:r>
+            <a:r>
+              <a:rPr lang="en-US" altLang="zh-TW" dirty="0" smtClean="0"/>
+              <a:t>= </a:t>
+            </a:r>
+            <a:r>
+              <a:rPr lang="en-US" altLang="zh-TW" dirty="0"/>
+              <a:t>[</a:t>
+            </a:r>
+            <a:r>
+              <a:rPr lang="en-US" altLang="zh-TW" dirty="0" smtClean="0"/>
+              <a:t>1]</a:t>
+            </a:r>
+            <a:r>
+              <a:rPr lang="en-US" altLang="zh-TW" dirty="0" smtClean="0">
+                <a:sym typeface="Wingdings 2"/>
+              </a:rPr>
+              <a:t>  </a:t>
+            </a:r>
+            <a:r>
+              <a:rPr lang="zh-TW" altLang="en-US" dirty="0" smtClean="0"/>
+              <a:t>￢</a:t>
+            </a:r>
+            <a:r>
+              <a:rPr lang="en-US" altLang="zh-TW" dirty="0" smtClean="0"/>
+              <a:t>B</a:t>
+            </a:r>
+          </a:p>
+          <a:p>
+            <a:r>
+              <a:rPr lang="en-US" altLang="zh-TW" dirty="0"/>
+              <a:t>Q</a:t>
+            </a:r>
+            <a:r>
+              <a:rPr lang="en-US" altLang="zh-TW" dirty="0" smtClean="0"/>
+              <a:t> \ </a:t>
+            </a:r>
+            <a:r>
+              <a:rPr lang="en-US" altLang="zh-TW" dirty="0"/>
+              <a:t>frag(B) = </a:t>
+            </a:r>
+            <a:r>
+              <a:rPr lang="en-US" altLang="zh-TW" dirty="0" smtClean="0"/>
+              <a:t>&lt;1&gt;</a:t>
+            </a:r>
+            <a:r>
+              <a:rPr lang="en-US" altLang="zh-TW" dirty="0" smtClean="0">
+                <a:sym typeface="Wingdings 2"/>
+              </a:rPr>
+              <a:t>  </a:t>
+            </a:r>
+            <a:r>
+              <a:rPr lang="en-US" altLang="zh-TW" dirty="0" smtClean="0"/>
+              <a:t>B</a:t>
+            </a:r>
+            <a:r>
+              <a:rPr lang="en-US" altLang="zh-TW" dirty="0"/>
+              <a:t>.</a:t>
+            </a:r>
+            <a:endParaRPr lang="en-US" altLang="zh-TW" dirty="0" smtClean="0"/>
+          </a:p>
+          <a:p>
+            <a:r>
+              <a:rPr lang="en-US" altLang="zh-TW" dirty="0" smtClean="0"/>
+              <a:t>frag(B)  and  Q\frag(B) can be constructed with least fixed algorithm</a:t>
+            </a:r>
+            <a:endParaRPr lang="zh-TW" altLang="en-US" dirty="0"/>
+          </a:p>
+        </p:txBody>
+      </p:sp>
+      <p:sp>
+        <p:nvSpPr>
+          <p:cNvPr id="4" name="投影片編號版面配置區 3"/>
+          <p:cNvSpPr>
+            <a:spLocks noGrp="1"/>
+          </p:cNvSpPr>
+          <p:nvPr>
+            <p:ph type="sldNum" sz="quarter" idx="12"/>
+          </p:nvPr>
+        </p:nvSpPr>
+        <p:spPr/>
+        <p:txBody>
+          <a:bodyPr/>
+          <a:lstStyle/>
+          <a:p>
+            <a:fld id="{8814B9A1-13D7-40D3-AF1F-2A05E4CD1866}" type="slidenum">
+              <a:rPr lang="zh-TW" altLang="en-US" smtClean="0"/>
+              <a:t>37</a:t>
             </a:fld>
             <a:endParaRPr lang="zh-TW" altLang="en-US"/>
           </a:p>
@@ -19052,7 +20512,7 @@
 </p:sld>
 </file>
 
-<file path=ppt/slides/slide37.xml><?xml version="1.0" encoding="utf-8"?>
+<file path=ppt/slides/slide38.xml><?xml version="1.0" encoding="utf-8"?>
 <p:sld xmlns:a="http://schemas.openxmlformats.org/drawingml/2006/main" xmlns:r="http://schemas.openxmlformats.org/officeDocument/2006/relationships" xmlns:p="http://schemas.openxmlformats.org/presentationml/2006/main">
   <p:cSld>
     <p:spTree>
@@ -20743,7 +22203,7 @@
           <a:p>
             <a:fld id="{8814B9A1-13D7-40D3-AF1F-2A05E4CD1866}" type="slidenum">
               <a:rPr lang="zh-TW" altLang="en-US" smtClean="0"/>
-              <a:t>37</a:t>
+              <a:t>38</a:t>
             </a:fld>
             <a:endParaRPr lang="zh-TW" altLang="en-US"/>
           </a:p>
@@ -20753,347 +22213,6 @@
     <p:extLst>
       <p:ext uri="{BB962C8B-B14F-4D97-AF65-F5344CB8AC3E}">
         <p14:creationId xmlns:p14="http://schemas.microsoft.com/office/powerpoint/2010/main" val="1169270641"/>
-      </p:ext>
-    </p:extLst>
-  </p:cSld>
-  <p:clrMapOvr>
-    <a:masterClrMapping/>
-  </p:clrMapOvr>
-</p:sld>
-</file>
-
-<file path=ppt/slides/slide38.xml><?xml version="1.0" encoding="utf-8"?>
-<p:sld xmlns:a="http://schemas.openxmlformats.org/drawingml/2006/main" xmlns:r="http://schemas.openxmlformats.org/officeDocument/2006/relationships" xmlns:p="http://schemas.openxmlformats.org/presentationml/2006/main">
-  <p:cSld>
-    <p:spTree>
-      <p:nvGrpSpPr>
-        <p:cNvPr id="1" name=""/>
-        <p:cNvGrpSpPr/>
-        <p:nvPr/>
-      </p:nvGrpSpPr>
-      <p:grpSpPr>
-        <a:xfrm>
-          <a:off x="0" y="0"/>
-          <a:ext cx="0" cy="0"/>
-          <a:chOff x="0" y="0"/>
-          <a:chExt cx="0" cy="0"/>
-        </a:xfrm>
-      </p:grpSpPr>
-      <p:sp>
-        <p:nvSpPr>
-          <p:cNvPr id="2" name="標題 1"/>
-          <p:cNvSpPr>
-            <a:spLocks noGrp="1"/>
-          </p:cNvSpPr>
-          <p:nvPr>
-            <p:ph type="title"/>
-          </p:nvPr>
-        </p:nvSpPr>
-        <p:spPr/>
-        <p:txBody>
-          <a:bodyPr/>
-          <a:lstStyle/>
-          <a:p>
-            <a:r>
-              <a:rPr lang="en-US" altLang="zh-TW" dirty="0" smtClean="0"/>
-              <a:t>Complexity</a:t>
-            </a:r>
-            <a:endParaRPr lang="zh-TW" altLang="en-US" dirty="0"/>
-          </a:p>
-        </p:txBody>
-      </p:sp>
-      <p:sp>
-        <p:nvSpPr>
-          <p:cNvPr id="3" name="內容版面配置區 2"/>
-          <p:cNvSpPr>
-            <a:spLocks noGrp="1"/>
-          </p:cNvSpPr>
-          <p:nvPr>
-            <p:ph idx="1"/>
-          </p:nvPr>
-        </p:nvSpPr>
-        <p:spPr/>
-        <p:txBody>
-          <a:bodyPr>
-            <a:normAutofit fontScale="92500"/>
-          </a:bodyPr>
-          <a:lstStyle/>
-          <a:p>
-            <a:r>
-              <a:rPr lang="en-US" altLang="zh-TW" dirty="0" err="1"/>
-              <a:t>kmax</a:t>
-            </a:r>
-            <a:r>
-              <a:rPr lang="en-US" altLang="zh-TW" dirty="0"/>
-              <a:t> </a:t>
-            </a:r>
-            <a:r>
-              <a:rPr lang="en-US" altLang="zh-TW" i="1" dirty="0"/>
-              <a:t>is either infinite or no greater than </a:t>
-            </a:r>
-            <a:r>
-              <a:rPr lang="en-US" altLang="zh-TW" dirty="0"/>
-              <a:t>|</a:t>
-            </a:r>
-            <a:r>
-              <a:rPr lang="en-US" altLang="zh-TW" dirty="0" smtClean="0"/>
-              <a:t>Q\F|</a:t>
-            </a:r>
-            <a:r>
-              <a:rPr lang="en-US" altLang="zh-TW" i="1" dirty="0" smtClean="0"/>
-              <a:t>.</a:t>
-            </a:r>
-          </a:p>
-          <a:p>
-            <a:pPr lvl="1"/>
-            <a:r>
-              <a:rPr lang="en-US" altLang="zh-TW" i="1" dirty="0" smtClean="0"/>
-              <a:t>if k&gt;</a:t>
-            </a:r>
-            <a:r>
-              <a:rPr lang="en-US" altLang="zh-TW" dirty="0" smtClean="0"/>
-              <a:t> |Q\F|</a:t>
-            </a:r>
-            <a:r>
-              <a:rPr lang="en-US" altLang="zh-TW" i="1" dirty="0"/>
-              <a:t> </a:t>
-            </a:r>
-            <a:r>
-              <a:rPr lang="en-US" altLang="zh-TW" i="1" dirty="0" smtClean="0"/>
-              <a:t>-&gt; exists fail recovery path </a:t>
-            </a:r>
-            <a:r>
-              <a:rPr lang="el-GR" altLang="zh-TW" dirty="0" smtClean="0"/>
-              <a:t>ρ</a:t>
-            </a:r>
-            <a:r>
-              <a:rPr lang="en-US" altLang="zh-TW" i="1" dirty="0" smtClean="0"/>
-              <a:t> with k+1 states</a:t>
-            </a:r>
-          </a:p>
-          <a:p>
-            <a:pPr lvl="1"/>
-            <a:r>
-              <a:rPr lang="en-US" altLang="zh-TW" i="1" dirty="0" smtClean="0"/>
-              <a:t>However, there are only </a:t>
-            </a:r>
-            <a:r>
-              <a:rPr lang="en-US" altLang="zh-TW" dirty="0" smtClean="0"/>
-              <a:t>|Q\F|</a:t>
-            </a:r>
-            <a:r>
-              <a:rPr lang="en-US" altLang="zh-TW" i="1" dirty="0" smtClean="0"/>
-              <a:t> safety states -&gt; repeat states in the path</a:t>
-            </a:r>
-          </a:p>
-          <a:p>
-            <a:pPr lvl="1"/>
-            <a:r>
-              <a:rPr lang="en-US" altLang="zh-TW" dirty="0" smtClean="0"/>
-              <a:t>There should be a shorter fail path -&gt; contradiction</a:t>
-            </a:r>
-          </a:p>
-          <a:p>
-            <a:r>
-              <a:rPr lang="en-US" altLang="zh-TW" i="1" dirty="0"/>
-              <a:t>A memoryless control strategy for the states </a:t>
-            </a:r>
-            <a:r>
-              <a:rPr lang="en-US" altLang="zh-TW" i="1" dirty="0" smtClean="0"/>
-              <a:t>in </a:t>
-            </a:r>
-            <a:r>
-              <a:rPr lang="en-US" altLang="zh-TW" dirty="0" err="1" smtClean="0"/>
-              <a:t>sfrchk</a:t>
-            </a:r>
-            <a:r>
-              <a:rPr lang="en-US" altLang="zh-TW" dirty="0" smtClean="0"/>
-              <a:t>(S</a:t>
-            </a:r>
-            <a:r>
-              <a:rPr lang="en-US" altLang="zh-TW" dirty="0"/>
-              <a:t>) </a:t>
-            </a:r>
-            <a:r>
-              <a:rPr lang="en-US" altLang="zh-TW" i="1" dirty="0"/>
-              <a:t>can be constructed in time linear in both </a:t>
-            </a:r>
-            <a:r>
-              <a:rPr lang="en-US" altLang="zh-TW" dirty="0"/>
-              <a:t>k </a:t>
-            </a:r>
-            <a:r>
-              <a:rPr lang="en-US" altLang="zh-TW" i="1" dirty="0" smtClean="0"/>
-              <a:t>and the Game </a:t>
-            </a:r>
-            <a:r>
-              <a:rPr lang="en-US" altLang="zh-TW" i="1" dirty="0"/>
-              <a:t>size </a:t>
-            </a:r>
-            <a:r>
-              <a:rPr lang="en-US" altLang="zh-TW" dirty="0"/>
-              <a:t>|</a:t>
-            </a:r>
-            <a:r>
-              <a:rPr lang="en-US" altLang="zh-TW" dirty="0" smtClean="0"/>
-              <a:t>G|</a:t>
-            </a:r>
-            <a:endParaRPr lang="en-US" altLang="zh-TW" i="1" dirty="0"/>
-          </a:p>
-          <a:p>
-            <a:pPr lvl="1"/>
-            <a:r>
-              <a:rPr lang="en-US" altLang="zh-TW" dirty="0"/>
-              <a:t>All individual steps in the </a:t>
-            </a:r>
-            <a:r>
-              <a:rPr lang="en-US" altLang="zh-TW" dirty="0" smtClean="0"/>
-              <a:t>construction are linear in </a:t>
-            </a:r>
-            <a:r>
-              <a:rPr lang="en-US" altLang="zh-TW" dirty="0"/>
-              <a:t>the size of the safety resilience game, and there </a:t>
-            </a:r>
-            <a:r>
-              <a:rPr lang="en-US" altLang="zh-TW" dirty="0" smtClean="0"/>
-              <a:t>are O(k</a:t>
-            </a:r>
-            <a:r>
-              <a:rPr lang="en-US" altLang="zh-TW" dirty="0"/>
-              <a:t>) of these operations in the construction</a:t>
-            </a:r>
-            <a:r>
-              <a:rPr lang="en-US" altLang="zh-TW" dirty="0" smtClean="0"/>
-              <a:t>.</a:t>
-            </a:r>
-          </a:p>
-          <a:p>
-            <a:r>
-              <a:rPr lang="en-US" altLang="zh-TW" dirty="0" err="1" smtClean="0"/>
-              <a:t>resk</a:t>
-            </a:r>
-            <a:r>
-              <a:rPr lang="en-US" altLang="zh-TW" dirty="0" smtClean="0"/>
-              <a:t>(G</a:t>
-            </a:r>
-            <a:r>
-              <a:rPr lang="en-US" altLang="zh-TW" dirty="0"/>
-              <a:t>) </a:t>
-            </a:r>
-            <a:r>
-              <a:rPr lang="en-US" altLang="zh-TW" i="1" dirty="0"/>
-              <a:t>and a memoryless </a:t>
-            </a:r>
-            <a:r>
-              <a:rPr lang="en-US" altLang="zh-TW" dirty="0"/>
-              <a:t>k</a:t>
-            </a:r>
-            <a:r>
-              <a:rPr lang="en-US" altLang="zh-TW" i="1" dirty="0"/>
-              <a:t>-resilient </a:t>
-            </a:r>
-            <a:r>
-              <a:rPr lang="en-US" altLang="zh-TW" i="1" dirty="0" smtClean="0"/>
-              <a:t>control strategy </a:t>
-            </a:r>
-            <a:r>
-              <a:rPr lang="en-US" altLang="zh-TW" i="1" dirty="0"/>
-              <a:t>for </a:t>
-            </a:r>
-            <a:r>
-              <a:rPr lang="en-US" altLang="zh-TW" dirty="0" err="1" smtClean="0"/>
-              <a:t>resk</a:t>
-            </a:r>
-            <a:r>
-              <a:rPr lang="en-US" altLang="zh-TW" dirty="0" smtClean="0"/>
-              <a:t>(G</a:t>
-            </a:r>
-            <a:r>
-              <a:rPr lang="en-US" altLang="zh-TW" dirty="0"/>
-              <a:t>) </a:t>
-            </a:r>
-            <a:r>
-              <a:rPr lang="en-US" altLang="zh-TW" i="1" dirty="0"/>
-              <a:t>can be constructed in </a:t>
-            </a:r>
-            <a:r>
-              <a:rPr lang="en-US" altLang="zh-TW" dirty="0"/>
-              <a:t>O(k·|</a:t>
-            </a:r>
-            <a:r>
-              <a:rPr lang="en-US" altLang="zh-TW" dirty="0" smtClean="0"/>
-              <a:t>Q\F</a:t>
-            </a:r>
-            <a:r>
-              <a:rPr lang="en-US" altLang="zh-TW" dirty="0"/>
-              <a:t>|·|G</a:t>
-            </a:r>
-            <a:r>
-              <a:rPr lang="en-US" altLang="zh-TW" dirty="0" smtClean="0"/>
-              <a:t>|) </a:t>
-            </a:r>
-            <a:r>
-              <a:rPr lang="en-US" altLang="zh-TW" i="1" dirty="0" smtClean="0"/>
-              <a:t>time.</a:t>
-            </a:r>
-          </a:p>
-          <a:p>
-            <a:pPr lvl="1"/>
-            <a:r>
-              <a:rPr lang="en-US" altLang="zh-TW" dirty="0"/>
-              <a:t>There are at most |Q\F| times of </a:t>
-            </a:r>
-            <a:r>
-              <a:rPr lang="en-US" altLang="zh-TW" dirty="0" err="1"/>
-              <a:t>sfrchk</a:t>
-            </a:r>
-            <a:r>
-              <a:rPr lang="en-US" altLang="zh-TW" dirty="0"/>
-              <a:t>(S) during the </a:t>
-            </a:r>
-            <a:r>
-              <a:rPr lang="en-US" altLang="zh-TW" dirty="0" smtClean="0"/>
-              <a:t>process of finding </a:t>
-            </a:r>
-            <a:r>
-              <a:rPr lang="en-US" altLang="zh-TW" dirty="0" err="1" smtClean="0"/>
-              <a:t>resk</a:t>
-            </a:r>
-            <a:r>
-              <a:rPr lang="en-US" altLang="zh-TW" dirty="0" smtClean="0"/>
-              <a:t>(G)</a:t>
-            </a:r>
-            <a:endParaRPr lang="en-US" altLang="zh-TW" i="1" dirty="0" smtClean="0"/>
-          </a:p>
-        </p:txBody>
-      </p:sp>
-      <p:sp>
-        <p:nvSpPr>
-          <p:cNvPr id="4" name="投影片編號版面配置區 3"/>
-          <p:cNvSpPr>
-            <a:spLocks noGrp="1"/>
-          </p:cNvSpPr>
-          <p:nvPr>
-            <p:ph type="sldNum" sz="quarter" idx="12"/>
-          </p:nvPr>
-        </p:nvSpPr>
-        <p:spPr/>
-        <p:txBody>
-          <a:bodyPr/>
-          <a:lstStyle/>
-          <a:p>
-            <a:fld id="{8814B9A1-13D7-40D3-AF1F-2A05E4CD1866}" type="slidenum">
-              <a:rPr lang="zh-TW" altLang="en-US" smtClean="0"/>
-              <a:t>38</a:t>
-            </a:fld>
-            <a:endParaRPr lang="zh-TW" altLang="en-US"/>
-          </a:p>
-        </p:txBody>
-      </p:sp>
-    </p:spTree>
-    <p:extLst>
-      <p:ext uri="{BB962C8B-B14F-4D97-AF65-F5344CB8AC3E}">
-        <p14:creationId xmlns:p14="http://schemas.microsoft.com/office/powerpoint/2010/main" val="3524931336"/>
       </p:ext>
     </p:extLst>
   </p:cSld>
@@ -21137,38 +22256,277 @@
           <a:p>
             <a:r>
               <a:rPr lang="en-US" altLang="zh-TW" dirty="0" smtClean="0"/>
-              <a:t>Experiment-BSIL</a:t>
+              <a:t>Complexity</a:t>
             </a:r>
             <a:endParaRPr lang="zh-TW" altLang="en-US" dirty="0"/>
           </a:p>
         </p:txBody>
       </p:sp>
-      <p:pic>
-        <p:nvPicPr>
-          <p:cNvPr id="5" name="內容版面配置區 4"/>
-          <p:cNvPicPr>
-            <a:picLocks noGrp="1" noChangeAspect="1"/>
-          </p:cNvPicPr>
+      <p:sp>
+        <p:nvSpPr>
+          <p:cNvPr id="3" name="內容版面配置區 2"/>
+          <p:cNvSpPr>
+            <a:spLocks noGrp="1"/>
+          </p:cNvSpPr>
           <p:nvPr>
             <p:ph idx="1"/>
           </p:nvPr>
-        </p:nvPicPr>
-        <p:blipFill>
-          <a:blip r:embed="rId3"/>
-          <a:stretch>
-            <a:fillRect/>
-          </a:stretch>
-        </p:blipFill>
-        <p:spPr>
-          <a:xfrm>
-            <a:off x="2614098" y="1825625"/>
-            <a:ext cx="6963804" cy="4351338"/>
-          </a:xfrm>
-          <a:prstGeom prst="rect">
-            <a:avLst/>
-          </a:prstGeom>
-        </p:spPr>
-      </p:pic>
+        </p:nvSpPr>
+        <p:spPr/>
+        <p:txBody>
+          <a:bodyPr>
+            <a:normAutofit fontScale="92500"/>
+          </a:bodyPr>
+          <a:lstStyle/>
+          <a:p>
+            <a:r>
+              <a:rPr lang="en-US" altLang="zh-TW" dirty="0" err="1"/>
+              <a:t>kmax</a:t>
+            </a:r>
+            <a:r>
+              <a:rPr lang="en-US" altLang="zh-TW" dirty="0"/>
+              <a:t> </a:t>
+            </a:r>
+            <a:r>
+              <a:rPr lang="en-US" altLang="zh-TW" i="1" dirty="0"/>
+              <a:t>is either infinite or no greater than </a:t>
+            </a:r>
+            <a:r>
+              <a:rPr lang="en-US" altLang="zh-TW" dirty="0"/>
+              <a:t>|</a:t>
+            </a:r>
+            <a:r>
+              <a:rPr lang="en-US" altLang="zh-TW" dirty="0" smtClean="0"/>
+              <a:t>Q\F|</a:t>
+            </a:r>
+            <a:r>
+              <a:rPr lang="en-US" altLang="zh-TW" i="1" dirty="0" smtClean="0"/>
+              <a:t>.</a:t>
+            </a:r>
+          </a:p>
+          <a:p>
+            <a:pPr lvl="1"/>
+            <a:r>
+              <a:rPr lang="en-US" altLang="zh-TW" i="1" dirty="0" smtClean="0"/>
+              <a:t>if k&gt;</a:t>
+            </a:r>
+            <a:r>
+              <a:rPr lang="en-US" altLang="zh-TW" dirty="0" smtClean="0"/>
+              <a:t> |Q\F|</a:t>
+            </a:r>
+            <a:r>
+              <a:rPr lang="en-US" altLang="zh-TW" i="1" dirty="0"/>
+              <a:t> </a:t>
+            </a:r>
+            <a:r>
+              <a:rPr lang="en-US" altLang="zh-TW" i="1" dirty="0" smtClean="0"/>
+              <a:t>-&gt; exists fail recovery path </a:t>
+            </a:r>
+            <a:r>
+              <a:rPr lang="el-GR" altLang="zh-TW" dirty="0" smtClean="0"/>
+              <a:t>ρ</a:t>
+            </a:r>
+            <a:r>
+              <a:rPr lang="en-US" altLang="zh-TW" i="1" dirty="0" smtClean="0"/>
+              <a:t> with k+1 states</a:t>
+            </a:r>
+          </a:p>
+          <a:p>
+            <a:pPr lvl="1"/>
+            <a:r>
+              <a:rPr lang="en-US" altLang="zh-TW" i="1" dirty="0" smtClean="0"/>
+              <a:t>However, there are only </a:t>
+            </a:r>
+            <a:r>
+              <a:rPr lang="en-US" altLang="zh-TW" dirty="0" smtClean="0"/>
+              <a:t>|Q\F|</a:t>
+            </a:r>
+            <a:r>
+              <a:rPr lang="en-US" altLang="zh-TW" i="1" dirty="0" smtClean="0"/>
+              <a:t> safety states -&gt; repeat states in the path</a:t>
+            </a:r>
+          </a:p>
+          <a:p>
+            <a:pPr lvl="1"/>
+            <a:r>
+              <a:rPr lang="en-US" altLang="zh-TW" dirty="0" smtClean="0"/>
+              <a:t>There should be a shorter fail path -&gt; contradiction</a:t>
+            </a:r>
+          </a:p>
+          <a:p>
+            <a:r>
+              <a:rPr lang="en-US" altLang="zh-TW" i="1" dirty="0"/>
+              <a:t>A memoryless control strategy for the states </a:t>
+            </a:r>
+            <a:r>
+              <a:rPr lang="en-US" altLang="zh-TW" i="1" dirty="0" smtClean="0"/>
+              <a:t>in </a:t>
+            </a:r>
+            <a:r>
+              <a:rPr lang="en-US" altLang="zh-TW" dirty="0" err="1" smtClean="0"/>
+              <a:t>sfrchk</a:t>
+            </a:r>
+            <a:r>
+              <a:rPr lang="en-US" altLang="zh-TW" dirty="0" smtClean="0"/>
+              <a:t>(S</a:t>
+            </a:r>
+            <a:r>
+              <a:rPr lang="en-US" altLang="zh-TW" dirty="0"/>
+              <a:t>) </a:t>
+            </a:r>
+            <a:r>
+              <a:rPr lang="en-US" altLang="zh-TW" i="1" dirty="0"/>
+              <a:t>can be constructed in time linear in both </a:t>
+            </a:r>
+            <a:r>
+              <a:rPr lang="en-US" altLang="zh-TW" dirty="0"/>
+              <a:t>k </a:t>
+            </a:r>
+            <a:r>
+              <a:rPr lang="en-US" altLang="zh-TW" i="1" dirty="0" smtClean="0"/>
+              <a:t>and the Game </a:t>
+            </a:r>
+            <a:r>
+              <a:rPr lang="en-US" altLang="zh-TW" i="1" dirty="0"/>
+              <a:t>size </a:t>
+            </a:r>
+            <a:r>
+              <a:rPr lang="en-US" altLang="zh-TW" dirty="0"/>
+              <a:t>|</a:t>
+            </a:r>
+            <a:r>
+              <a:rPr lang="en-US" altLang="zh-TW" dirty="0" smtClean="0"/>
+              <a:t>G|</a:t>
+            </a:r>
+            <a:endParaRPr lang="en-US" altLang="zh-TW" i="1" dirty="0"/>
+          </a:p>
+          <a:p>
+            <a:pPr lvl="1"/>
+            <a:r>
+              <a:rPr lang="en-US" altLang="zh-TW" dirty="0"/>
+              <a:t>All individual steps in the </a:t>
+            </a:r>
+            <a:r>
+              <a:rPr lang="en-US" altLang="zh-TW" dirty="0" smtClean="0"/>
+              <a:t>construction are linear in </a:t>
+            </a:r>
+            <a:r>
+              <a:rPr lang="en-US" altLang="zh-TW" dirty="0"/>
+              <a:t>the size of the safety resilience game, and there </a:t>
+            </a:r>
+            <a:r>
+              <a:rPr lang="en-US" altLang="zh-TW" dirty="0" smtClean="0"/>
+              <a:t>are O(k</a:t>
+            </a:r>
+            <a:r>
+              <a:rPr lang="en-US" altLang="zh-TW" dirty="0"/>
+              <a:t>) of these operations in the construction</a:t>
+            </a:r>
+            <a:r>
+              <a:rPr lang="en-US" altLang="zh-TW" dirty="0" smtClean="0"/>
+              <a:t>.</a:t>
+            </a:r>
+          </a:p>
+          <a:p>
+            <a:r>
+              <a:rPr lang="en-US" altLang="zh-TW" dirty="0" err="1" smtClean="0"/>
+              <a:t>resk</a:t>
+            </a:r>
+            <a:r>
+              <a:rPr lang="en-US" altLang="zh-TW" dirty="0" smtClean="0"/>
+              <a:t>(G</a:t>
+            </a:r>
+            <a:r>
+              <a:rPr lang="en-US" altLang="zh-TW" dirty="0"/>
+              <a:t>) </a:t>
+            </a:r>
+            <a:r>
+              <a:rPr lang="en-US" altLang="zh-TW" i="1" dirty="0"/>
+              <a:t>and a memoryless </a:t>
+            </a:r>
+            <a:r>
+              <a:rPr lang="en-US" altLang="zh-TW" dirty="0"/>
+              <a:t>k</a:t>
+            </a:r>
+            <a:r>
+              <a:rPr lang="en-US" altLang="zh-TW" i="1" dirty="0"/>
+              <a:t>-resilient </a:t>
+            </a:r>
+            <a:r>
+              <a:rPr lang="en-US" altLang="zh-TW" i="1" dirty="0" smtClean="0"/>
+              <a:t>control strategy </a:t>
+            </a:r>
+            <a:r>
+              <a:rPr lang="en-US" altLang="zh-TW" i="1" dirty="0"/>
+              <a:t>for </a:t>
+            </a:r>
+            <a:r>
+              <a:rPr lang="en-US" altLang="zh-TW" dirty="0" err="1" smtClean="0"/>
+              <a:t>resk</a:t>
+            </a:r>
+            <a:r>
+              <a:rPr lang="en-US" altLang="zh-TW" dirty="0" smtClean="0"/>
+              <a:t>(G</a:t>
+            </a:r>
+            <a:r>
+              <a:rPr lang="en-US" altLang="zh-TW" dirty="0"/>
+              <a:t>) </a:t>
+            </a:r>
+            <a:r>
+              <a:rPr lang="en-US" altLang="zh-TW" i="1" dirty="0"/>
+              <a:t>can be constructed in </a:t>
+            </a:r>
+            <a:r>
+              <a:rPr lang="en-US" altLang="zh-TW" dirty="0"/>
+              <a:t>O(k·|</a:t>
+            </a:r>
+            <a:r>
+              <a:rPr lang="en-US" altLang="zh-TW" dirty="0" smtClean="0"/>
+              <a:t>Q\F</a:t>
+            </a:r>
+            <a:r>
+              <a:rPr lang="en-US" altLang="zh-TW" dirty="0"/>
+              <a:t>|·|G</a:t>
+            </a:r>
+            <a:r>
+              <a:rPr lang="en-US" altLang="zh-TW" dirty="0" smtClean="0"/>
+              <a:t>|) </a:t>
+            </a:r>
+            <a:r>
+              <a:rPr lang="en-US" altLang="zh-TW" i="1" dirty="0" smtClean="0"/>
+              <a:t>time.</a:t>
+            </a:r>
+          </a:p>
+          <a:p>
+            <a:pPr lvl="1"/>
+            <a:r>
+              <a:rPr lang="en-US" altLang="zh-TW" dirty="0"/>
+              <a:t>There are at most |Q\F| times of </a:t>
+            </a:r>
+            <a:r>
+              <a:rPr lang="en-US" altLang="zh-TW" dirty="0" err="1"/>
+              <a:t>sfrchk</a:t>
+            </a:r>
+            <a:r>
+              <a:rPr lang="en-US" altLang="zh-TW" dirty="0"/>
+              <a:t>(S) during the </a:t>
+            </a:r>
+            <a:r>
+              <a:rPr lang="en-US" altLang="zh-TW" dirty="0" smtClean="0"/>
+              <a:t>process of finding </a:t>
+            </a:r>
+            <a:r>
+              <a:rPr lang="en-US" altLang="zh-TW" dirty="0" err="1" smtClean="0"/>
+              <a:t>resk</a:t>
+            </a:r>
+            <a:r>
+              <a:rPr lang="en-US" altLang="zh-TW" dirty="0" smtClean="0"/>
+              <a:t>(G)</a:t>
+            </a:r>
+            <a:endParaRPr lang="en-US" altLang="zh-TW" i="1" dirty="0" smtClean="0"/>
+          </a:p>
+        </p:txBody>
+      </p:sp>
       <p:sp>
         <p:nvSpPr>
           <p:cNvPr id="4" name="投影片編號版面配置區 3"/>
@@ -21195,7 +22553,7 @@
     </p:spTree>
     <p:extLst>
       <p:ext uri="{BB962C8B-B14F-4D97-AF65-F5344CB8AC3E}">
-        <p14:creationId xmlns:p14="http://schemas.microsoft.com/office/powerpoint/2010/main" val="4228890179"/>
+        <p14:creationId xmlns:p14="http://schemas.microsoft.com/office/powerpoint/2010/main" val="3524931336"/>
       </p:ext>
     </p:extLst>
   </p:cSld>
@@ -21264,15 +22622,7 @@
           <a:p>
             <a:r>
               <a:rPr lang="en-US" altLang="zh-TW" dirty="0" smtClean="0"/>
-              <a:t>Logics, BSIL&amp;TCL, </a:t>
-            </a:r>
-            <a:r>
-              <a:rPr lang="en-US" altLang="zh-TW" dirty="0" smtClean="0"/>
-              <a:t>which can specify the relationship between the strategies used to fulfill different </a:t>
-            </a:r>
-            <a:r>
-              <a:rPr lang="en-US" altLang="zh-TW" dirty="0" smtClean="0"/>
-              <a:t>sub-formula</a:t>
+              <a:t>Logics, BSIL&amp;TCL, which can specify the relationship between the strategies used to fulfill different sub-formula</a:t>
             </a:r>
           </a:p>
           <a:p>
@@ -21302,7 +22652,6 @@
               <a:rPr lang="en-US" altLang="zh-TW" dirty="0" smtClean="0"/>
               <a:t>Complexity</a:t>
             </a:r>
-            <a:endParaRPr lang="en-US" altLang="zh-TW" dirty="0" smtClean="0"/>
           </a:p>
           <a:p>
             <a:r>
@@ -21311,11 +22660,7 @@
             </a:r>
             <a:r>
               <a:rPr lang="en-US" altLang="zh-TW" dirty="0" smtClean="0"/>
-              <a:t> new criteria called dense fault </a:t>
-            </a:r>
-            <a:r>
-              <a:rPr lang="en-US" altLang="zh-TW" dirty="0" smtClean="0"/>
-              <a:t>resilience</a:t>
+              <a:t> new criteria called dense fault resilience</a:t>
             </a:r>
           </a:p>
           <a:p>
@@ -21324,7 +22669,6 @@
               <a:rPr lang="en-US" altLang="zh-TW" dirty="0" smtClean="0"/>
               <a:t>Addressing the justification</a:t>
             </a:r>
-            <a:endParaRPr lang="en-US" altLang="zh-TW" dirty="0" smtClean="0"/>
           </a:p>
           <a:p>
             <a:pPr lvl="1"/>
@@ -21338,11 +22682,7 @@
             </a:r>
             <a:r>
               <a:rPr lang="en-US" altLang="zh-TW" dirty="0" smtClean="0"/>
-              <a:t>resilience of open </a:t>
-            </a:r>
-            <a:r>
-              <a:rPr lang="en-US" altLang="zh-TW" dirty="0" smtClean="0"/>
-              <a:t>systems</a:t>
+              <a:t>resilience of open systems</a:t>
             </a:r>
           </a:p>
           <a:p>
@@ -21356,11 +22696,7 @@
           <a:p>
             <a:r>
               <a:rPr lang="en-US" altLang="zh-TW" dirty="0" smtClean="0"/>
-              <a:t>Implementation </a:t>
-            </a:r>
-            <a:r>
-              <a:rPr lang="en-US" altLang="zh-TW" dirty="0" smtClean="0"/>
-              <a:t>and experiment</a:t>
+              <a:t>Implementation and experiment</a:t>
             </a:r>
             <a:endParaRPr lang="zh-TW" altLang="en-US" dirty="0"/>
           </a:p>
@@ -21436,6 +22772,108 @@
           <a:p>
             <a:r>
               <a:rPr lang="en-US" altLang="zh-TW" dirty="0" smtClean="0"/>
+              <a:t>Experiment-BSIL</a:t>
+            </a:r>
+            <a:endParaRPr lang="zh-TW" altLang="en-US" dirty="0"/>
+          </a:p>
+        </p:txBody>
+      </p:sp>
+      <p:pic>
+        <p:nvPicPr>
+          <p:cNvPr id="5" name="內容版面配置區 4"/>
+          <p:cNvPicPr>
+            <a:picLocks noGrp="1" noChangeAspect="1"/>
+          </p:cNvPicPr>
+          <p:nvPr>
+            <p:ph idx="1"/>
+          </p:nvPr>
+        </p:nvPicPr>
+        <p:blipFill>
+          <a:blip r:embed="rId3"/>
+          <a:stretch>
+            <a:fillRect/>
+          </a:stretch>
+        </p:blipFill>
+        <p:spPr>
+          <a:xfrm>
+            <a:off x="2614098" y="1825625"/>
+            <a:ext cx="6963804" cy="4351338"/>
+          </a:xfrm>
+          <a:prstGeom prst="rect">
+            <a:avLst/>
+          </a:prstGeom>
+        </p:spPr>
+      </p:pic>
+      <p:sp>
+        <p:nvSpPr>
+          <p:cNvPr id="4" name="投影片編號版面配置區 3"/>
+          <p:cNvSpPr>
+            <a:spLocks noGrp="1"/>
+          </p:cNvSpPr>
+          <p:nvPr>
+            <p:ph type="sldNum" sz="quarter" idx="12"/>
+          </p:nvPr>
+        </p:nvSpPr>
+        <p:spPr/>
+        <p:txBody>
+          <a:bodyPr/>
+          <a:lstStyle/>
+          <a:p>
+            <a:fld id="{8814B9A1-13D7-40D3-AF1F-2A05E4CD1866}" type="slidenum">
+              <a:rPr lang="zh-TW" altLang="en-US" smtClean="0"/>
+              <a:t>40</a:t>
+            </a:fld>
+            <a:endParaRPr lang="zh-TW" altLang="en-US"/>
+          </a:p>
+        </p:txBody>
+      </p:sp>
+    </p:spTree>
+    <p:extLst>
+      <p:ext uri="{BB962C8B-B14F-4D97-AF65-F5344CB8AC3E}">
+        <p14:creationId xmlns:p14="http://schemas.microsoft.com/office/powerpoint/2010/main" val="4228890179"/>
+      </p:ext>
+    </p:extLst>
+  </p:cSld>
+  <p:clrMapOvr>
+    <a:masterClrMapping/>
+  </p:clrMapOvr>
+</p:sld>
+</file>
+
+<file path=ppt/slides/slide41.xml><?xml version="1.0" encoding="utf-8"?>
+<p:sld xmlns:a="http://schemas.openxmlformats.org/drawingml/2006/main" xmlns:r="http://schemas.openxmlformats.org/officeDocument/2006/relationships" xmlns:p="http://schemas.openxmlformats.org/presentationml/2006/main">
+  <p:cSld>
+    <p:spTree>
+      <p:nvGrpSpPr>
+        <p:cNvPr id="1" name=""/>
+        <p:cNvGrpSpPr/>
+        <p:nvPr/>
+      </p:nvGrpSpPr>
+      <p:grpSpPr>
+        <a:xfrm>
+          <a:off x="0" y="0"/>
+          <a:ext cx="0" cy="0"/>
+          <a:chOff x="0" y="0"/>
+          <a:chExt cx="0" cy="0"/>
+        </a:xfrm>
+      </p:grpSpPr>
+      <p:sp>
+        <p:nvSpPr>
+          <p:cNvPr id="2" name="標題 1"/>
+          <p:cNvSpPr>
+            <a:spLocks noGrp="1"/>
+          </p:cNvSpPr>
+          <p:nvPr>
+            <p:ph type="title"/>
+          </p:nvPr>
+        </p:nvSpPr>
+        <p:spPr/>
+        <p:txBody>
+          <a:bodyPr/>
+          <a:lstStyle/>
+          <a:p>
+            <a:r>
+              <a:rPr lang="en-US" altLang="zh-TW" dirty="0" smtClean="0"/>
               <a:t>Experiment-TCL</a:t>
             </a:r>
             <a:endParaRPr lang="zh-TW" altLang="en-US" dirty="0"/>
@@ -21489,7 +22927,7 @@
           <a:p>
             <a:fld id="{DB6414AB-510D-467E-9D9B-DB14F244D422}" type="slidenum">
               <a:rPr lang="zh-TW" altLang="en-US" smtClean="0"/>
-              <a:t>40</a:t>
+              <a:t>41</a:t>
             </a:fld>
             <a:endParaRPr lang="zh-TW" altLang="en-US"/>
           </a:p>
@@ -21515,7 +22953,7 @@
 </p:sld>
 </file>
 
-<file path=ppt/slides/slide41.xml><?xml version="1.0" encoding="utf-8"?>
+<file path=ppt/slides/slide42.xml><?xml version="1.0" encoding="utf-8"?>
 <p:sld xmlns:a="http://schemas.openxmlformats.org/drawingml/2006/main" xmlns:r="http://schemas.openxmlformats.org/officeDocument/2006/relationships" xmlns:p="http://schemas.openxmlformats.org/presentationml/2006/main">
   <p:cSld>
     <p:spTree>
@@ -21598,7 +23036,7 @@
           <a:p>
             <a:fld id="{8814B9A1-13D7-40D3-AF1F-2A05E4CD1866}" type="slidenum">
               <a:rPr lang="zh-TW" altLang="en-US" smtClean="0"/>
-              <a:t>41</a:t>
+              <a:t>42</a:t>
             </a:fld>
             <a:endParaRPr lang="zh-TW" altLang="en-US"/>
           </a:p>
@@ -21608,135 +23046,6 @@
     <p:extLst>
       <p:ext uri="{BB962C8B-B14F-4D97-AF65-F5344CB8AC3E}">
         <p14:creationId xmlns:p14="http://schemas.microsoft.com/office/powerpoint/2010/main" val="736120152"/>
-      </p:ext>
-    </p:extLst>
-  </p:cSld>
-  <p:clrMapOvr>
-    <a:masterClrMapping/>
-  </p:clrMapOvr>
-</p:sld>
-</file>
-
-<file path=ppt/slides/slide42.xml><?xml version="1.0" encoding="utf-8"?>
-<p:sld xmlns:a="http://schemas.openxmlformats.org/drawingml/2006/main" xmlns:r="http://schemas.openxmlformats.org/officeDocument/2006/relationships" xmlns:p="http://schemas.openxmlformats.org/presentationml/2006/main">
-  <p:cSld>
-    <p:spTree>
-      <p:nvGrpSpPr>
-        <p:cNvPr id="1" name=""/>
-        <p:cNvGrpSpPr/>
-        <p:nvPr/>
-      </p:nvGrpSpPr>
-      <p:grpSpPr>
-        <a:xfrm>
-          <a:off x="0" y="0"/>
-          <a:ext cx="0" cy="0"/>
-          <a:chOff x="0" y="0"/>
-          <a:chExt cx="0" cy="0"/>
-        </a:xfrm>
-      </p:grpSpPr>
-      <p:sp>
-        <p:nvSpPr>
-          <p:cNvPr id="2" name="標題 1"/>
-          <p:cNvSpPr>
-            <a:spLocks noGrp="1"/>
-          </p:cNvSpPr>
-          <p:nvPr>
-            <p:ph type="title"/>
-          </p:nvPr>
-        </p:nvSpPr>
-        <p:spPr/>
-        <p:txBody>
-          <a:bodyPr/>
-          <a:lstStyle/>
-          <a:p>
-            <a:r>
-              <a:rPr lang="en-US" altLang="zh-TW" dirty="0" smtClean="0"/>
-              <a:t>Conclusion</a:t>
-            </a:r>
-            <a:endParaRPr lang="zh-TW" altLang="en-US" dirty="0"/>
-          </a:p>
-        </p:txBody>
-      </p:sp>
-      <p:sp>
-        <p:nvSpPr>
-          <p:cNvPr id="3" name="內容版面配置區 2"/>
-          <p:cNvSpPr>
-            <a:spLocks noGrp="1"/>
-          </p:cNvSpPr>
-          <p:nvPr>
-            <p:ph idx="1"/>
-          </p:nvPr>
-        </p:nvSpPr>
-        <p:spPr/>
-        <p:txBody>
-          <a:bodyPr/>
-          <a:lstStyle/>
-          <a:p>
-            <a:r>
-              <a:rPr lang="en-US" altLang="zh-TW" dirty="0" smtClean="0"/>
-              <a:t>BSIL and TCL reach a balance </a:t>
-            </a:r>
-            <a:r>
-              <a:rPr lang="en-US" altLang="zh-TW" dirty="0"/>
-              <a:t>between </a:t>
-            </a:r>
-            <a:r>
-              <a:rPr lang="en-US" altLang="zh-TW" dirty="0" smtClean="0"/>
-              <a:t>expressiveness and </a:t>
-            </a:r>
-            <a:r>
-              <a:rPr lang="en-US" altLang="zh-TW" dirty="0"/>
-              <a:t>verification </a:t>
-            </a:r>
-            <a:r>
-              <a:rPr lang="en-US" altLang="zh-TW" dirty="0" smtClean="0"/>
-              <a:t>efficiency with the capability to describe strategy inherit/release properties</a:t>
-            </a:r>
-          </a:p>
-          <a:p>
-            <a:r>
-              <a:rPr lang="en-US" altLang="zh-TW" dirty="0" smtClean="0"/>
-              <a:t>The dense error resilience defines a new error model which </a:t>
-            </a:r>
-            <a:r>
-              <a:rPr lang="en-US" altLang="zh-TW" dirty="0" smtClean="0"/>
-              <a:t>and </a:t>
-            </a:r>
-            <a:r>
-              <a:rPr lang="en-US" altLang="zh-TW" dirty="0" smtClean="0"/>
-              <a:t>can be verified in PTIME.</a:t>
-            </a:r>
-            <a:endParaRPr lang="zh-TW" altLang="en-US" dirty="0"/>
-          </a:p>
-        </p:txBody>
-      </p:sp>
-      <p:sp>
-        <p:nvSpPr>
-          <p:cNvPr id="4" name="投影片編號版面配置區 3"/>
-          <p:cNvSpPr>
-            <a:spLocks noGrp="1"/>
-          </p:cNvSpPr>
-          <p:nvPr>
-            <p:ph type="sldNum" sz="quarter" idx="12"/>
-          </p:nvPr>
-        </p:nvSpPr>
-        <p:spPr/>
-        <p:txBody>
-          <a:bodyPr/>
-          <a:lstStyle/>
-          <a:p>
-            <a:fld id="{8814B9A1-13D7-40D3-AF1F-2A05E4CD1866}" type="slidenum">
-              <a:rPr lang="zh-TW" altLang="en-US" smtClean="0"/>
-              <a:t>42</a:t>
-            </a:fld>
-            <a:endParaRPr lang="zh-TW" altLang="en-US"/>
-          </a:p>
-        </p:txBody>
-      </p:sp>
-    </p:spTree>
-    <p:extLst>
-      <p:ext uri="{BB962C8B-B14F-4D97-AF65-F5344CB8AC3E}">
-        <p14:creationId xmlns:p14="http://schemas.microsoft.com/office/powerpoint/2010/main" val="1450868428"/>
       </p:ext>
     </p:extLst>
   </p:cSld>
@@ -21773,20 +23082,59 @@
             <p:ph type="title"/>
           </p:nvPr>
         </p:nvSpPr>
-        <p:spPr>
-          <a:xfrm>
-            <a:off x="838200" y="2749097"/>
-            <a:ext cx="10515600" cy="1325563"/>
-          </a:xfrm>
-        </p:spPr>
+        <p:spPr/>
         <p:txBody>
           <a:bodyPr/>
           <a:lstStyle/>
           <a:p>
-            <a:pPr algn="ctr"/>
-            <a:r>
-              <a:rPr lang="en-US" altLang="zh-TW" dirty="0" smtClean="0"/>
-              <a:t>Q&amp;A</a:t>
+            <a:r>
+              <a:rPr lang="en-US" altLang="zh-TW" dirty="0" smtClean="0"/>
+              <a:t>Conclusion</a:t>
+            </a:r>
+            <a:endParaRPr lang="zh-TW" altLang="en-US" dirty="0"/>
+          </a:p>
+        </p:txBody>
+      </p:sp>
+      <p:sp>
+        <p:nvSpPr>
+          <p:cNvPr id="3" name="內容版面配置區 2"/>
+          <p:cNvSpPr>
+            <a:spLocks noGrp="1"/>
+          </p:cNvSpPr>
+          <p:nvPr>
+            <p:ph idx="1"/>
+          </p:nvPr>
+        </p:nvSpPr>
+        <p:spPr/>
+        <p:txBody>
+          <a:bodyPr/>
+          <a:lstStyle/>
+          <a:p>
+            <a:r>
+              <a:rPr lang="en-US" altLang="zh-TW" dirty="0" smtClean="0"/>
+              <a:t>BSIL and TCL reach a balance </a:t>
+            </a:r>
+            <a:r>
+              <a:rPr lang="en-US" altLang="zh-TW" dirty="0"/>
+              <a:t>between </a:t>
+            </a:r>
+            <a:r>
+              <a:rPr lang="en-US" altLang="zh-TW" dirty="0" smtClean="0"/>
+              <a:t>expressiveness and </a:t>
+            </a:r>
+            <a:r>
+              <a:rPr lang="en-US" altLang="zh-TW" dirty="0"/>
+              <a:t>verification </a:t>
+            </a:r>
+            <a:r>
+              <a:rPr lang="en-US" altLang="zh-TW" dirty="0" smtClean="0"/>
+              <a:t>efficiency with the capability to describe strategy inherit/release properties</a:t>
+            </a:r>
+          </a:p>
+          <a:p>
+            <a:r>
+              <a:rPr lang="en-US" altLang="zh-TW" dirty="0" smtClean="0"/>
+              <a:t>The dense error resilience defines a new error model which and can be verified in PTIME.</a:t>
             </a:r>
             <a:endParaRPr lang="zh-TW" altLang="en-US" dirty="0"/>
           </a:p>
@@ -21818,7 +23166,7 @@
     </p:spTree>
     <p:extLst>
       <p:ext uri="{BB962C8B-B14F-4D97-AF65-F5344CB8AC3E}">
-        <p14:creationId xmlns:p14="http://schemas.microsoft.com/office/powerpoint/2010/main" val="1803793366"/>
+        <p14:creationId xmlns:p14="http://schemas.microsoft.com/office/powerpoint/2010/main" val="1450868428"/>
       </p:ext>
     </p:extLst>
   </p:cSld>
@@ -21855,6 +23203,88 @@
             <p:ph type="title"/>
           </p:nvPr>
         </p:nvSpPr>
+        <p:spPr>
+          <a:xfrm>
+            <a:off x="838200" y="2749097"/>
+            <a:ext cx="10515600" cy="1325563"/>
+          </a:xfrm>
+        </p:spPr>
+        <p:txBody>
+          <a:bodyPr/>
+          <a:lstStyle/>
+          <a:p>
+            <a:pPr algn="ctr"/>
+            <a:r>
+              <a:rPr lang="en-US" altLang="zh-TW" dirty="0" smtClean="0"/>
+              <a:t>Q&amp;A</a:t>
+            </a:r>
+            <a:endParaRPr lang="zh-TW" altLang="en-US" dirty="0"/>
+          </a:p>
+        </p:txBody>
+      </p:sp>
+      <p:sp>
+        <p:nvSpPr>
+          <p:cNvPr id="4" name="投影片編號版面配置區 3"/>
+          <p:cNvSpPr>
+            <a:spLocks noGrp="1"/>
+          </p:cNvSpPr>
+          <p:nvPr>
+            <p:ph type="sldNum" sz="quarter" idx="12"/>
+          </p:nvPr>
+        </p:nvSpPr>
+        <p:spPr/>
+        <p:txBody>
+          <a:bodyPr/>
+          <a:lstStyle/>
+          <a:p>
+            <a:fld id="{8814B9A1-13D7-40D3-AF1F-2A05E4CD1866}" type="slidenum">
+              <a:rPr lang="zh-TW" altLang="en-US" smtClean="0"/>
+              <a:t>44</a:t>
+            </a:fld>
+            <a:endParaRPr lang="zh-TW" altLang="en-US"/>
+          </a:p>
+        </p:txBody>
+      </p:sp>
+    </p:spTree>
+    <p:extLst>
+      <p:ext uri="{BB962C8B-B14F-4D97-AF65-F5344CB8AC3E}">
+        <p14:creationId xmlns:p14="http://schemas.microsoft.com/office/powerpoint/2010/main" val="1803793366"/>
+      </p:ext>
+    </p:extLst>
+  </p:cSld>
+  <p:clrMapOvr>
+    <a:masterClrMapping/>
+  </p:clrMapOvr>
+</p:sld>
+</file>
+
+<file path=ppt/slides/slide45.xml><?xml version="1.0" encoding="utf-8"?>
+<p:sld xmlns:a="http://schemas.openxmlformats.org/drawingml/2006/main" xmlns:r="http://schemas.openxmlformats.org/officeDocument/2006/relationships" xmlns:p="http://schemas.openxmlformats.org/presentationml/2006/main">
+  <p:cSld>
+    <p:spTree>
+      <p:nvGrpSpPr>
+        <p:cNvPr id="1" name=""/>
+        <p:cNvGrpSpPr/>
+        <p:nvPr/>
+      </p:nvGrpSpPr>
+      <p:grpSpPr>
+        <a:xfrm>
+          <a:off x="0" y="0"/>
+          <a:ext cx="0" cy="0"/>
+          <a:chOff x="0" y="0"/>
+          <a:chExt cx="0" cy="0"/>
+        </a:xfrm>
+      </p:grpSpPr>
+      <p:sp>
+        <p:nvSpPr>
+          <p:cNvPr id="2" name="標題 1"/>
+          <p:cNvSpPr>
+            <a:spLocks noGrp="1"/>
+          </p:cNvSpPr>
+          <p:nvPr>
+            <p:ph type="title"/>
+          </p:nvPr>
+        </p:nvSpPr>
         <p:spPr/>
         <p:txBody>
           <a:bodyPr/>
@@ -21904,7 +23334,7 @@
           <a:p>
             <a:fld id="{8814B9A1-13D7-40D3-AF1F-2A05E4CD1866}" type="slidenum">
               <a:rPr lang="zh-TW" altLang="en-US" smtClean="0"/>
-              <a:t>44</a:t>
+              <a:t>45</a:t>
             </a:fld>
             <a:endParaRPr lang="zh-TW" altLang="en-US"/>
           </a:p>
@@ -21923,7 +23353,7 @@
 </p:sld>
 </file>
 
-<file path=ppt/slides/slide45.xml><?xml version="1.0" encoding="utf-8"?>
+<file path=ppt/slides/slide46.xml><?xml version="1.0" encoding="utf-8"?>
 <p:sld xmlns:a="http://schemas.openxmlformats.org/drawingml/2006/main" xmlns:r="http://schemas.openxmlformats.org/officeDocument/2006/relationships" xmlns:p="http://schemas.openxmlformats.org/presentationml/2006/main">
   <p:cSld>
     <p:spTree>
@@ -22167,7 +23597,7 @@
           <a:p>
             <a:fld id="{8814B9A1-13D7-40D3-AF1F-2A05E4CD1866}" type="slidenum">
               <a:rPr lang="zh-TW" altLang="en-US" smtClean="0"/>
-              <a:t>45</a:t>
+              <a:t>46</a:t>
             </a:fld>
             <a:endParaRPr lang="zh-TW" altLang="en-US"/>
           </a:p>
@@ -22186,7 +23616,7 @@
 </p:sld>
 </file>
 
-<file path=ppt/slides/slide46.xml><?xml version="1.0" encoding="utf-8"?>
+<file path=ppt/slides/slide47.xml><?xml version="1.0" encoding="utf-8"?>
 <p:sld xmlns:a="http://schemas.openxmlformats.org/drawingml/2006/main" xmlns:r="http://schemas.openxmlformats.org/officeDocument/2006/relationships" xmlns:p="http://schemas.openxmlformats.org/presentationml/2006/main">
   <p:cSld>
     <p:spTree>
@@ -22594,7 +24024,7 @@
           <a:p>
             <a:fld id="{8814B9A1-13D7-40D3-AF1F-2A05E4CD1866}" type="slidenum">
               <a:rPr lang="zh-TW" altLang="en-US" smtClean="0"/>
-              <a:t>46</a:t>
+              <a:t>47</a:t>
             </a:fld>
             <a:endParaRPr lang="zh-TW" altLang="en-US"/>
           </a:p>
@@ -22712,14 +24142,14 @@
           <a:p>
             <a:pPr algn="ctr"/>
             <a:r>
-              <a:rPr lang="en-US" altLang="zh-TW" dirty="0" err="1"/>
+              <a:rPr lang="en-US" altLang="zh-TW" sz="2800" dirty="0" err="1"/>
               <a:t>p</a:t>
             </a:r>
             <a:r>
-              <a:rPr lang="en-US" altLang="zh-TW" dirty="0" err="1" smtClean="0"/>
+              <a:rPr lang="en-US" altLang="zh-TW" sz="2800" dirty="0" err="1" smtClean="0"/>
               <a:t>,q</a:t>
             </a:r>
-            <a:endParaRPr lang="zh-TW" altLang="en-US" dirty="0"/>
+            <a:endParaRPr lang="zh-TW" altLang="en-US" sz="2800" dirty="0"/>
           </a:p>
         </p:txBody>
       </p:sp>
@@ -22759,10 +24189,10 @@
           <a:p>
             <a:pPr algn="ctr"/>
             <a:r>
-              <a:rPr lang="en-US" altLang="zh-TW" dirty="0" smtClean="0"/>
+              <a:rPr lang="en-US" altLang="zh-TW" sz="2800" dirty="0" smtClean="0"/>
               <a:t>q</a:t>
             </a:r>
-            <a:endParaRPr lang="zh-TW" altLang="en-US" dirty="0"/>
+            <a:endParaRPr lang="zh-TW" altLang="en-US" sz="2800" dirty="0"/>
           </a:p>
         </p:txBody>
       </p:sp>
@@ -23367,10 +24797,10 @@
           <a:p>
             <a:pPr algn="ctr"/>
             <a:r>
-              <a:rPr lang="en-US" altLang="zh-TW" dirty="0" smtClean="0"/>
+              <a:rPr lang="en-US" altLang="zh-TW" sz="2800" dirty="0" smtClean="0"/>
               <a:t>p</a:t>
             </a:r>
-            <a:endParaRPr lang="zh-TW" altLang="en-US" dirty="0"/>
+            <a:endParaRPr lang="zh-TW" altLang="en-US" sz="2800" dirty="0"/>
           </a:p>
         </p:txBody>
       </p:sp>
@@ -23410,12 +24840,12 @@
           <a:p>
             <a:pPr algn="ctr"/>
             <a:r>
-              <a:rPr lang="el-GR" altLang="zh-TW" dirty="0">
+              <a:rPr lang="el-GR" altLang="zh-TW" sz="2800" dirty="0">
                 <a:sym typeface="Symbol" panose="05050102010706020507" pitchFamily="18" charset="2"/>
               </a:rPr>
               <a:t></a:t>
             </a:r>
-            <a:endParaRPr lang="zh-TW" altLang="en-US" dirty="0"/>
+            <a:endParaRPr lang="zh-TW" altLang="en-US" sz="2800" dirty="0"/>
           </a:p>
         </p:txBody>
       </p:sp>
@@ -23884,17 +25314,12 @@
               <a:rPr lang="en-US" altLang="zh-TW" dirty="0" smtClean="0"/>
               <a:t> </a:t>
             </a:r>
-            <a:endParaRPr lang="en-US" altLang="zh-TW" dirty="0" smtClean="0"/>
           </a:p>
           <a:p>
             <a:pPr lvl="1"/>
             <a:r>
               <a:rPr lang="en-US" altLang="zh-TW" dirty="0" smtClean="0"/>
-              <a:t>&lt;</a:t>
-            </a:r>
-            <a:r>
-              <a:rPr lang="en-US" altLang="zh-TW" dirty="0" smtClean="0"/>
-              <a:t>1</a:t>
+              <a:t>&lt;1</a:t>
             </a:r>
             <a:r>
               <a:rPr lang="en-US" altLang="zh-TW" i="1" dirty="0" smtClean="0"/>
@@ -24106,6 +25531,89 @@
               </a:rPr>
               <a:t>GL (Game Logic) [AHK2002] </a:t>
             </a:r>
+          </a:p>
+          <a:p>
+            <a:pPr lvl="1">
+              <a:defRPr/>
+            </a:pPr>
+            <a:r>
+              <a:rPr lang="zh-TW" altLang="en-US" dirty="0" smtClean="0"/>
+              <a:t>∃</a:t>
+            </a:r>
+            <a:r>
+              <a:rPr lang="en-US" altLang="zh-TW" dirty="0" smtClean="0"/>
+              <a:t>{1,2,3}</a:t>
+            </a:r>
+            <a:r>
+              <a:rPr lang="en-US" altLang="zh-TW" dirty="0"/>
+              <a:t> ((</a:t>
+            </a:r>
+            <a:r>
+              <a:rPr lang="en-US" altLang="zh-TW" dirty="0">
+                <a:sym typeface="Wingdings 2"/>
+              </a:rPr>
+              <a:t> </a:t>
+            </a:r>
+            <a:r>
+              <a:rPr lang="zh-TW" altLang="en-US" dirty="0"/>
+              <a:t>￢</a:t>
+            </a:r>
+            <a:r>
+              <a:rPr lang="en-US" altLang="zh-TW" dirty="0"/>
+              <a:t>j1)</a:t>
+            </a:r>
+            <a:r>
+              <a:rPr lang="en-US" altLang="zh-TW" b="1" dirty="0">
+                <a:sym typeface="Symbol"/>
+              </a:rPr>
+              <a:t></a:t>
+            </a:r>
+            <a:r>
+              <a:rPr lang="en-US" altLang="zh-TW" dirty="0"/>
+              <a:t>(</a:t>
+            </a:r>
+            <a:r>
+              <a:rPr lang="en-US" altLang="zh-TW" dirty="0">
+                <a:sym typeface="Wingdings 2"/>
+              </a:rPr>
+              <a:t> </a:t>
+            </a:r>
+            <a:r>
+              <a:rPr lang="zh-TW" altLang="en-US" dirty="0"/>
+              <a:t>￢</a:t>
+            </a:r>
+            <a:r>
+              <a:rPr lang="en-US" altLang="zh-TW" dirty="0"/>
+              <a:t>j2)</a:t>
+            </a:r>
+            <a:r>
+              <a:rPr lang="en-US" altLang="zh-TW" b="1" dirty="0">
+                <a:sym typeface="Symbol"/>
+              </a:rPr>
+              <a:t></a:t>
+            </a:r>
+            <a:r>
+              <a:rPr lang="en-US" altLang="zh-TW" dirty="0"/>
+              <a:t>(</a:t>
+            </a:r>
+            <a:r>
+              <a:rPr lang="en-US" altLang="zh-TW" dirty="0">
+                <a:sym typeface="Wingdings 2"/>
+              </a:rPr>
+              <a:t> </a:t>
+            </a:r>
+            <a:r>
+              <a:rPr lang="zh-TW" altLang="en-US" dirty="0"/>
+              <a:t>￢</a:t>
+            </a:r>
+            <a:r>
+              <a:rPr lang="en-US" altLang="zh-TW" dirty="0"/>
+              <a:t>j3</a:t>
+            </a:r>
+            <a:r>
+              <a:rPr lang="en-US" altLang="zh-TW" dirty="0" smtClean="0"/>
+              <a:t>))</a:t>
+            </a:r>
             <a:endParaRPr lang="en-US" altLang="zh-TW" dirty="0" smtClean="0">
               <a:solidFill>
                 <a:schemeClr val="tx2"/>
@@ -24113,98 +25621,6 @@
             </a:endParaRPr>
           </a:p>
           <a:p>
-            <a:pPr lvl="1">
-              <a:defRPr/>
-            </a:pPr>
-            <a:r>
-              <a:rPr lang="zh-TW" altLang="en-US" dirty="0" smtClean="0"/>
-              <a:t>∃</a:t>
-            </a:r>
-            <a:r>
-              <a:rPr lang="en-US" altLang="zh-TW" dirty="0" smtClean="0"/>
-              <a:t>{</a:t>
-            </a:r>
-            <a:r>
-              <a:rPr lang="en-US" altLang="zh-TW" dirty="0" smtClean="0"/>
-              <a:t>1,2,3}</a:t>
-            </a:r>
-            <a:r>
-              <a:rPr lang="en-US" altLang="zh-TW" dirty="0"/>
-              <a:t> ((</a:t>
-            </a:r>
-            <a:r>
-              <a:rPr lang="en-US" altLang="zh-TW" dirty="0">
-                <a:sym typeface="Wingdings 2"/>
-              </a:rPr>
-              <a:t> </a:t>
-            </a:r>
-            <a:r>
-              <a:rPr lang="zh-TW" altLang="en-US" dirty="0"/>
-              <a:t>￢</a:t>
-            </a:r>
-            <a:r>
-              <a:rPr lang="en-US" altLang="zh-TW" dirty="0"/>
-              <a:t>j1)</a:t>
-            </a:r>
-            <a:r>
-              <a:rPr lang="en-US" altLang="zh-TW" b="1" dirty="0">
-                <a:sym typeface="Symbol"/>
-              </a:rPr>
-              <a:t></a:t>
-            </a:r>
-            <a:r>
-              <a:rPr lang="en-US" altLang="zh-TW" dirty="0"/>
-              <a:t>(</a:t>
-            </a:r>
-            <a:r>
-              <a:rPr lang="en-US" altLang="zh-TW" dirty="0">
-                <a:sym typeface="Wingdings 2"/>
-              </a:rPr>
-              <a:t> </a:t>
-            </a:r>
-            <a:r>
-              <a:rPr lang="zh-TW" altLang="en-US" dirty="0"/>
-              <a:t>￢</a:t>
-            </a:r>
-            <a:r>
-              <a:rPr lang="en-US" altLang="zh-TW" dirty="0"/>
-              <a:t>j2)</a:t>
-            </a:r>
-            <a:r>
-              <a:rPr lang="en-US" altLang="zh-TW" b="1" dirty="0">
-                <a:sym typeface="Symbol"/>
-              </a:rPr>
-              <a:t></a:t>
-            </a:r>
-            <a:r>
-              <a:rPr lang="en-US" altLang="zh-TW" dirty="0"/>
-              <a:t>(</a:t>
-            </a:r>
-            <a:r>
-              <a:rPr lang="en-US" altLang="zh-TW" dirty="0">
-                <a:sym typeface="Wingdings 2"/>
-              </a:rPr>
-              <a:t> </a:t>
-            </a:r>
-            <a:r>
-              <a:rPr lang="zh-TW" altLang="en-US" dirty="0"/>
-              <a:t>￢</a:t>
-            </a:r>
-            <a:r>
-              <a:rPr lang="en-US" altLang="zh-TW" dirty="0"/>
-              <a:t>j3</a:t>
-            </a:r>
-            <a:r>
-              <a:rPr lang="en-US" altLang="zh-TW" dirty="0" smtClean="0"/>
-              <a:t>))</a:t>
-            </a:r>
-            <a:endParaRPr lang="en-US" altLang="zh-TW" dirty="0" smtClean="0">
-              <a:solidFill>
-                <a:schemeClr val="tx2"/>
-              </a:solidFill>
-            </a:endParaRPr>
-          </a:p>
-          <a:p>
             <a:pPr>
               <a:defRPr/>
             </a:pPr>
@@ -24216,11 +25632,6 @@
               </a:rPr>
               <a:t>SL (Strategy Logic) [CHP2010] </a:t>
             </a:r>
-            <a:endParaRPr lang="en-US" altLang="zh-TW" dirty="0" smtClean="0">
-              <a:solidFill>
-                <a:schemeClr val="tx2"/>
-              </a:solidFill>
-            </a:endParaRPr>
           </a:p>
           <a:p>
             <a:pPr lvl="1">
@@ -24549,26 +25960,13 @@
           <a:p>
             <a:r>
               <a:rPr lang="en-US" altLang="zh-TW" sz="2400" dirty="0" smtClean="0"/>
-              <a:t>Can specify the relationship between strategies used to satisfy different </a:t>
-            </a:r>
+              <a:t>Can specify the relationship between strategies used to satisfy different sub-formulas </a:t>
+            </a:r>
+          </a:p>
+          <a:p>
             <a:r>
               <a:rPr lang="en-US" altLang="zh-TW" sz="2400" dirty="0" smtClean="0"/>
-              <a:t>sub-formulas </a:t>
-            </a:r>
-            <a:endParaRPr lang="en-US" altLang="zh-TW" sz="2400" dirty="0" smtClean="0"/>
-          </a:p>
-          <a:p>
-            <a:r>
-              <a:rPr lang="en-US" altLang="zh-TW" sz="2400" dirty="0" smtClean="0"/>
-              <a:t>Relatively </a:t>
-            </a:r>
-            <a:r>
-              <a:rPr lang="en-US" altLang="zh-TW" sz="2400" dirty="0" smtClean="0"/>
-              <a:t>low model checking </a:t>
-            </a:r>
-            <a:r>
-              <a:rPr lang="en-US" altLang="zh-TW" sz="2400" dirty="0" smtClean="0"/>
-              <a:t>complexity(PSPACE)</a:t>
+              <a:t>Relatively low model checking complexity(PSPACE)</a:t>
             </a:r>
           </a:p>
           <a:p>
@@ -25050,13 +26448,8 @@
           <a:p>
             <a:r>
               <a:rPr lang="en-US" altLang="zh-TW" dirty="0" smtClean="0"/>
-              <a:t>An </a:t>
-            </a:r>
-            <a:r>
-              <a:rPr lang="en-US" altLang="zh-TW" dirty="0" smtClean="0"/>
-              <a:t>extension of BSIL </a:t>
-            </a:r>
-            <a:endParaRPr lang="en-US" altLang="zh-TW" dirty="0" smtClean="0"/>
+              <a:t>An extension of BSIL </a:t>
+            </a:r>
           </a:p>
           <a:p>
             <a:r>
@@ -25065,25 +26458,13 @@
             </a:r>
             <a:r>
               <a:rPr lang="en-US" altLang="zh-TW" dirty="0" smtClean="0"/>
-              <a:t>ore </a:t>
-            </a:r>
-            <a:r>
-              <a:rPr lang="en-US" altLang="zh-TW" dirty="0" smtClean="0"/>
-              <a:t>expressive </a:t>
-            </a:r>
-            <a:r>
-              <a:rPr lang="en-US" altLang="zh-TW" dirty="0" smtClean="0"/>
-              <a:t>power</a:t>
-            </a:r>
-          </a:p>
-          <a:p>
-            <a:r>
-              <a:rPr lang="en-US" altLang="zh-TW" dirty="0" smtClean="0"/>
-              <a:t>Higher </a:t>
-            </a:r>
-            <a:r>
-              <a:rPr lang="en-US" altLang="zh-TW" dirty="0" smtClean="0"/>
-              <a:t>model checking complexity(EXPTIME)</a:t>
+              <a:t>ore expressive power</a:t>
+            </a:r>
+          </a:p>
+          <a:p>
+            <a:r>
+              <a:rPr lang="en-US" altLang="zh-TW" dirty="0" smtClean="0"/>
+              <a:t>Higher model checking complexity(EXPTIME)</a:t>
             </a:r>
             <a:r>
               <a:rPr lang="en-US" altLang="zh-TW" dirty="0">
@@ -25091,9 +26472,6 @@
               </a:rPr>
               <a:t> </a:t>
             </a:r>
-            <a:endParaRPr lang="en-US" altLang="zh-TW" dirty="0">
-              <a:sym typeface="Wingdings 2" panose="05020102010507070707" pitchFamily="18" charset="2"/>
-            </a:endParaRPr>
           </a:p>
           <a:p>
             <a:r>
